--- a/notes/presentations/DigitLunch_17_December.pptx
+++ b/notes/presentations/DigitLunch_17_December.pptx
@@ -16,10 +16,9 @@
     <p:sldId id="263" r:id="rId10"/>
     <p:sldId id="265" r:id="rId11"/>
     <p:sldId id="268" r:id="rId12"/>
-    <p:sldId id="270" r:id="rId13"/>
-    <p:sldId id="267" r:id="rId14"/>
-    <p:sldId id="261" r:id="rId15"/>
-    <p:sldId id="269" r:id="rId16"/>
+    <p:sldId id="267" r:id="rId13"/>
+    <p:sldId id="261" r:id="rId14"/>
+    <p:sldId id="269" r:id="rId15"/>
   </p:sldIdLst>
   <p:sldSz cx="12192000" cy="6858000"/>
   <p:notesSz cx="6858000" cy="9144000"/>
@@ -3252,11 +3251,7 @@
             </a:r>
             <a:r>
               <a:rPr lang="en-US" sz="800" dirty="0" smtClean="0"/>
-              <a:t> Ongoing work by </a:t>
-            </a:r>
-            <a:r>
-              <a:rPr lang="en-US" sz="800" dirty="0" smtClean="0"/>
-              <a:t>Till </a:t>
+              <a:t> Ongoing work by Till </a:t>
             </a:r>
             <a:r>
               <a:rPr lang="en-US" sz="800" dirty="0" err="1"/>
@@ -3343,12 +3338,16 @@
           <a:lstStyle/>
           <a:p>
             <a:r>
+              <a:rPr lang="en-US" dirty="0" smtClean="0"/>
+              <a:t>Show </a:t>
+            </a:r>
+            <a:r>
               <a:rPr lang="en-US" dirty="0" err="1" smtClean="0"/>
-              <a:t>Kalman</a:t>
+              <a:t>kalman</a:t>
             </a:r>
             <a:r>
               <a:rPr lang="en-US" dirty="0" smtClean="0"/>
-              <a:t> used for hidden state?</a:t>
+              <a:t> filter application</a:t>
             </a:r>
             <a:endParaRPr lang="en-US" dirty="0"/>
           </a:p>
@@ -3368,86 +3367,6 @@
 </file>
 
 <file path=ppt/slides/slide12.xml><?xml version="1.0" encoding="utf-8"?>
-<p:sld xmlns:a="http://schemas.openxmlformats.org/drawingml/2006/main" xmlns:r="http://schemas.openxmlformats.org/officeDocument/2006/relationships" xmlns:p="http://schemas.openxmlformats.org/presentationml/2006/main">
-  <p:cSld>
-    <p:spTree>
-      <p:nvGrpSpPr>
-        <p:cNvPr id="1" name=""/>
-        <p:cNvGrpSpPr/>
-        <p:nvPr/>
-      </p:nvGrpSpPr>
-      <p:grpSpPr>
-        <a:xfrm>
-          <a:off x="0" y="0"/>
-          <a:ext cx="0" cy="0"/>
-          <a:chOff x="0" y="0"/>
-          <a:chExt cx="0" cy="0"/>
-        </a:xfrm>
-      </p:grpSpPr>
-      <p:sp>
-        <p:nvSpPr>
-          <p:cNvPr id="2" name="Title 1"/>
-          <p:cNvSpPr>
-            <a:spLocks noGrp="1"/>
-          </p:cNvSpPr>
-          <p:nvPr>
-            <p:ph type="title"/>
-          </p:nvPr>
-        </p:nvSpPr>
-        <p:spPr/>
-        <p:txBody>
-          <a:bodyPr/>
-          <a:lstStyle/>
-          <a:p>
-            <a:r>
-              <a:rPr lang="en-US" dirty="0" smtClean="0"/>
-              <a:t>Example Monitor</a:t>
-            </a:r>
-            <a:endParaRPr lang="en-US" dirty="0"/>
-          </a:p>
-        </p:txBody>
-      </p:sp>
-      <p:sp>
-        <p:nvSpPr>
-          <p:cNvPr id="3" name="Content Placeholder 2"/>
-          <p:cNvSpPr>
-            <a:spLocks noGrp="1"/>
-          </p:cNvSpPr>
-          <p:nvPr>
-            <p:ph idx="1"/>
-          </p:nvPr>
-        </p:nvSpPr>
-        <p:spPr/>
-        <p:txBody>
-          <a:bodyPr/>
-          <a:lstStyle/>
-          <a:p>
-            <a:r>
-              <a:rPr lang="en-US" dirty="0" err="1" smtClean="0"/>
-              <a:t>Kalman</a:t>
-            </a:r>
-            <a:r>
-              <a:rPr lang="en-US" dirty="0" smtClean="0"/>
-              <a:t> used for hidden state?</a:t>
-            </a:r>
-            <a:endParaRPr lang="en-US" dirty="0"/>
-          </a:p>
-        </p:txBody>
-      </p:sp>
-    </p:spTree>
-    <p:extLst>
-      <p:ext uri="{BB962C8B-B14F-4D97-AF65-F5344CB8AC3E}">
-        <p14:creationId xmlns:p14="http://schemas.microsoft.com/office/powerpoint/2010/main" val="3029889693"/>
-      </p:ext>
-    </p:extLst>
-  </p:cSld>
-  <p:clrMapOvr>
-    <a:masterClrMapping/>
-  </p:clrMapOvr>
-</p:sld>
-</file>
-
-<file path=ppt/slides/slide13.xml><?xml version="1.0" encoding="utf-8"?>
 <p:sld xmlns:a="http://schemas.openxmlformats.org/drawingml/2006/main" xmlns:r="http://schemas.openxmlformats.org/officeDocument/2006/relationships" xmlns:p="http://schemas.openxmlformats.org/presentationml/2006/main">
   <p:cSld>
     <p:spTree>
@@ -3570,7 +3489,7 @@
 </p:sld>
 </file>
 
-<file path=ppt/slides/slide14.xml><?xml version="1.0" encoding="utf-8"?>
+<file path=ppt/slides/slide13.xml><?xml version="1.0" encoding="utf-8"?>
 <p:sld xmlns:a="http://schemas.openxmlformats.org/drawingml/2006/main" xmlns:r="http://schemas.openxmlformats.org/officeDocument/2006/relationships" xmlns:p="http://schemas.openxmlformats.org/presentationml/2006/main">
   <p:cSld>
     <p:spTree>
@@ -3683,7 +3602,7 @@
 </p:sld>
 </file>
 
-<file path=ppt/slides/slide15.xml><?xml version="1.0" encoding="utf-8"?>
+<file path=ppt/slides/slide14.xml><?xml version="1.0" encoding="utf-8"?>
 <p:sld xmlns:a="http://schemas.openxmlformats.org/drawingml/2006/main" xmlns:r="http://schemas.openxmlformats.org/officeDocument/2006/relationships" xmlns:p="http://schemas.openxmlformats.org/presentationml/2006/main">
   <p:cSld>
     <p:spTree>
@@ -3822,24 +3741,14 @@
           <a:p>
             <a:r>
               <a:rPr lang="en-US" dirty="0" smtClean="0"/>
-              <a:t>Hard </a:t>
-            </a:r>
+              <a:t>Hard to pick one.</a:t>
+            </a:r>
+          </a:p>
+          <a:p>
             <a:r>
               <a:rPr lang="en-US" dirty="0" smtClean="0"/>
-              <a:t>to pick one.</a:t>
-            </a:r>
-            <a:endParaRPr lang="en-US" dirty="0" smtClean="0"/>
-          </a:p>
-          <a:p>
-            <a:r>
-              <a:rPr lang="en-US" dirty="0" smtClean="0"/>
-              <a:t>Our summary, from [</a:t>
-            </a:r>
-            <a:r>
-              <a:rPr lang="en-US" dirty="0" smtClean="0"/>
-              <a:t>2,3]:</a:t>
-            </a:r>
-            <a:endParaRPr lang="en-US" dirty="0" smtClean="0"/>
+              <a:t>Our summary, from [2,3]:</a:t>
+            </a:r>
           </a:p>
           <a:p>
             <a:pPr lvl="1"/>
@@ -4355,15 +4264,7 @@
             </a:r>
             <a:r>
               <a:rPr lang="en-US" sz="800" dirty="0" smtClean="0"/>
-              <a:t> </a:t>
-            </a:r>
-            <a:r>
-              <a:rPr lang="en-US" sz="800" dirty="0" smtClean="0"/>
-              <a:t>Full details in technical report by Hao Feng et</a:t>
-            </a:r>
-            <a:r>
-              <a:rPr lang="en-US" sz="800" dirty="0" smtClean="0"/>
-              <a:t>. al. </a:t>
+              <a:t> Full details in technical report by Hao Feng et. al. </a:t>
             </a:r>
             <a:endParaRPr lang="en-US" sz="800" dirty="0"/>
           </a:p>
@@ -4565,15 +4466,7 @@
             </a:r>
             <a:r>
               <a:rPr lang="en-US" sz="800" dirty="0" smtClean="0"/>
-              <a:t> </a:t>
-            </a:r>
-            <a:r>
-              <a:rPr lang="en-US" sz="800" dirty="0" smtClean="0"/>
-              <a:t>Full details in technical report by Hao Feng et</a:t>
-            </a:r>
-            <a:r>
-              <a:rPr lang="en-US" sz="800" dirty="0" smtClean="0"/>
-              <a:t>. al. </a:t>
+              <a:t> Full details in technical report by Hao Feng et. al. </a:t>
             </a:r>
             <a:endParaRPr lang="en-US" sz="800" dirty="0"/>
           </a:p>
@@ -5424,7 +5317,6 @@
               <a:rPr lang="en-US" dirty="0" smtClean="0"/>
               <a:t>Self-adaptation</a:t>
             </a:r>
-            <a:endParaRPr lang="en-US" dirty="0" smtClean="0"/>
           </a:p>
         </p:txBody>
       </p:sp>

--- a/notes/presentations/DigitLunch_17_December.pptx
+++ b/notes/presentations/DigitLunch_17_December.pptx
@@ -16,9 +16,21 @@
     <p:sldId id="263" r:id="rId10"/>
     <p:sldId id="265" r:id="rId11"/>
     <p:sldId id="268" r:id="rId12"/>
-    <p:sldId id="267" r:id="rId13"/>
-    <p:sldId id="261" r:id="rId14"/>
-    <p:sldId id="269" r:id="rId15"/>
+    <p:sldId id="270" r:id="rId13"/>
+    <p:sldId id="271" r:id="rId14"/>
+    <p:sldId id="272" r:id="rId15"/>
+    <p:sldId id="273" r:id="rId16"/>
+    <p:sldId id="274" r:id="rId17"/>
+    <p:sldId id="275" r:id="rId18"/>
+    <p:sldId id="276" r:id="rId19"/>
+    <p:sldId id="277" r:id="rId20"/>
+    <p:sldId id="281" r:id="rId21"/>
+    <p:sldId id="278" r:id="rId22"/>
+    <p:sldId id="267" r:id="rId23"/>
+    <p:sldId id="280" r:id="rId24"/>
+    <p:sldId id="261" r:id="rId25"/>
+    <p:sldId id="282" r:id="rId26"/>
+    <p:sldId id="269" r:id="rId27"/>
   </p:sldIdLst>
   <p:sldSz cx="12192000" cy="6858000"/>
   <p:notesSz cx="6858000" cy="9144000"/>
@@ -256,7 +268,7 @@
           <a:p>
             <a:fld id="{D90E9D96-8572-4ED5-AF13-C59B59FCC641}" type="datetimeFigureOut">
               <a:rPr lang="en-US" smtClean="0"/>
-              <a:t>12/11/2020</a:t>
+              <a:t>12/13/2020</a:t>
             </a:fld>
             <a:endParaRPr lang="en-US"/>
           </a:p>
@@ -426,7 +438,7 @@
           <a:p>
             <a:fld id="{D90E9D96-8572-4ED5-AF13-C59B59FCC641}" type="datetimeFigureOut">
               <a:rPr lang="en-US" smtClean="0"/>
-              <a:t>12/11/2020</a:t>
+              <a:t>12/13/2020</a:t>
             </a:fld>
             <a:endParaRPr lang="en-US"/>
           </a:p>
@@ -606,7 +618,7 @@
           <a:p>
             <a:fld id="{D90E9D96-8572-4ED5-AF13-C59B59FCC641}" type="datetimeFigureOut">
               <a:rPr lang="en-US" smtClean="0"/>
-              <a:t>12/11/2020</a:t>
+              <a:t>12/13/2020</a:t>
             </a:fld>
             <a:endParaRPr lang="en-US"/>
           </a:p>
@@ -776,7 +788,7 @@
           <a:p>
             <a:fld id="{D90E9D96-8572-4ED5-AF13-C59B59FCC641}" type="datetimeFigureOut">
               <a:rPr lang="en-US" smtClean="0"/>
-              <a:t>12/11/2020</a:t>
+              <a:t>12/13/2020</a:t>
             </a:fld>
             <a:endParaRPr lang="en-US"/>
           </a:p>
@@ -1022,7 +1034,7 @@
           <a:p>
             <a:fld id="{D90E9D96-8572-4ED5-AF13-C59B59FCC641}" type="datetimeFigureOut">
               <a:rPr lang="en-US" smtClean="0"/>
-              <a:t>12/11/2020</a:t>
+              <a:t>12/13/2020</a:t>
             </a:fld>
             <a:endParaRPr lang="en-US"/>
           </a:p>
@@ -1254,7 +1266,7 @@
           <a:p>
             <a:fld id="{D90E9D96-8572-4ED5-AF13-C59B59FCC641}" type="datetimeFigureOut">
               <a:rPr lang="en-US" smtClean="0"/>
-              <a:t>12/11/2020</a:t>
+              <a:t>12/13/2020</a:t>
             </a:fld>
             <a:endParaRPr lang="en-US"/>
           </a:p>
@@ -1621,7 +1633,7 @@
           <a:p>
             <a:fld id="{D90E9D96-8572-4ED5-AF13-C59B59FCC641}" type="datetimeFigureOut">
               <a:rPr lang="en-US" smtClean="0"/>
-              <a:t>12/11/2020</a:t>
+              <a:t>12/13/2020</a:t>
             </a:fld>
             <a:endParaRPr lang="en-US"/>
           </a:p>
@@ -1739,7 +1751,7 @@
           <a:p>
             <a:fld id="{D90E9D96-8572-4ED5-AF13-C59B59FCC641}" type="datetimeFigureOut">
               <a:rPr lang="en-US" smtClean="0"/>
-              <a:t>12/11/2020</a:t>
+              <a:t>12/13/2020</a:t>
             </a:fld>
             <a:endParaRPr lang="en-US"/>
           </a:p>
@@ -1834,7 +1846,7 @@
           <a:p>
             <a:fld id="{D90E9D96-8572-4ED5-AF13-C59B59FCC641}" type="datetimeFigureOut">
               <a:rPr lang="en-US" smtClean="0"/>
-              <a:t>12/11/2020</a:t>
+              <a:t>12/13/2020</a:t>
             </a:fld>
             <a:endParaRPr lang="en-US"/>
           </a:p>
@@ -2111,7 +2123,7 @@
           <a:p>
             <a:fld id="{D90E9D96-8572-4ED5-AF13-C59B59FCC641}" type="datetimeFigureOut">
               <a:rPr lang="en-US" smtClean="0"/>
-              <a:t>12/11/2020</a:t>
+              <a:t>12/13/2020</a:t>
             </a:fld>
             <a:endParaRPr lang="en-US"/>
           </a:p>
@@ -2364,7 +2376,7 @@
           <a:p>
             <a:fld id="{D90E9D96-8572-4ED5-AF13-C59B59FCC641}" type="datetimeFigureOut">
               <a:rPr lang="en-US" smtClean="0"/>
-              <a:t>12/11/2020</a:t>
+              <a:t>12/13/2020</a:t>
             </a:fld>
             <a:endParaRPr lang="en-US"/>
           </a:p>
@@ -2577,7 +2589,7 @@
           <a:p>
             <a:fld id="{D90E9D96-8572-4ED5-AF13-C59B59FCC641}" type="datetimeFigureOut">
               <a:rPr lang="en-US" smtClean="0"/>
-              <a:t>12/11/2020</a:t>
+              <a:t>12/13/2020</a:t>
             </a:fld>
             <a:endParaRPr lang="en-US"/>
           </a:p>
@@ -3316,7 +3328,15 @@
           <a:p>
             <a:r>
               <a:rPr lang="en-US" dirty="0" smtClean="0"/>
-              <a:t>Example Monitor</a:t>
+              <a:t>State Estimation: </a:t>
+            </a:r>
+            <a:r>
+              <a:rPr lang="en-US" dirty="0" err="1" smtClean="0"/>
+              <a:t>Kalman</a:t>
+            </a:r>
+            <a:r>
+              <a:rPr lang="en-US" dirty="0" smtClean="0"/>
+              <a:t> Filter</a:t>
             </a:r>
             <a:endParaRPr lang="en-US" dirty="0"/>
           </a:p>
@@ -3324,7 +3344,7 @@
       </p:sp>
       <p:sp>
         <p:nvSpPr>
-          <p:cNvPr id="3" name="Content Placeholder 2"/>
+          <p:cNvPr id="4" name="Content Placeholder 3"/>
           <p:cNvSpPr>
             <a:spLocks noGrp="1"/>
           </p:cNvSpPr>
@@ -3339,15 +3359,48 @@
           <a:p>
             <a:r>
               <a:rPr lang="en-US" dirty="0" smtClean="0"/>
-              <a:t>Show </a:t>
+              <a:t>Goal: translate what is observable from the system (temperature of the two sensors) into the state of the system (temperature of </a:t>
             </a:r>
             <a:r>
               <a:rPr lang="en-US" dirty="0" err="1" smtClean="0"/>
-              <a:t>kalman</a:t>
-            </a:r>
-            <a:r>
-              <a:rPr lang="en-US" dirty="0" smtClean="0"/>
-              <a:t> filter application</a:t>
+              <a:t>heatbed</a:t>
+            </a:r>
+            <a:r>
+              <a:rPr lang="en-US" dirty="0" smtClean="0"/>
+              <a:t> and average temperature).</a:t>
+            </a:r>
+          </a:p>
+          <a:p>
+            <a:pPr lvl="1"/>
+            <a:r>
+              <a:rPr lang="en-US" dirty="0" smtClean="0"/>
+              <a:t>Show a diagram of this.</a:t>
+            </a:r>
+          </a:p>
+          <a:p>
+            <a:r>
+              <a:rPr lang="en-US" dirty="0" smtClean="0"/>
+              <a:t>KF accomplishes two things:</a:t>
+            </a:r>
+          </a:p>
+          <a:p>
+            <a:pPr lvl="1"/>
+            <a:r>
+              <a:rPr lang="en-US" dirty="0" smtClean="0"/>
+              <a:t>Fares well with noisy measurements, </a:t>
+            </a:r>
+          </a:p>
+          <a:p>
+            <a:pPr lvl="1"/>
+            <a:r>
+              <a:rPr lang="en-US" dirty="0" smtClean="0"/>
+              <a:t>And allows us to recover the “hidden variables” of the incubator</a:t>
+            </a:r>
+          </a:p>
+          <a:p>
+            <a:r>
+              <a:rPr lang="en-US" dirty="0" smtClean="0"/>
+              <a:t>BUT: It needs a model!</a:t>
             </a:r>
             <a:endParaRPr lang="en-US" dirty="0"/>
           </a:p>
@@ -3399,8 +3452,16 @@
           <a:lstStyle/>
           <a:p>
             <a:r>
-              <a:rPr lang="en-US" dirty="0" smtClean="0"/>
-              <a:t>Two-way Communication</a:t>
+              <a:rPr lang="en-US" dirty="0"/>
+              <a:t>State Estimation: </a:t>
+            </a:r>
+            <a:r>
+              <a:rPr lang="en-US" dirty="0" err="1" smtClean="0"/>
+              <a:t>Kalman</a:t>
+            </a:r>
+            <a:r>
+              <a:rPr lang="en-US" dirty="0" smtClean="0"/>
+              <a:t> Filter</a:t>
             </a:r>
             <a:endParaRPr lang="en-US" dirty="0"/>
           </a:p>
@@ -3408,7 +3469,7 @@
       </p:sp>
       <p:sp>
         <p:nvSpPr>
-          <p:cNvPr id="3" name="Content Placeholder 2"/>
+          <p:cNvPr id="4" name="Content Placeholder 3"/>
           <p:cNvSpPr>
             <a:spLocks noGrp="1"/>
           </p:cNvSpPr>
@@ -3418,8 +3479,8 @@
         </p:nvSpPr>
         <p:spPr>
           <a:xfrm>
-            <a:off x="838200" y="1825624"/>
-            <a:ext cx="8809139" cy="2318537"/>
+            <a:off x="838200" y="1825625"/>
+            <a:ext cx="10226879" cy="875630"/>
           </a:xfrm>
         </p:spPr>
         <p:txBody>
@@ -3428,58 +3489,170 @@
           <a:p>
             <a:r>
               <a:rPr lang="en-US" dirty="0" smtClean="0"/>
-              <a:t>Physical twin modified to accept new values for parameters of the controller.</a:t>
+              <a:t>Explain Model: inputs/outputs/parameters</a:t>
             </a:r>
             <a:endParaRPr lang="en-US" dirty="0"/>
-          </a:p>
-          <a:p>
-            <a:pPr lvl="1"/>
-            <a:r>
-              <a:rPr lang="en-US" dirty="0" smtClean="0"/>
-              <a:t>But safe limits to these have been hard-coded.</a:t>
-            </a:r>
-          </a:p>
-          <a:p>
-            <a:pPr lvl="1"/>
-            <a:r>
-              <a:rPr lang="en-US" dirty="0" smtClean="0"/>
-              <a:t>More safety issues remain</a:t>
-            </a:r>
-            <a:r>
-              <a:rPr lang="en-150" dirty="0" smtClean="0"/>
-              <a:t>…</a:t>
-            </a:r>
-            <a:endParaRPr lang="en-US" dirty="0" smtClean="0"/>
           </a:p>
         </p:txBody>
       </p:sp>
       <p:pic>
         <p:nvPicPr>
-          <p:cNvPr id="6" name="Picture 5"/>
+          <p:cNvPr id="5" name="Picture 4"/>
           <p:cNvPicPr>
             <a:picLocks noChangeAspect="1"/>
           </p:cNvPicPr>
           <p:nvPr/>
         </p:nvPicPr>
-        <p:blipFill rotWithShape="1">
-          <a:blip r:embed="rId2"/>
-          <a:srcRect l="39729" t="-1" r="39940" b="-1105"/>
-          <a:stretch/>
+        <p:blipFill>
+          <a:blip r:embed="rId2">
+            <a:extLst>
+              <a:ext uri="{28A0092B-C50C-407E-A947-70E740481C1C}">
+                <a14:useLocalDpi xmlns:a14="http://schemas.microsoft.com/office/drawing/2010/main" val="0"/>
+              </a:ext>
+            </a:extLst>
+          </a:blip>
+          <a:stretch>
+            <a:fillRect/>
+          </a:stretch>
         </p:blipFill>
         <p:spPr>
           <a:xfrm>
-            <a:off x="9882230" y="1241571"/>
-            <a:ext cx="1401149" cy="2315361"/>
+            <a:off x="1059158" y="2836192"/>
+            <a:ext cx="3961303" cy="2743798"/>
           </a:xfrm>
           <a:prstGeom prst="rect">
             <a:avLst/>
           </a:prstGeom>
         </p:spPr>
       </p:pic>
+      <p:sp>
+        <p:nvSpPr>
+          <p:cNvPr id="3" name="Rectangle 2"/>
+          <p:cNvSpPr/>
+          <p:nvPr/>
+        </p:nvSpPr>
+        <p:spPr>
+          <a:xfrm>
+            <a:off x="5410899" y="2945249"/>
+            <a:ext cx="6333687" cy="923330"/>
+          </a:xfrm>
+          <a:prstGeom prst="rect">
+            <a:avLst/>
+          </a:prstGeom>
+        </p:spPr>
+        <p:txBody>
+          <a:bodyPr wrap="square">
+            <a:spAutoFit/>
+          </a:bodyPr>
+          <a:lstStyle/>
+          <a:p>
+            <a:r>
+              <a:rPr lang="en-US" dirty="0" err="1"/>
+              <a:t>dTh_dt</a:t>
+            </a:r>
+            <a:r>
+              <a:rPr lang="en-US" dirty="0"/>
+              <a:t> = 1.0*(-</a:t>
+            </a:r>
+            <a:r>
+              <a:rPr lang="en-US" dirty="0" err="1"/>
+              <a:t>G_heater</a:t>
+            </a:r>
+            <a:r>
+              <a:rPr lang="en-US" dirty="0"/>
+              <a:t>*(-T + </a:t>
+            </a:r>
+            <a:r>
+              <a:rPr lang="en-US" dirty="0" err="1"/>
+              <a:t>T_h</a:t>
+            </a:r>
+            <a:r>
+              <a:rPr lang="en-US" dirty="0"/>
+              <a:t>) + </a:t>
+            </a:r>
+            <a:r>
+              <a:rPr lang="en-US" dirty="0" err="1"/>
+              <a:t>V_heater</a:t>
+            </a:r>
+            <a:r>
+              <a:rPr lang="en-US" dirty="0"/>
+              <a:t>*</a:t>
+            </a:r>
+            <a:r>
+              <a:rPr lang="en-US" dirty="0" err="1"/>
+              <a:t>i_heater</a:t>
+            </a:r>
+            <a:r>
+              <a:rPr lang="en-US" dirty="0"/>
+              <a:t>*</a:t>
+            </a:r>
+            <a:r>
+              <a:rPr lang="en-US" dirty="0" err="1"/>
+              <a:t>on_heater</a:t>
+            </a:r>
+            <a:r>
+              <a:rPr lang="en-US" dirty="0"/>
+              <a:t>)/</a:t>
+            </a:r>
+            <a:r>
+              <a:rPr lang="en-US" dirty="0" err="1"/>
+              <a:t>C_heater</a:t>
+            </a:r>
+            <a:endParaRPr lang="en-US" dirty="0"/>
+          </a:p>
+          <a:p>
+            <a:r>
+              <a:rPr lang="en-US" dirty="0" err="1"/>
+              <a:t>dT_dt</a:t>
+            </a:r>
+            <a:r>
+              <a:rPr lang="en-US" dirty="0"/>
+              <a:t> = 1.0*(-</a:t>
+            </a:r>
+            <a:r>
+              <a:rPr lang="en-US" dirty="0" err="1"/>
+              <a:t>G_box</a:t>
+            </a:r>
+            <a:r>
+              <a:rPr lang="en-US" dirty="0"/>
+              <a:t>*(T - </a:t>
+            </a:r>
+            <a:r>
+              <a:rPr lang="en-US" dirty="0" err="1"/>
+              <a:t>T_room</a:t>
+            </a:r>
+            <a:r>
+              <a:rPr lang="en-US" dirty="0"/>
+              <a:t>) + </a:t>
+            </a:r>
+            <a:r>
+              <a:rPr lang="en-US" dirty="0" err="1"/>
+              <a:t>G_heater</a:t>
+            </a:r>
+            <a:r>
+              <a:rPr lang="en-US" dirty="0"/>
+              <a:t>*(-T + </a:t>
+            </a:r>
+            <a:r>
+              <a:rPr lang="en-US" dirty="0" err="1"/>
+              <a:t>T_h</a:t>
+            </a:r>
+            <a:r>
+              <a:rPr lang="en-US" dirty="0"/>
+              <a:t>))/</a:t>
+            </a:r>
+            <a:r>
+              <a:rPr lang="en-US" dirty="0" err="1"/>
+              <a:t>C_air</a:t>
+            </a:r>
+            <a:endParaRPr lang="en-US" dirty="0"/>
+          </a:p>
+        </p:txBody>
+      </p:sp>
     </p:spTree>
     <p:extLst>
       <p:ext uri="{BB962C8B-B14F-4D97-AF65-F5344CB8AC3E}">
-        <p14:creationId xmlns:p14="http://schemas.microsoft.com/office/powerpoint/2010/main" val="1130568519"/>
+        <p14:creationId xmlns:p14="http://schemas.microsoft.com/office/powerpoint/2010/main" val="1140825245"/>
       </p:ext>
     </p:extLst>
   </p:cSld>
@@ -3522,19 +3695,28 @@
           <a:lstStyle/>
           <a:p>
             <a:r>
-              <a:rPr lang="en-US" dirty="0" smtClean="0"/>
-              <a:t>Lessons on </a:t>
-            </a:r>
-            <a:r>
               <a:rPr lang="en-US" dirty="0"/>
-              <a:t>Reusability</a:t>
-            </a:r>
-          </a:p>
-        </p:txBody>
-      </p:sp>
-      <p:sp>
-        <p:nvSpPr>
-          <p:cNvPr id="3" name="Content Placeholder 2"/>
+              <a:t>State </a:t>
+            </a:r>
+            <a:r>
+              <a:rPr lang="en-US" dirty="0" smtClean="0"/>
+              <a:t>Estimation: </a:t>
+            </a:r>
+            <a:r>
+              <a:rPr lang="en-US" dirty="0" err="1" smtClean="0"/>
+              <a:t>Kalman</a:t>
+            </a:r>
+            <a:r>
+              <a:rPr lang="en-US" dirty="0" smtClean="0"/>
+              <a:t> Filter</a:t>
+            </a:r>
+            <a:endParaRPr lang="en-US" dirty="0"/>
+          </a:p>
+        </p:txBody>
+      </p:sp>
+      <p:sp>
+        <p:nvSpPr>
+          <p:cNvPr id="4" name="Content Placeholder 3"/>
           <p:cNvSpPr>
             <a:spLocks noGrp="1"/>
           </p:cNvSpPr>
@@ -3542,7 +3724,12 @@
             <p:ph idx="1"/>
           </p:nvPr>
         </p:nvSpPr>
-        <p:spPr/>
+        <p:spPr>
+          <a:xfrm>
+            <a:off x="838200" y="1825625"/>
+            <a:ext cx="10226879" cy="875630"/>
+          </a:xfrm>
+        </p:spPr>
         <p:txBody>
           <a:bodyPr>
             <a:normAutofit fontScale="92500" lnSpcReduction="10000"/>
@@ -3551,48 +3738,22 @@
           <a:p>
             <a:r>
               <a:rPr lang="en-US" dirty="0" smtClean="0"/>
-              <a:t>Hard to reap the benefits of automatic adaptation through Digital Twin without having a physical twin that is ready to receive such adaptations</a:t>
-            </a:r>
-          </a:p>
-          <a:p>
-            <a:pPr lvl="1"/>
-            <a:r>
-              <a:rPr lang="en-US" dirty="0" smtClean="0"/>
-              <a:t>In incubator case study, the software controller needs to be reconfigurable automatic.</a:t>
-            </a:r>
-          </a:p>
-          <a:p>
-            <a:pPr lvl="1"/>
-            <a:r>
-              <a:rPr lang="en-US" dirty="0" smtClean="0"/>
-              <a:t>This poses challenges in safety which conflict with the vision of a DT being an open ended framework: how to ensure that the software is not inadvertently reconfigured to a bad configuration by an untested optimizer?</a:t>
-            </a:r>
-          </a:p>
-          <a:p>
-            <a:r>
-              <a:rPr lang="en-US" dirty="0" smtClean="0"/>
-              <a:t>Challenging to devise general purpose DT features that work “plug-and-play”.</a:t>
-            </a:r>
-          </a:p>
-          <a:p>
-            <a:pPr lvl="1"/>
-            <a:r>
-              <a:rPr lang="en-US" dirty="0" smtClean="0"/>
-              <a:t>E.g., temperature uniformity monitoring requires offline experimentation with more sensors than those available in the system</a:t>
-            </a:r>
-          </a:p>
-          <a:p>
-            <a:r>
-              <a:rPr lang="en-US" dirty="0" smtClean="0"/>
-              <a:t>Useful visualization is heavily dependent on application.</a:t>
-            </a:r>
+              <a:t>Model needs to be calibrated</a:t>
+            </a:r>
+          </a:p>
+          <a:p>
+            <a:r>
+              <a:rPr lang="en-US" dirty="0" smtClean="0"/>
+              <a:t>Explain parameter estimation procedure and results.</a:t>
+            </a:r>
+            <a:endParaRPr lang="en-US" dirty="0"/>
           </a:p>
         </p:txBody>
       </p:sp>
     </p:spTree>
     <p:extLst>
       <p:ext uri="{BB962C8B-B14F-4D97-AF65-F5344CB8AC3E}">
-        <p14:creationId xmlns:p14="http://schemas.microsoft.com/office/powerpoint/2010/main" val="3350233307"/>
+        <p14:creationId xmlns:p14="http://schemas.microsoft.com/office/powerpoint/2010/main" val="1206080503"/>
       </p:ext>
     </p:extLst>
   </p:cSld>
@@ -3635,8 +3796,20 @@
           <a:lstStyle/>
           <a:p>
             <a:r>
-              <a:rPr lang="en-US" dirty="0" smtClean="0"/>
-              <a:t>Lessons on Reusability</a:t>
+              <a:rPr lang="en-US" dirty="0"/>
+              <a:t>State </a:t>
+            </a:r>
+            <a:r>
+              <a:rPr lang="en-US" dirty="0" smtClean="0"/>
+              <a:t>Estimation: </a:t>
+            </a:r>
+            <a:r>
+              <a:rPr lang="en-US" dirty="0" err="1" smtClean="0"/>
+              <a:t>Kalman</a:t>
+            </a:r>
+            <a:r>
+              <a:rPr lang="en-US" dirty="0" smtClean="0"/>
+              <a:t> Filter</a:t>
             </a:r>
             <a:endParaRPr lang="en-US" dirty="0"/>
           </a:p>
@@ -3644,7 +3817,7 @@
       </p:sp>
       <p:sp>
         <p:nvSpPr>
-          <p:cNvPr id="3" name="Content Placeholder 2"/>
+          <p:cNvPr id="4" name="Content Placeholder 3"/>
           <p:cNvSpPr>
             <a:spLocks noGrp="1"/>
           </p:cNvSpPr>
@@ -3652,7 +3825,293 @@
             <p:ph idx="1"/>
           </p:nvPr>
         </p:nvSpPr>
+        <p:spPr>
+          <a:xfrm>
+            <a:off x="838200" y="1825625"/>
+            <a:ext cx="10226879" cy="875630"/>
+          </a:xfrm>
+        </p:spPr>
+        <p:txBody>
+          <a:bodyPr>
+            <a:normAutofit fontScale="92500" lnSpcReduction="10000"/>
+          </a:bodyPr>
+          <a:lstStyle/>
+          <a:p>
+            <a:r>
+              <a:rPr lang="en-US" dirty="0" smtClean="0"/>
+              <a:t>Explain input and outputs of </a:t>
+            </a:r>
+            <a:r>
+              <a:rPr lang="en-US" dirty="0" err="1" smtClean="0"/>
+              <a:t>kalman</a:t>
+            </a:r>
+            <a:r>
+              <a:rPr lang="en-US" dirty="0" smtClean="0"/>
+              <a:t> filter. </a:t>
+            </a:r>
+          </a:p>
+          <a:p>
+            <a:r>
+              <a:rPr lang="en-US" dirty="0" smtClean="0"/>
+              <a:t>Skip the internals and refer to the work of Hao</a:t>
+            </a:r>
+            <a:endParaRPr lang="en-US" dirty="0"/>
+          </a:p>
+        </p:txBody>
+      </p:sp>
+      <p:sp>
+        <p:nvSpPr>
+          <p:cNvPr id="3" name="Rectangle 2"/>
+          <p:cNvSpPr/>
+          <p:nvPr/>
+        </p:nvSpPr>
+        <p:spPr>
+          <a:xfrm>
+            <a:off x="1484851" y="2927758"/>
+            <a:ext cx="3246539" cy="746620"/>
+          </a:xfrm>
+          <a:prstGeom prst="rect">
+            <a:avLst/>
+          </a:prstGeom>
+        </p:spPr>
+        <p:style>
+          <a:lnRef idx="2">
+            <a:schemeClr val="accent1">
+              <a:shade val="50000"/>
+            </a:schemeClr>
+          </a:lnRef>
+          <a:fillRef idx="1">
+            <a:schemeClr val="accent1"/>
+          </a:fillRef>
+          <a:effectRef idx="0">
+            <a:schemeClr val="accent1"/>
+          </a:effectRef>
+          <a:fontRef idx="minor">
+            <a:schemeClr val="lt1"/>
+          </a:fontRef>
+        </p:style>
+        <p:txBody>
+          <a:bodyPr rtlCol="0" anchor="ctr"/>
+          <a:lstStyle/>
+          <a:p>
+            <a:pPr algn="ctr"/>
+            <a:r>
+              <a:rPr lang="en-US" dirty="0" smtClean="0"/>
+              <a:t>Incubator</a:t>
+            </a:r>
+            <a:endParaRPr lang="en-US" dirty="0"/>
+          </a:p>
+        </p:txBody>
+      </p:sp>
+      <p:sp>
+        <p:nvSpPr>
+          <p:cNvPr id="5" name="Rectangle 4"/>
+          <p:cNvSpPr/>
+          <p:nvPr/>
+        </p:nvSpPr>
+        <p:spPr>
+          <a:xfrm>
+            <a:off x="7231311" y="3674378"/>
+            <a:ext cx="1677798" cy="1048624"/>
+          </a:xfrm>
+          <a:prstGeom prst="rect">
+            <a:avLst/>
+          </a:prstGeom>
+        </p:spPr>
+        <p:style>
+          <a:lnRef idx="2">
+            <a:schemeClr val="accent1">
+              <a:shade val="50000"/>
+            </a:schemeClr>
+          </a:lnRef>
+          <a:fillRef idx="1">
+            <a:schemeClr val="accent1"/>
+          </a:fillRef>
+          <a:effectRef idx="0">
+            <a:schemeClr val="accent1"/>
+          </a:effectRef>
+          <a:fontRef idx="minor">
+            <a:schemeClr val="lt1"/>
+          </a:fontRef>
+        </p:style>
+        <p:txBody>
+          <a:bodyPr rtlCol="0" anchor="ctr"/>
+          <a:lstStyle/>
+          <a:p>
+            <a:pPr algn="ctr"/>
+            <a:endParaRPr lang="en-US"/>
+          </a:p>
+        </p:txBody>
+      </p:sp>
+      <p:sp>
+        <p:nvSpPr>
+          <p:cNvPr id="6" name="Rectangle 5"/>
+          <p:cNvSpPr/>
+          <p:nvPr/>
+        </p:nvSpPr>
+        <p:spPr>
+          <a:xfrm>
+            <a:off x="1484851" y="4242732"/>
+            <a:ext cx="1514212" cy="960539"/>
+          </a:xfrm>
+          <a:prstGeom prst="rect">
+            <a:avLst/>
+          </a:prstGeom>
+        </p:spPr>
+        <p:style>
+          <a:lnRef idx="2">
+            <a:schemeClr val="accent1">
+              <a:shade val="50000"/>
+            </a:schemeClr>
+          </a:lnRef>
+          <a:fillRef idx="1">
+            <a:schemeClr val="accent1"/>
+          </a:fillRef>
+          <a:effectRef idx="0">
+            <a:schemeClr val="accent1"/>
+          </a:effectRef>
+          <a:fontRef idx="minor">
+            <a:schemeClr val="lt1"/>
+          </a:fontRef>
+        </p:style>
+        <p:txBody>
+          <a:bodyPr rtlCol="0" anchor="ctr"/>
+          <a:lstStyle/>
+          <a:p>
+            <a:pPr algn="ctr"/>
+            <a:r>
+              <a:rPr lang="en-US" dirty="0" smtClean="0"/>
+              <a:t>Ctrl</a:t>
+            </a:r>
+            <a:endParaRPr lang="en-US" dirty="0"/>
+          </a:p>
+        </p:txBody>
+      </p:sp>
+      <p:sp>
+        <p:nvSpPr>
+          <p:cNvPr id="7" name="Rectangle 6"/>
+          <p:cNvSpPr/>
+          <p:nvPr/>
+        </p:nvSpPr>
+        <p:spPr>
+          <a:xfrm>
+            <a:off x="3217178" y="4242731"/>
+            <a:ext cx="1514212" cy="960539"/>
+          </a:xfrm>
+          <a:prstGeom prst="rect">
+            <a:avLst/>
+          </a:prstGeom>
+        </p:spPr>
+        <p:style>
+          <a:lnRef idx="2">
+            <a:schemeClr val="accent1">
+              <a:shade val="50000"/>
+            </a:schemeClr>
+          </a:lnRef>
+          <a:fillRef idx="1">
+            <a:schemeClr val="accent1"/>
+          </a:fillRef>
+          <a:effectRef idx="0">
+            <a:schemeClr val="accent1"/>
+          </a:effectRef>
+          <a:fontRef idx="minor">
+            <a:schemeClr val="lt1"/>
+          </a:fontRef>
+        </p:style>
+        <p:txBody>
+          <a:bodyPr rtlCol="0" anchor="ctr"/>
+          <a:lstStyle/>
+          <a:p>
+            <a:pPr algn="ctr"/>
+            <a:r>
+              <a:rPr lang="en-US" dirty="0" smtClean="0"/>
+              <a:t>Plant</a:t>
+            </a:r>
+            <a:endParaRPr lang="en-US" dirty="0"/>
+          </a:p>
+        </p:txBody>
+      </p:sp>
+    </p:spTree>
+    <p:extLst>
+      <p:ext uri="{BB962C8B-B14F-4D97-AF65-F5344CB8AC3E}">
+        <p14:creationId xmlns:p14="http://schemas.microsoft.com/office/powerpoint/2010/main" val="2869347861"/>
+      </p:ext>
+    </p:extLst>
+  </p:cSld>
+  <p:clrMapOvr>
+    <a:masterClrMapping/>
+  </p:clrMapOvr>
+</p:sld>
+</file>
+
+<file path=ppt/slides/slide15.xml><?xml version="1.0" encoding="utf-8"?>
+<p:sld xmlns:a="http://schemas.openxmlformats.org/drawingml/2006/main" xmlns:r="http://schemas.openxmlformats.org/officeDocument/2006/relationships" xmlns:p="http://schemas.openxmlformats.org/presentationml/2006/main">
+  <p:cSld>
+    <p:spTree>
+      <p:nvGrpSpPr>
+        <p:cNvPr id="1" name=""/>
+        <p:cNvGrpSpPr/>
+        <p:nvPr/>
+      </p:nvGrpSpPr>
+      <p:grpSpPr>
+        <a:xfrm>
+          <a:off x="0" y="0"/>
+          <a:ext cx="0" cy="0"/>
+          <a:chOff x="0" y="0"/>
+          <a:chExt cx="0" cy="0"/>
+        </a:xfrm>
+      </p:grpSpPr>
+      <p:sp>
+        <p:nvSpPr>
+          <p:cNvPr id="2" name="Title 1"/>
+          <p:cNvSpPr>
+            <a:spLocks noGrp="1"/>
+          </p:cNvSpPr>
+          <p:nvPr>
+            <p:ph type="title"/>
+          </p:nvPr>
+        </p:nvSpPr>
         <p:spPr/>
+        <p:txBody>
+          <a:bodyPr/>
+          <a:lstStyle/>
+          <a:p>
+            <a:r>
+              <a:rPr lang="en-US" dirty="0"/>
+              <a:t>State </a:t>
+            </a:r>
+            <a:r>
+              <a:rPr lang="en-US" dirty="0" smtClean="0"/>
+              <a:t>Estimation: </a:t>
+            </a:r>
+            <a:r>
+              <a:rPr lang="en-US" dirty="0" err="1" smtClean="0"/>
+              <a:t>Kalman</a:t>
+            </a:r>
+            <a:r>
+              <a:rPr lang="en-US" dirty="0" smtClean="0"/>
+              <a:t> Filter</a:t>
+            </a:r>
+            <a:endParaRPr lang="en-US" dirty="0"/>
+          </a:p>
+        </p:txBody>
+      </p:sp>
+      <p:sp>
+        <p:nvSpPr>
+          <p:cNvPr id="4" name="Content Placeholder 3"/>
+          <p:cNvSpPr>
+            <a:spLocks noGrp="1"/>
+          </p:cNvSpPr>
+          <p:nvPr>
+            <p:ph idx="1"/>
+          </p:nvPr>
+        </p:nvSpPr>
+        <p:spPr>
+          <a:xfrm>
+            <a:off x="838200" y="1825625"/>
+            <a:ext cx="10226879" cy="875630"/>
+          </a:xfrm>
+        </p:spPr>
         <p:txBody>
           <a:bodyPr>
             <a:normAutofit/>
@@ -3661,15 +4120,507 @@
           <a:p>
             <a:r>
               <a:rPr lang="en-US" dirty="0" smtClean="0"/>
-              <a:t>Monitoring techniques may require offline experimentation to calibrate the models used.</a:t>
-            </a:r>
-          </a:p>
-        </p:txBody>
-      </p:sp>
+              <a:t>Results of KF</a:t>
+            </a:r>
+            <a:endParaRPr lang="en-US" dirty="0"/>
+          </a:p>
+        </p:txBody>
+      </p:sp>
+      <p:pic>
+        <p:nvPicPr>
+          <p:cNvPr id="5" name="Picture 4"/>
+          <p:cNvPicPr>
+            <a:picLocks noChangeAspect="1"/>
+          </p:cNvPicPr>
+          <p:nvPr/>
+        </p:nvPicPr>
+        <p:blipFill>
+          <a:blip r:embed="rId2">
+            <a:extLst>
+              <a:ext uri="{28A0092B-C50C-407E-A947-70E740481C1C}">
+                <a14:useLocalDpi xmlns:a14="http://schemas.microsoft.com/office/drawing/2010/main" val="0"/>
+              </a:ext>
+            </a:extLst>
+          </a:blip>
+          <a:stretch>
+            <a:fillRect/>
+          </a:stretch>
+        </p:blipFill>
+        <p:spPr>
+          <a:xfrm>
+            <a:off x="1858162" y="2481554"/>
+            <a:ext cx="8475676" cy="4268999"/>
+          </a:xfrm>
+          <a:prstGeom prst="rect">
+            <a:avLst/>
+          </a:prstGeom>
+        </p:spPr>
+      </p:pic>
     </p:spTree>
     <p:extLst>
       <p:ext uri="{BB962C8B-B14F-4D97-AF65-F5344CB8AC3E}">
-        <p14:creationId xmlns:p14="http://schemas.microsoft.com/office/powerpoint/2010/main" val="3303354528"/>
+        <p14:creationId xmlns:p14="http://schemas.microsoft.com/office/powerpoint/2010/main" val="3472542766"/>
+      </p:ext>
+    </p:extLst>
+  </p:cSld>
+  <p:clrMapOvr>
+    <a:masterClrMapping/>
+  </p:clrMapOvr>
+</p:sld>
+</file>
+
+<file path=ppt/slides/slide16.xml><?xml version="1.0" encoding="utf-8"?>
+<p:sld xmlns:a="http://schemas.openxmlformats.org/drawingml/2006/main" xmlns:r="http://schemas.openxmlformats.org/officeDocument/2006/relationships" xmlns:p="http://schemas.openxmlformats.org/presentationml/2006/main">
+  <p:cSld>
+    <p:spTree>
+      <p:nvGrpSpPr>
+        <p:cNvPr id="1" name=""/>
+        <p:cNvGrpSpPr/>
+        <p:nvPr/>
+      </p:nvGrpSpPr>
+      <p:grpSpPr>
+        <a:xfrm>
+          <a:off x="0" y="0"/>
+          <a:ext cx="0" cy="0"/>
+          <a:chOff x="0" y="0"/>
+          <a:chExt cx="0" cy="0"/>
+        </a:xfrm>
+      </p:grpSpPr>
+      <p:sp>
+        <p:nvSpPr>
+          <p:cNvPr id="2" name="Title 1"/>
+          <p:cNvSpPr>
+            <a:spLocks noGrp="1"/>
+          </p:cNvSpPr>
+          <p:nvPr>
+            <p:ph type="title"/>
+          </p:nvPr>
+        </p:nvSpPr>
+        <p:spPr/>
+        <p:txBody>
+          <a:bodyPr/>
+          <a:lstStyle/>
+          <a:p>
+            <a:r>
+              <a:rPr lang="en-US" dirty="0"/>
+              <a:t>State </a:t>
+            </a:r>
+            <a:r>
+              <a:rPr lang="en-US" dirty="0" smtClean="0"/>
+              <a:t>Estimation: </a:t>
+            </a:r>
+            <a:r>
+              <a:rPr lang="en-US" dirty="0" err="1" smtClean="0"/>
+              <a:t>Kalman</a:t>
+            </a:r>
+            <a:r>
+              <a:rPr lang="en-US" dirty="0" smtClean="0"/>
+              <a:t> Filter</a:t>
+            </a:r>
+            <a:endParaRPr lang="en-US" dirty="0"/>
+          </a:p>
+        </p:txBody>
+      </p:sp>
+      <p:sp>
+        <p:nvSpPr>
+          <p:cNvPr id="4" name="Content Placeholder 3"/>
+          <p:cNvSpPr>
+            <a:spLocks noGrp="1"/>
+          </p:cNvSpPr>
+          <p:nvPr>
+            <p:ph idx="1"/>
+          </p:nvPr>
+        </p:nvSpPr>
+        <p:spPr>
+          <a:xfrm>
+            <a:off x="838200" y="1825625"/>
+            <a:ext cx="10226879" cy="875630"/>
+          </a:xfrm>
+        </p:spPr>
+        <p:txBody>
+          <a:bodyPr>
+            <a:normAutofit/>
+          </a:bodyPr>
+          <a:lstStyle/>
+          <a:p>
+            <a:r>
+              <a:rPr lang="en-US" dirty="0" smtClean="0"/>
+              <a:t>Results of KF</a:t>
+            </a:r>
+            <a:endParaRPr lang="en-US" dirty="0"/>
+          </a:p>
+        </p:txBody>
+      </p:sp>
+      <p:pic>
+        <p:nvPicPr>
+          <p:cNvPr id="5" name="Picture 4"/>
+          <p:cNvPicPr>
+            <a:picLocks noChangeAspect="1"/>
+          </p:cNvPicPr>
+          <p:nvPr/>
+        </p:nvPicPr>
+        <p:blipFill>
+          <a:blip r:embed="rId2">
+            <a:extLst>
+              <a:ext uri="{28A0092B-C50C-407E-A947-70E740481C1C}">
+                <a14:useLocalDpi xmlns:a14="http://schemas.microsoft.com/office/drawing/2010/main" val="0"/>
+              </a:ext>
+            </a:extLst>
+          </a:blip>
+          <a:stretch>
+            <a:fillRect/>
+          </a:stretch>
+        </p:blipFill>
+        <p:spPr>
+          <a:xfrm>
+            <a:off x="1858162" y="2481554"/>
+            <a:ext cx="8475676" cy="4268999"/>
+          </a:xfrm>
+          <a:prstGeom prst="rect">
+            <a:avLst/>
+          </a:prstGeom>
+        </p:spPr>
+      </p:pic>
+    </p:spTree>
+    <p:extLst>
+      <p:ext uri="{BB962C8B-B14F-4D97-AF65-F5344CB8AC3E}">
+        <p14:creationId xmlns:p14="http://schemas.microsoft.com/office/powerpoint/2010/main" val="3601061652"/>
+      </p:ext>
+    </p:extLst>
+  </p:cSld>
+  <p:clrMapOvr>
+    <a:masterClrMapping/>
+  </p:clrMapOvr>
+</p:sld>
+</file>
+
+<file path=ppt/slides/slide17.xml><?xml version="1.0" encoding="utf-8"?>
+<p:sld xmlns:a="http://schemas.openxmlformats.org/drawingml/2006/main" xmlns:r="http://schemas.openxmlformats.org/officeDocument/2006/relationships" xmlns:p="http://schemas.openxmlformats.org/presentationml/2006/main">
+  <p:cSld>
+    <p:spTree>
+      <p:nvGrpSpPr>
+        <p:cNvPr id="1" name=""/>
+        <p:cNvGrpSpPr/>
+        <p:nvPr/>
+      </p:nvGrpSpPr>
+      <p:grpSpPr>
+        <a:xfrm>
+          <a:off x="0" y="0"/>
+          <a:ext cx="0" cy="0"/>
+          <a:chOff x="0" y="0"/>
+          <a:chExt cx="0" cy="0"/>
+        </a:xfrm>
+      </p:grpSpPr>
+      <p:sp>
+        <p:nvSpPr>
+          <p:cNvPr id="2" name="Title 1"/>
+          <p:cNvSpPr>
+            <a:spLocks noGrp="1"/>
+          </p:cNvSpPr>
+          <p:nvPr>
+            <p:ph type="title"/>
+          </p:nvPr>
+        </p:nvSpPr>
+        <p:spPr/>
+        <p:txBody>
+          <a:bodyPr/>
+          <a:lstStyle/>
+          <a:p>
+            <a:r>
+              <a:rPr lang="en-US" dirty="0"/>
+              <a:t>State </a:t>
+            </a:r>
+            <a:r>
+              <a:rPr lang="en-US" dirty="0" smtClean="0"/>
+              <a:t>Estimation: </a:t>
+            </a:r>
+            <a:r>
+              <a:rPr lang="en-US" dirty="0" err="1" smtClean="0"/>
+              <a:t>Kalman</a:t>
+            </a:r>
+            <a:r>
+              <a:rPr lang="en-US" dirty="0" smtClean="0"/>
+              <a:t> Filter</a:t>
+            </a:r>
+            <a:endParaRPr lang="en-US" dirty="0"/>
+          </a:p>
+        </p:txBody>
+      </p:sp>
+      <p:sp>
+        <p:nvSpPr>
+          <p:cNvPr id="4" name="Content Placeholder 3"/>
+          <p:cNvSpPr>
+            <a:spLocks noGrp="1"/>
+          </p:cNvSpPr>
+          <p:nvPr>
+            <p:ph idx="1"/>
+          </p:nvPr>
+        </p:nvSpPr>
+        <p:spPr>
+          <a:xfrm>
+            <a:off x="838200" y="1825625"/>
+            <a:ext cx="10226879" cy="875630"/>
+          </a:xfrm>
+        </p:spPr>
+        <p:txBody>
+          <a:bodyPr>
+            <a:normAutofit/>
+          </a:bodyPr>
+          <a:lstStyle/>
+          <a:p>
+            <a:r>
+              <a:rPr lang="en-US" dirty="0" smtClean="0"/>
+              <a:t>Results of KF on Physical Incubator</a:t>
+            </a:r>
+            <a:endParaRPr lang="en-US" dirty="0"/>
+          </a:p>
+        </p:txBody>
+      </p:sp>
+      <p:pic>
+        <p:nvPicPr>
+          <p:cNvPr id="5" name="Picture 4"/>
+          <p:cNvPicPr>
+            <a:picLocks noChangeAspect="1"/>
+          </p:cNvPicPr>
+          <p:nvPr/>
+        </p:nvPicPr>
+        <p:blipFill>
+          <a:blip r:embed="rId2">
+            <a:extLst>
+              <a:ext uri="{28A0092B-C50C-407E-A947-70E740481C1C}">
+                <a14:useLocalDpi xmlns:a14="http://schemas.microsoft.com/office/drawing/2010/main" val="0"/>
+              </a:ext>
+            </a:extLst>
+          </a:blip>
+          <a:stretch>
+            <a:fillRect/>
+          </a:stretch>
+        </p:blipFill>
+        <p:spPr>
+          <a:xfrm>
+            <a:off x="1858162" y="2481554"/>
+            <a:ext cx="8475676" cy="4268999"/>
+          </a:xfrm>
+          <a:prstGeom prst="rect">
+            <a:avLst/>
+          </a:prstGeom>
+        </p:spPr>
+      </p:pic>
+    </p:spTree>
+    <p:extLst>
+      <p:ext uri="{BB962C8B-B14F-4D97-AF65-F5344CB8AC3E}">
+        <p14:creationId xmlns:p14="http://schemas.microsoft.com/office/powerpoint/2010/main" val="165871445"/>
+      </p:ext>
+    </p:extLst>
+  </p:cSld>
+  <p:clrMapOvr>
+    <a:masterClrMapping/>
+  </p:clrMapOvr>
+</p:sld>
+</file>
+
+<file path=ppt/slides/slide18.xml><?xml version="1.0" encoding="utf-8"?>
+<p:sld xmlns:a="http://schemas.openxmlformats.org/drawingml/2006/main" xmlns:r="http://schemas.openxmlformats.org/officeDocument/2006/relationships" xmlns:p="http://schemas.openxmlformats.org/presentationml/2006/main">
+  <p:cSld>
+    <p:spTree>
+      <p:nvGrpSpPr>
+        <p:cNvPr id="1" name=""/>
+        <p:cNvGrpSpPr/>
+        <p:nvPr/>
+      </p:nvGrpSpPr>
+      <p:grpSpPr>
+        <a:xfrm>
+          <a:off x="0" y="0"/>
+          <a:ext cx="0" cy="0"/>
+          <a:chOff x="0" y="0"/>
+          <a:chExt cx="0" cy="0"/>
+        </a:xfrm>
+      </p:grpSpPr>
+      <p:sp>
+        <p:nvSpPr>
+          <p:cNvPr id="2" name="Title 1"/>
+          <p:cNvSpPr>
+            <a:spLocks noGrp="1"/>
+          </p:cNvSpPr>
+          <p:nvPr>
+            <p:ph type="title"/>
+          </p:nvPr>
+        </p:nvSpPr>
+        <p:spPr/>
+        <p:txBody>
+          <a:bodyPr/>
+          <a:lstStyle/>
+          <a:p>
+            <a:r>
+              <a:rPr lang="en-US" dirty="0" smtClean="0"/>
+              <a:t>Application of </a:t>
+            </a:r>
+            <a:r>
+              <a:rPr lang="en-US" dirty="0" err="1" smtClean="0"/>
+              <a:t>Kalman</a:t>
+            </a:r>
+            <a:r>
+              <a:rPr lang="en-US" dirty="0" smtClean="0"/>
+              <a:t> Filter to Noise</a:t>
+            </a:r>
+            <a:endParaRPr lang="en-US" dirty="0"/>
+          </a:p>
+        </p:txBody>
+      </p:sp>
+      <p:sp>
+        <p:nvSpPr>
+          <p:cNvPr id="4" name="Content Placeholder 3"/>
+          <p:cNvSpPr>
+            <a:spLocks noGrp="1"/>
+          </p:cNvSpPr>
+          <p:nvPr>
+            <p:ph idx="1"/>
+          </p:nvPr>
+        </p:nvSpPr>
+        <p:spPr>
+          <a:xfrm>
+            <a:off x="838200" y="1825625"/>
+            <a:ext cx="10515600" cy="1798419"/>
+          </a:xfrm>
+        </p:spPr>
+        <p:txBody>
+          <a:bodyPr>
+            <a:normAutofit/>
+          </a:bodyPr>
+          <a:lstStyle/>
+          <a:p>
+            <a:r>
+              <a:rPr lang="en-US" dirty="0" smtClean="0"/>
+              <a:t>Run </a:t>
+            </a:r>
+            <a:r>
+              <a:rPr lang="en-US" dirty="0" err="1" smtClean="0"/>
+              <a:t>Kalman</a:t>
+            </a:r>
+            <a:r>
+              <a:rPr lang="en-US" dirty="0" smtClean="0"/>
+              <a:t> filter through simulation model instead of real thing to demonstrate detection of faults.</a:t>
+            </a:r>
+          </a:p>
+          <a:p>
+            <a:r>
+              <a:rPr lang="en-US" dirty="0" smtClean="0"/>
+              <a:t>Show diagram of setup and show the equivalence to the real system.</a:t>
+            </a:r>
+            <a:endParaRPr lang="en-US" dirty="0"/>
+          </a:p>
+        </p:txBody>
+      </p:sp>
+      <p:pic>
+        <p:nvPicPr>
+          <p:cNvPr id="6" name="Picture 5"/>
+          <p:cNvPicPr>
+            <a:picLocks noChangeAspect="1"/>
+          </p:cNvPicPr>
+          <p:nvPr/>
+        </p:nvPicPr>
+        <p:blipFill>
+          <a:blip r:embed="rId2"/>
+          <a:stretch>
+            <a:fillRect/>
+          </a:stretch>
+        </p:blipFill>
+        <p:spPr>
+          <a:xfrm>
+            <a:off x="838200" y="3109482"/>
+            <a:ext cx="6917060" cy="3748518"/>
+          </a:xfrm>
+          <a:prstGeom prst="rect">
+            <a:avLst/>
+          </a:prstGeom>
+        </p:spPr>
+      </p:pic>
+    </p:spTree>
+    <p:extLst>
+      <p:ext uri="{BB962C8B-B14F-4D97-AF65-F5344CB8AC3E}">
+        <p14:creationId xmlns:p14="http://schemas.microsoft.com/office/powerpoint/2010/main" val="786277393"/>
+      </p:ext>
+    </p:extLst>
+  </p:cSld>
+  <p:clrMapOvr>
+    <a:masterClrMapping/>
+  </p:clrMapOvr>
+</p:sld>
+</file>
+
+<file path=ppt/slides/slide19.xml><?xml version="1.0" encoding="utf-8"?>
+<p:sld xmlns:a="http://schemas.openxmlformats.org/drawingml/2006/main" xmlns:r="http://schemas.openxmlformats.org/officeDocument/2006/relationships" xmlns:p="http://schemas.openxmlformats.org/presentationml/2006/main">
+  <p:cSld>
+    <p:spTree>
+      <p:nvGrpSpPr>
+        <p:cNvPr id="1" name=""/>
+        <p:cNvGrpSpPr/>
+        <p:nvPr/>
+      </p:nvGrpSpPr>
+      <p:grpSpPr>
+        <a:xfrm>
+          <a:off x="0" y="0"/>
+          <a:ext cx="0" cy="0"/>
+          <a:chOff x="0" y="0"/>
+          <a:chExt cx="0" cy="0"/>
+        </a:xfrm>
+      </p:grpSpPr>
+      <p:sp>
+        <p:nvSpPr>
+          <p:cNvPr id="2" name="Title 1"/>
+          <p:cNvSpPr>
+            <a:spLocks noGrp="1"/>
+          </p:cNvSpPr>
+          <p:nvPr>
+            <p:ph type="title"/>
+          </p:nvPr>
+        </p:nvSpPr>
+        <p:spPr/>
+        <p:txBody>
+          <a:bodyPr/>
+          <a:lstStyle/>
+          <a:p>
+            <a:r>
+              <a:rPr lang="en-US" dirty="0" smtClean="0"/>
+              <a:t>Monitoring</a:t>
+            </a:r>
+            <a:endParaRPr lang="en-US" dirty="0"/>
+          </a:p>
+        </p:txBody>
+      </p:sp>
+      <p:sp>
+        <p:nvSpPr>
+          <p:cNvPr id="4" name="Content Placeholder 3"/>
+          <p:cNvSpPr>
+            <a:spLocks noGrp="1"/>
+          </p:cNvSpPr>
+          <p:nvPr>
+            <p:ph idx="1"/>
+          </p:nvPr>
+        </p:nvSpPr>
+        <p:spPr>
+          <a:xfrm>
+            <a:off x="838200" y="1825625"/>
+            <a:ext cx="10515600" cy="598793"/>
+          </a:xfrm>
+        </p:spPr>
+        <p:txBody>
+          <a:bodyPr>
+            <a:normAutofit/>
+          </a:bodyPr>
+          <a:lstStyle/>
+          <a:p>
+            <a:r>
+              <a:rPr lang="en-US" dirty="0" smtClean="0"/>
+              <a:t>Show setup to detect objects and/or open lid</a:t>
+            </a:r>
+          </a:p>
+        </p:txBody>
+      </p:sp>
+    </p:spTree>
+    <p:extLst>
+      <p:ext uri="{BB962C8B-B14F-4D97-AF65-F5344CB8AC3E}">
+        <p14:creationId xmlns:p14="http://schemas.microsoft.com/office/powerpoint/2010/main" val="1278141170"/>
       </p:ext>
     </p:extLst>
   </p:cSld>
@@ -4024,6 +4975,733 @@
     <p:extLst>
       <p:ext uri="{BB962C8B-B14F-4D97-AF65-F5344CB8AC3E}">
         <p14:creationId xmlns:p14="http://schemas.microsoft.com/office/powerpoint/2010/main" val="1053129734"/>
+      </p:ext>
+    </p:extLst>
+  </p:cSld>
+  <p:clrMapOvr>
+    <a:masterClrMapping/>
+  </p:clrMapOvr>
+</p:sld>
+</file>
+
+<file path=ppt/slides/slide20.xml><?xml version="1.0" encoding="utf-8"?>
+<p:sld xmlns:a="http://schemas.openxmlformats.org/drawingml/2006/main" xmlns:r="http://schemas.openxmlformats.org/officeDocument/2006/relationships" xmlns:p="http://schemas.openxmlformats.org/presentationml/2006/main">
+  <p:cSld>
+    <p:spTree>
+      <p:nvGrpSpPr>
+        <p:cNvPr id="1" name=""/>
+        <p:cNvGrpSpPr/>
+        <p:nvPr/>
+      </p:nvGrpSpPr>
+      <p:grpSpPr>
+        <a:xfrm>
+          <a:off x="0" y="0"/>
+          <a:ext cx="0" cy="0"/>
+          <a:chOff x="0" y="0"/>
+          <a:chExt cx="0" cy="0"/>
+        </a:xfrm>
+      </p:grpSpPr>
+      <p:sp>
+        <p:nvSpPr>
+          <p:cNvPr id="2" name="Title 1"/>
+          <p:cNvSpPr>
+            <a:spLocks noGrp="1"/>
+          </p:cNvSpPr>
+          <p:nvPr>
+            <p:ph type="title"/>
+          </p:nvPr>
+        </p:nvSpPr>
+        <p:spPr/>
+        <p:txBody>
+          <a:bodyPr/>
+          <a:lstStyle/>
+          <a:p>
+            <a:r>
+              <a:rPr lang="en-US" dirty="0" smtClean="0"/>
+              <a:t>Other Interesting Monitoring Problems</a:t>
+            </a:r>
+            <a:endParaRPr lang="en-US" dirty="0"/>
+          </a:p>
+        </p:txBody>
+      </p:sp>
+      <p:sp>
+        <p:nvSpPr>
+          <p:cNvPr id="4" name="Content Placeholder 3"/>
+          <p:cNvSpPr>
+            <a:spLocks noGrp="1"/>
+          </p:cNvSpPr>
+          <p:nvPr>
+            <p:ph idx="1"/>
+          </p:nvPr>
+        </p:nvSpPr>
+        <p:spPr>
+          <a:xfrm>
+            <a:off x="838200" y="1825625"/>
+            <a:ext cx="10515600" cy="3006434"/>
+          </a:xfrm>
+        </p:spPr>
+        <p:txBody>
+          <a:bodyPr>
+            <a:normAutofit/>
+          </a:bodyPr>
+          <a:lstStyle/>
+          <a:p>
+            <a:r>
+              <a:rPr lang="en-US" dirty="0" smtClean="0"/>
+              <a:t>Detect fan anomalies</a:t>
+            </a:r>
+          </a:p>
+          <a:p>
+            <a:r>
+              <a:rPr lang="en-US" dirty="0" smtClean="0"/>
+              <a:t>Detect PCB anomalies</a:t>
+            </a:r>
+            <a:endParaRPr lang="en-US" dirty="0"/>
+          </a:p>
+          <a:p>
+            <a:r>
+              <a:rPr lang="en-150" dirty="0" smtClean="0"/>
+              <a:t>…</a:t>
+            </a:r>
+            <a:endParaRPr lang="en-US" dirty="0"/>
+          </a:p>
+        </p:txBody>
+      </p:sp>
+    </p:spTree>
+    <p:extLst>
+      <p:ext uri="{BB962C8B-B14F-4D97-AF65-F5344CB8AC3E}">
+        <p14:creationId xmlns:p14="http://schemas.microsoft.com/office/powerpoint/2010/main" val="1965093496"/>
+      </p:ext>
+    </p:extLst>
+  </p:cSld>
+  <p:clrMapOvr>
+    <a:masterClrMapping/>
+  </p:clrMapOvr>
+</p:sld>
+</file>
+
+<file path=ppt/slides/slide21.xml><?xml version="1.0" encoding="utf-8"?>
+<p:sld xmlns:a="http://schemas.openxmlformats.org/drawingml/2006/main" xmlns:r="http://schemas.openxmlformats.org/officeDocument/2006/relationships" xmlns:p="http://schemas.openxmlformats.org/presentationml/2006/main">
+  <p:cSld>
+    <p:spTree>
+      <p:nvGrpSpPr>
+        <p:cNvPr id="1" name=""/>
+        <p:cNvGrpSpPr/>
+        <p:nvPr/>
+      </p:nvGrpSpPr>
+      <p:grpSpPr>
+        <a:xfrm>
+          <a:off x="0" y="0"/>
+          <a:ext cx="0" cy="0"/>
+          <a:chOff x="0" y="0"/>
+          <a:chExt cx="0" cy="0"/>
+        </a:xfrm>
+      </p:grpSpPr>
+      <p:sp>
+        <p:nvSpPr>
+          <p:cNvPr id="2" name="Title 1"/>
+          <p:cNvSpPr>
+            <a:spLocks noGrp="1"/>
+          </p:cNvSpPr>
+          <p:nvPr>
+            <p:ph type="title"/>
+          </p:nvPr>
+        </p:nvSpPr>
+        <p:spPr/>
+        <p:txBody>
+          <a:bodyPr/>
+          <a:lstStyle/>
+          <a:p>
+            <a:r>
+              <a:rPr lang="en-US" dirty="0" smtClean="0"/>
+              <a:t>What-If Analysis</a:t>
+            </a:r>
+            <a:endParaRPr lang="en-US" dirty="0"/>
+          </a:p>
+        </p:txBody>
+      </p:sp>
+      <p:sp>
+        <p:nvSpPr>
+          <p:cNvPr id="4" name="Content Placeholder 3"/>
+          <p:cNvSpPr>
+            <a:spLocks noGrp="1"/>
+          </p:cNvSpPr>
+          <p:nvPr>
+            <p:ph idx="1"/>
+          </p:nvPr>
+        </p:nvSpPr>
+        <p:spPr>
+          <a:xfrm>
+            <a:off x="838200" y="1825625"/>
+            <a:ext cx="10515600" cy="2310147"/>
+          </a:xfrm>
+        </p:spPr>
+        <p:txBody>
+          <a:bodyPr>
+            <a:normAutofit/>
+          </a:bodyPr>
+          <a:lstStyle/>
+          <a:p>
+            <a:r>
+              <a:rPr lang="en-US" dirty="0" smtClean="0"/>
+              <a:t>Show use case: work around power outage: how much do we need to warm up the incubator to keep it from going below a certain threshold?</a:t>
+            </a:r>
+          </a:p>
+          <a:p>
+            <a:r>
+              <a:rPr lang="en-US" dirty="0" smtClean="0"/>
+              <a:t>Explain how it relates to previous setup.</a:t>
+            </a:r>
+          </a:p>
+        </p:txBody>
+      </p:sp>
+    </p:spTree>
+    <p:extLst>
+      <p:ext uri="{BB962C8B-B14F-4D97-AF65-F5344CB8AC3E}">
+        <p14:creationId xmlns:p14="http://schemas.microsoft.com/office/powerpoint/2010/main" val="2701071070"/>
+      </p:ext>
+    </p:extLst>
+  </p:cSld>
+  <p:clrMapOvr>
+    <a:masterClrMapping/>
+  </p:clrMapOvr>
+</p:sld>
+</file>
+
+<file path=ppt/slides/slide22.xml><?xml version="1.0" encoding="utf-8"?>
+<p:sld xmlns:a="http://schemas.openxmlformats.org/drawingml/2006/main" xmlns:r="http://schemas.openxmlformats.org/officeDocument/2006/relationships" xmlns:p="http://schemas.openxmlformats.org/presentationml/2006/main">
+  <p:cSld>
+    <p:spTree>
+      <p:nvGrpSpPr>
+        <p:cNvPr id="1" name=""/>
+        <p:cNvGrpSpPr/>
+        <p:nvPr/>
+      </p:nvGrpSpPr>
+      <p:grpSpPr>
+        <a:xfrm>
+          <a:off x="0" y="0"/>
+          <a:ext cx="0" cy="0"/>
+          <a:chOff x="0" y="0"/>
+          <a:chExt cx="0" cy="0"/>
+        </a:xfrm>
+      </p:grpSpPr>
+      <p:sp>
+        <p:nvSpPr>
+          <p:cNvPr id="2" name="Title 1"/>
+          <p:cNvSpPr>
+            <a:spLocks noGrp="1"/>
+          </p:cNvSpPr>
+          <p:nvPr>
+            <p:ph type="title"/>
+          </p:nvPr>
+        </p:nvSpPr>
+        <p:spPr/>
+        <p:txBody>
+          <a:bodyPr/>
+          <a:lstStyle/>
+          <a:p>
+            <a:r>
+              <a:rPr lang="en-US" dirty="0" smtClean="0"/>
+              <a:t>Two-way Communication</a:t>
+            </a:r>
+            <a:endParaRPr lang="en-US" dirty="0"/>
+          </a:p>
+        </p:txBody>
+      </p:sp>
+      <p:sp>
+        <p:nvSpPr>
+          <p:cNvPr id="3" name="Content Placeholder 2"/>
+          <p:cNvSpPr>
+            <a:spLocks noGrp="1"/>
+          </p:cNvSpPr>
+          <p:nvPr>
+            <p:ph idx="1"/>
+          </p:nvPr>
+        </p:nvSpPr>
+        <p:spPr>
+          <a:xfrm>
+            <a:off x="838200" y="1825624"/>
+            <a:ext cx="8809139" cy="2318537"/>
+          </a:xfrm>
+        </p:spPr>
+        <p:txBody>
+          <a:bodyPr/>
+          <a:lstStyle/>
+          <a:p>
+            <a:r>
+              <a:rPr lang="en-US" dirty="0" smtClean="0"/>
+              <a:t>Physical twin modified to accept new values for parameters of the controller.</a:t>
+            </a:r>
+            <a:endParaRPr lang="en-US" dirty="0"/>
+          </a:p>
+          <a:p>
+            <a:pPr lvl="1"/>
+            <a:r>
+              <a:rPr lang="en-US" dirty="0" smtClean="0"/>
+              <a:t>But safe limits to these have been hard-coded.</a:t>
+            </a:r>
+          </a:p>
+          <a:p>
+            <a:pPr lvl="1"/>
+            <a:r>
+              <a:rPr lang="en-US" dirty="0" smtClean="0"/>
+              <a:t>More safety issues remain</a:t>
+            </a:r>
+            <a:r>
+              <a:rPr lang="en-150" dirty="0" smtClean="0"/>
+              <a:t>…</a:t>
+            </a:r>
+            <a:endParaRPr lang="en-US" dirty="0" smtClean="0"/>
+          </a:p>
+        </p:txBody>
+      </p:sp>
+      <p:pic>
+        <p:nvPicPr>
+          <p:cNvPr id="6" name="Picture 5"/>
+          <p:cNvPicPr>
+            <a:picLocks noChangeAspect="1"/>
+          </p:cNvPicPr>
+          <p:nvPr/>
+        </p:nvPicPr>
+        <p:blipFill rotWithShape="1">
+          <a:blip r:embed="rId2"/>
+          <a:srcRect l="39729" t="-1" r="39940" b="-1105"/>
+          <a:stretch/>
+        </p:blipFill>
+        <p:spPr>
+          <a:xfrm>
+            <a:off x="9882230" y="1241571"/>
+            <a:ext cx="1401149" cy="2315361"/>
+          </a:xfrm>
+          <a:prstGeom prst="rect">
+            <a:avLst/>
+          </a:prstGeom>
+        </p:spPr>
+      </p:pic>
+    </p:spTree>
+    <p:extLst>
+      <p:ext uri="{BB962C8B-B14F-4D97-AF65-F5344CB8AC3E}">
+        <p14:creationId xmlns:p14="http://schemas.microsoft.com/office/powerpoint/2010/main" val="1130568519"/>
+      </p:ext>
+    </p:extLst>
+  </p:cSld>
+  <p:clrMapOvr>
+    <a:masterClrMapping/>
+  </p:clrMapOvr>
+</p:sld>
+</file>
+
+<file path=ppt/slides/slide23.xml><?xml version="1.0" encoding="utf-8"?>
+<p:sld xmlns:a="http://schemas.openxmlformats.org/drawingml/2006/main" xmlns:r="http://schemas.openxmlformats.org/officeDocument/2006/relationships" xmlns:p="http://schemas.openxmlformats.org/presentationml/2006/main">
+  <p:cSld>
+    <p:spTree>
+      <p:nvGrpSpPr>
+        <p:cNvPr id="1" name=""/>
+        <p:cNvGrpSpPr/>
+        <p:nvPr/>
+      </p:nvGrpSpPr>
+      <p:grpSpPr>
+        <a:xfrm>
+          <a:off x="0" y="0"/>
+          <a:ext cx="0" cy="0"/>
+          <a:chOff x="0" y="0"/>
+          <a:chExt cx="0" cy="0"/>
+        </a:xfrm>
+      </p:grpSpPr>
+      <p:sp>
+        <p:nvSpPr>
+          <p:cNvPr id="2" name="Title 1"/>
+          <p:cNvSpPr>
+            <a:spLocks noGrp="1"/>
+          </p:cNvSpPr>
+          <p:nvPr>
+            <p:ph type="title"/>
+          </p:nvPr>
+        </p:nvSpPr>
+        <p:spPr/>
+        <p:txBody>
+          <a:bodyPr/>
+          <a:lstStyle/>
+          <a:p>
+            <a:r>
+              <a:rPr lang="en-US" dirty="0" smtClean="0"/>
+              <a:t>Example Self-Adaptation Loop</a:t>
+            </a:r>
+            <a:endParaRPr lang="en-US" dirty="0"/>
+          </a:p>
+        </p:txBody>
+      </p:sp>
+      <p:sp>
+        <p:nvSpPr>
+          <p:cNvPr id="3" name="Content Placeholder 2"/>
+          <p:cNvSpPr>
+            <a:spLocks noGrp="1"/>
+          </p:cNvSpPr>
+          <p:nvPr>
+            <p:ph idx="1"/>
+          </p:nvPr>
+        </p:nvSpPr>
+        <p:spPr>
+          <a:xfrm>
+            <a:off x="838200" y="1825624"/>
+            <a:ext cx="8809139" cy="2318537"/>
+          </a:xfrm>
+        </p:spPr>
+        <p:txBody>
+          <a:bodyPr/>
+          <a:lstStyle/>
+          <a:p>
+            <a:r>
+              <a:rPr lang="en-US" dirty="0" smtClean="0"/>
+              <a:t>Explain the optimization algorithm for the incubator:</a:t>
+            </a:r>
+          </a:p>
+          <a:p>
+            <a:pPr lvl="1"/>
+            <a:r>
+              <a:rPr lang="en-US" dirty="0" smtClean="0"/>
+              <a:t>Triggered when an objects gets placed inside the incubator.</a:t>
+            </a:r>
+          </a:p>
+          <a:p>
+            <a:pPr lvl="1"/>
+            <a:r>
+              <a:rPr lang="en-US" dirty="0" smtClean="0"/>
+              <a:t>After the properties of that object have been identified.</a:t>
+            </a:r>
+          </a:p>
+          <a:p>
+            <a:pPr lvl="1"/>
+            <a:r>
+              <a:rPr lang="en-US" dirty="0" smtClean="0"/>
+              <a:t>Finds a better configuration for the controller based on the newly identified plant model.</a:t>
+            </a:r>
+            <a:endParaRPr lang="en-US" dirty="0" smtClean="0"/>
+          </a:p>
+        </p:txBody>
+      </p:sp>
+      <p:pic>
+        <p:nvPicPr>
+          <p:cNvPr id="6" name="Picture 5"/>
+          <p:cNvPicPr>
+            <a:picLocks noChangeAspect="1"/>
+          </p:cNvPicPr>
+          <p:nvPr/>
+        </p:nvPicPr>
+        <p:blipFill rotWithShape="1">
+          <a:blip r:embed="rId2"/>
+          <a:srcRect l="39729" t="-1" r="39940" b="-1105"/>
+          <a:stretch/>
+        </p:blipFill>
+        <p:spPr>
+          <a:xfrm>
+            <a:off x="9882230" y="1241571"/>
+            <a:ext cx="1401149" cy="2315361"/>
+          </a:xfrm>
+          <a:prstGeom prst="rect">
+            <a:avLst/>
+          </a:prstGeom>
+        </p:spPr>
+      </p:pic>
+    </p:spTree>
+    <p:extLst>
+      <p:ext uri="{BB962C8B-B14F-4D97-AF65-F5344CB8AC3E}">
+        <p14:creationId xmlns:p14="http://schemas.microsoft.com/office/powerpoint/2010/main" val="1840457971"/>
+      </p:ext>
+    </p:extLst>
+  </p:cSld>
+  <p:clrMapOvr>
+    <a:masterClrMapping/>
+  </p:clrMapOvr>
+</p:sld>
+</file>
+
+<file path=ppt/slides/slide24.xml><?xml version="1.0" encoding="utf-8"?>
+<p:sld xmlns:a="http://schemas.openxmlformats.org/drawingml/2006/main" xmlns:r="http://schemas.openxmlformats.org/officeDocument/2006/relationships" xmlns:p="http://schemas.openxmlformats.org/presentationml/2006/main">
+  <p:cSld>
+    <p:spTree>
+      <p:nvGrpSpPr>
+        <p:cNvPr id="1" name=""/>
+        <p:cNvGrpSpPr/>
+        <p:nvPr/>
+      </p:nvGrpSpPr>
+      <p:grpSpPr>
+        <a:xfrm>
+          <a:off x="0" y="0"/>
+          <a:ext cx="0" cy="0"/>
+          <a:chOff x="0" y="0"/>
+          <a:chExt cx="0" cy="0"/>
+        </a:xfrm>
+      </p:grpSpPr>
+      <p:sp>
+        <p:nvSpPr>
+          <p:cNvPr id="2" name="Title 1"/>
+          <p:cNvSpPr>
+            <a:spLocks noGrp="1"/>
+          </p:cNvSpPr>
+          <p:nvPr>
+            <p:ph type="title"/>
+          </p:nvPr>
+        </p:nvSpPr>
+        <p:spPr/>
+        <p:txBody>
+          <a:bodyPr/>
+          <a:lstStyle/>
+          <a:p>
+            <a:r>
+              <a:rPr lang="en-US" dirty="0" smtClean="0"/>
+              <a:t>Big Picture</a:t>
+            </a:r>
+            <a:endParaRPr lang="en-US" dirty="0"/>
+          </a:p>
+        </p:txBody>
+      </p:sp>
+      <p:sp>
+        <p:nvSpPr>
+          <p:cNvPr id="3" name="Content Placeholder 2"/>
+          <p:cNvSpPr>
+            <a:spLocks noGrp="1"/>
+          </p:cNvSpPr>
+          <p:nvPr>
+            <p:ph idx="1"/>
+          </p:nvPr>
+        </p:nvSpPr>
+        <p:spPr/>
+        <p:txBody>
+          <a:bodyPr>
+            <a:normAutofit/>
+          </a:bodyPr>
+          <a:lstStyle/>
+          <a:p>
+            <a:r>
+              <a:rPr lang="en-US" dirty="0" smtClean="0"/>
+              <a:t>Talk about the case studies we want to make digital twins for.</a:t>
+            </a:r>
+            <a:endParaRPr lang="en-US" dirty="0" smtClean="0"/>
+          </a:p>
+        </p:txBody>
+      </p:sp>
+    </p:spTree>
+    <p:extLst>
+      <p:ext uri="{BB962C8B-B14F-4D97-AF65-F5344CB8AC3E}">
+        <p14:creationId xmlns:p14="http://schemas.microsoft.com/office/powerpoint/2010/main" val="3350233307"/>
+      </p:ext>
+    </p:extLst>
+  </p:cSld>
+  <p:clrMapOvr>
+    <a:masterClrMapping/>
+  </p:clrMapOvr>
+</p:sld>
+</file>
+
+<file path=ppt/slides/slide25.xml><?xml version="1.0" encoding="utf-8"?>
+<p:sld xmlns:a="http://schemas.openxmlformats.org/drawingml/2006/main" xmlns:r="http://schemas.openxmlformats.org/officeDocument/2006/relationships" xmlns:p="http://schemas.openxmlformats.org/presentationml/2006/main">
+  <p:cSld>
+    <p:spTree>
+      <p:nvGrpSpPr>
+        <p:cNvPr id="1" name=""/>
+        <p:cNvGrpSpPr/>
+        <p:nvPr/>
+      </p:nvGrpSpPr>
+      <p:grpSpPr>
+        <a:xfrm>
+          <a:off x="0" y="0"/>
+          <a:ext cx="0" cy="0"/>
+          <a:chOff x="0" y="0"/>
+          <a:chExt cx="0" cy="0"/>
+        </a:xfrm>
+      </p:grpSpPr>
+      <p:sp>
+        <p:nvSpPr>
+          <p:cNvPr id="2" name="Title 1"/>
+          <p:cNvSpPr>
+            <a:spLocks noGrp="1"/>
+          </p:cNvSpPr>
+          <p:nvPr>
+            <p:ph type="title"/>
+          </p:nvPr>
+        </p:nvSpPr>
+        <p:spPr/>
+        <p:txBody>
+          <a:bodyPr/>
+          <a:lstStyle/>
+          <a:p>
+            <a:r>
+              <a:rPr lang="en-US" dirty="0" smtClean="0"/>
+              <a:t>Lessons/Challenges </a:t>
+            </a:r>
+            <a:r>
+              <a:rPr lang="en-US" dirty="0" smtClean="0"/>
+              <a:t>on </a:t>
+            </a:r>
+            <a:r>
+              <a:rPr lang="en-US" dirty="0"/>
+              <a:t>Reusability</a:t>
+            </a:r>
+          </a:p>
+        </p:txBody>
+      </p:sp>
+      <p:sp>
+        <p:nvSpPr>
+          <p:cNvPr id="3" name="Content Placeholder 2"/>
+          <p:cNvSpPr>
+            <a:spLocks noGrp="1"/>
+          </p:cNvSpPr>
+          <p:nvPr>
+            <p:ph idx="1"/>
+          </p:nvPr>
+        </p:nvSpPr>
+        <p:spPr/>
+        <p:txBody>
+          <a:bodyPr>
+            <a:normAutofit fontScale="92500" lnSpcReduction="10000"/>
+          </a:bodyPr>
+          <a:lstStyle/>
+          <a:p>
+            <a:r>
+              <a:rPr lang="en-US" dirty="0" smtClean="0"/>
+              <a:t>Hard to reap the benefits of automatic adaptation through Digital Twin without having a physical twin that is ready to receive such adaptations</a:t>
+            </a:r>
+          </a:p>
+          <a:p>
+            <a:pPr lvl="1"/>
+            <a:r>
+              <a:rPr lang="en-US" dirty="0" smtClean="0"/>
+              <a:t>In incubator case study, the software controller needs to be reconfigurable automatic.</a:t>
+            </a:r>
+          </a:p>
+          <a:p>
+            <a:pPr lvl="1"/>
+            <a:r>
+              <a:rPr lang="en-US" dirty="0" smtClean="0"/>
+              <a:t>This poses challenges in safety which conflict with the vision of a DT being an open ended framework: how to ensure that the software is not inadvertently reconfigured to a bad configuration by an untested optimizer?</a:t>
+            </a:r>
+          </a:p>
+          <a:p>
+            <a:r>
+              <a:rPr lang="en-US" dirty="0" smtClean="0"/>
+              <a:t>Challenging to devise general purpose DT features that work “plug-and-play”.</a:t>
+            </a:r>
+          </a:p>
+          <a:p>
+            <a:pPr lvl="1"/>
+            <a:r>
+              <a:rPr lang="en-US" dirty="0" smtClean="0"/>
+              <a:t>E.g., temperature uniformity monitoring requires offline experimentation with more sensors than those available in the system</a:t>
+            </a:r>
+          </a:p>
+          <a:p>
+            <a:r>
+              <a:rPr lang="en-US" dirty="0" smtClean="0"/>
+              <a:t>Useful visualization is heavily dependent on application.</a:t>
+            </a:r>
+          </a:p>
+        </p:txBody>
+      </p:sp>
+    </p:spTree>
+    <p:extLst>
+      <p:ext uri="{BB962C8B-B14F-4D97-AF65-F5344CB8AC3E}">
+        <p14:creationId xmlns:p14="http://schemas.microsoft.com/office/powerpoint/2010/main" val="2571185413"/>
+      </p:ext>
+    </p:extLst>
+  </p:cSld>
+  <p:clrMapOvr>
+    <a:masterClrMapping/>
+  </p:clrMapOvr>
+</p:sld>
+</file>
+
+<file path=ppt/slides/slide26.xml><?xml version="1.0" encoding="utf-8"?>
+<p:sld xmlns:a="http://schemas.openxmlformats.org/drawingml/2006/main" xmlns:r="http://schemas.openxmlformats.org/officeDocument/2006/relationships" xmlns:p="http://schemas.openxmlformats.org/presentationml/2006/main">
+  <p:cSld>
+    <p:spTree>
+      <p:nvGrpSpPr>
+        <p:cNvPr id="1" name=""/>
+        <p:cNvGrpSpPr/>
+        <p:nvPr/>
+      </p:nvGrpSpPr>
+      <p:grpSpPr>
+        <a:xfrm>
+          <a:off x="0" y="0"/>
+          <a:ext cx="0" cy="0"/>
+          <a:chOff x="0" y="0"/>
+          <a:chExt cx="0" cy="0"/>
+        </a:xfrm>
+      </p:grpSpPr>
+      <p:sp>
+        <p:nvSpPr>
+          <p:cNvPr id="2" name="Title 1"/>
+          <p:cNvSpPr>
+            <a:spLocks noGrp="1"/>
+          </p:cNvSpPr>
+          <p:nvPr>
+            <p:ph type="title"/>
+          </p:nvPr>
+        </p:nvSpPr>
+        <p:spPr/>
+        <p:txBody>
+          <a:bodyPr/>
+          <a:lstStyle/>
+          <a:p>
+            <a:r>
+              <a:rPr lang="en-US" dirty="0"/>
+              <a:t>Lessons/Challenges </a:t>
+            </a:r>
+            <a:r>
+              <a:rPr lang="en-US" dirty="0" smtClean="0"/>
+              <a:t>on Reusability</a:t>
+            </a:r>
+            <a:endParaRPr lang="en-US" dirty="0"/>
+          </a:p>
+        </p:txBody>
+      </p:sp>
+      <p:sp>
+        <p:nvSpPr>
+          <p:cNvPr id="3" name="Content Placeholder 2"/>
+          <p:cNvSpPr>
+            <a:spLocks noGrp="1"/>
+          </p:cNvSpPr>
+          <p:nvPr>
+            <p:ph idx="1"/>
+          </p:nvPr>
+        </p:nvSpPr>
+        <p:spPr/>
+        <p:txBody>
+          <a:bodyPr>
+            <a:normAutofit/>
+          </a:bodyPr>
+          <a:lstStyle/>
+          <a:p>
+            <a:r>
+              <a:rPr lang="en-US" dirty="0" smtClean="0"/>
+              <a:t>Monitoring techniques may require offline experimentation to calibrate the models used</a:t>
+            </a:r>
+            <a:r>
+              <a:rPr lang="en-US" dirty="0" smtClean="0"/>
+              <a:t>.</a:t>
+            </a:r>
+          </a:p>
+          <a:p>
+            <a:r>
+              <a:rPr lang="en-US" dirty="0" smtClean="0"/>
+              <a:t>How to </a:t>
+            </a:r>
+            <a:r>
+              <a:rPr lang="en-US" dirty="0"/>
+              <a:t>create a usable dashboard</a:t>
+            </a:r>
+            <a:r>
+              <a:rPr lang="en-US" dirty="0" smtClean="0"/>
+              <a:t> for all the previous techniques?</a:t>
+            </a:r>
+            <a:endParaRPr lang="en-US" dirty="0" smtClean="0"/>
+          </a:p>
+        </p:txBody>
+      </p:sp>
+    </p:spTree>
+    <p:extLst>
+      <p:ext uri="{BB962C8B-B14F-4D97-AF65-F5344CB8AC3E}">
+        <p14:creationId xmlns:p14="http://schemas.microsoft.com/office/powerpoint/2010/main" val="3303354528"/>
       </p:ext>
     </p:extLst>
   </p:cSld>
@@ -4194,7 +5872,7 @@
         </p:blipFill>
         <p:spPr>
           <a:xfrm>
-            <a:off x="9072754" y="2378752"/>
+            <a:off x="9072754" y="2382473"/>
             <a:ext cx="3119246" cy="4156873"/>
           </a:xfrm>
           <a:prstGeom prst="rect">

--- a/notes/presentations/DigitLunch_17_December.pptx
+++ b/notes/presentations/DigitLunch_17_December.pptx
@@ -219,7 +219,7 @@
           <a:p>
             <a:fld id="{C365DF0B-9596-4DDF-974F-18DBB21698F7}" type="datetimeFigureOut">
               <a:rPr lang="en-US" smtClean="0"/>
-              <a:t>12/13/2020</a:t>
+              <a:t>12/14/2020</a:t>
             </a:fld>
             <a:endParaRPr lang="en-US"/>
           </a:p>
@@ -2004,7 +2004,7 @@
           <a:p>
             <a:fld id="{D90E9D96-8572-4ED5-AF13-C59B59FCC641}" type="datetimeFigureOut">
               <a:rPr lang="en-US" smtClean="0"/>
-              <a:t>12/13/2020</a:t>
+              <a:t>12/14/2020</a:t>
             </a:fld>
             <a:endParaRPr lang="en-US"/>
           </a:p>
@@ -2174,7 +2174,7 @@
           <a:p>
             <a:fld id="{D90E9D96-8572-4ED5-AF13-C59B59FCC641}" type="datetimeFigureOut">
               <a:rPr lang="en-US" smtClean="0"/>
-              <a:t>12/13/2020</a:t>
+              <a:t>12/14/2020</a:t>
             </a:fld>
             <a:endParaRPr lang="en-US"/>
           </a:p>
@@ -2354,7 +2354,7 @@
           <a:p>
             <a:fld id="{D90E9D96-8572-4ED5-AF13-C59B59FCC641}" type="datetimeFigureOut">
               <a:rPr lang="en-US" smtClean="0"/>
-              <a:t>12/13/2020</a:t>
+              <a:t>12/14/2020</a:t>
             </a:fld>
             <a:endParaRPr lang="en-US"/>
           </a:p>
@@ -2524,7 +2524,7 @@
           <a:p>
             <a:fld id="{D90E9D96-8572-4ED5-AF13-C59B59FCC641}" type="datetimeFigureOut">
               <a:rPr lang="en-US" smtClean="0"/>
-              <a:t>12/13/2020</a:t>
+              <a:t>12/14/2020</a:t>
             </a:fld>
             <a:endParaRPr lang="en-US"/>
           </a:p>
@@ -2770,7 +2770,7 @@
           <a:p>
             <a:fld id="{D90E9D96-8572-4ED5-AF13-C59B59FCC641}" type="datetimeFigureOut">
               <a:rPr lang="en-US" smtClean="0"/>
-              <a:t>12/13/2020</a:t>
+              <a:t>12/14/2020</a:t>
             </a:fld>
             <a:endParaRPr lang="en-US"/>
           </a:p>
@@ -3002,7 +3002,7 @@
           <a:p>
             <a:fld id="{D90E9D96-8572-4ED5-AF13-C59B59FCC641}" type="datetimeFigureOut">
               <a:rPr lang="en-US" smtClean="0"/>
-              <a:t>12/13/2020</a:t>
+              <a:t>12/14/2020</a:t>
             </a:fld>
             <a:endParaRPr lang="en-US"/>
           </a:p>
@@ -3369,7 +3369,7 @@
           <a:p>
             <a:fld id="{D90E9D96-8572-4ED5-AF13-C59B59FCC641}" type="datetimeFigureOut">
               <a:rPr lang="en-US" smtClean="0"/>
-              <a:t>12/13/2020</a:t>
+              <a:t>12/14/2020</a:t>
             </a:fld>
             <a:endParaRPr lang="en-US"/>
           </a:p>
@@ -3487,7 +3487,7 @@
           <a:p>
             <a:fld id="{D90E9D96-8572-4ED5-AF13-C59B59FCC641}" type="datetimeFigureOut">
               <a:rPr lang="en-US" smtClean="0"/>
-              <a:t>12/13/2020</a:t>
+              <a:t>12/14/2020</a:t>
             </a:fld>
             <a:endParaRPr lang="en-US"/>
           </a:p>
@@ -3582,7 +3582,7 @@
           <a:p>
             <a:fld id="{D90E9D96-8572-4ED5-AF13-C59B59FCC641}" type="datetimeFigureOut">
               <a:rPr lang="en-US" smtClean="0"/>
-              <a:t>12/13/2020</a:t>
+              <a:t>12/14/2020</a:t>
             </a:fld>
             <a:endParaRPr lang="en-US"/>
           </a:p>
@@ -3859,7 +3859,7 @@
           <a:p>
             <a:fld id="{D90E9D96-8572-4ED5-AF13-C59B59FCC641}" type="datetimeFigureOut">
               <a:rPr lang="en-US" smtClean="0"/>
-              <a:t>12/13/2020</a:t>
+              <a:t>12/14/2020</a:t>
             </a:fld>
             <a:endParaRPr lang="en-US"/>
           </a:p>
@@ -4112,7 +4112,7 @@
           <a:p>
             <a:fld id="{D90E9D96-8572-4ED5-AF13-C59B59FCC641}" type="datetimeFigureOut">
               <a:rPr lang="en-US" smtClean="0"/>
-              <a:t>12/13/2020</a:t>
+              <a:t>12/14/2020</a:t>
             </a:fld>
             <a:endParaRPr lang="en-US"/>
           </a:p>
@@ -4325,7 +4325,7 @@
           <a:p>
             <a:fld id="{D90E9D96-8572-4ED5-AF13-C59B59FCC641}" type="datetimeFigureOut">
               <a:rPr lang="en-US" smtClean="0"/>
-              <a:t>12/13/2020</a:t>
+              <a:t>12/14/2020</a:t>
             </a:fld>
             <a:endParaRPr lang="en-US"/>
           </a:p>
@@ -4747,11 +4747,7 @@
           <a:p>
             <a:r>
               <a:rPr lang="en-US" dirty="0" smtClean="0"/>
-              <a:t>De-Constructing Digital </a:t>
-            </a:r>
-            <a:r>
-              <a:rPr lang="en-US" dirty="0" smtClean="0"/>
-              <a:t>Twin</a:t>
+              <a:t>De-Constructing Digital Twin</a:t>
             </a:r>
             <a:endParaRPr lang="en-US" dirty="0"/>
           </a:p>
@@ -5355,8 +5351,8 @@
           </a:fontRef>
         </p:style>
       </p:cxnSp>
-      <mc:AlternateContent xmlns:mc="http://schemas.openxmlformats.org/markup-compatibility/2006">
-        <mc:Choice xmlns:a14="http://schemas.microsoft.com/office/drawing/2010/main" Requires="a14">
+      <mc:AlternateContent xmlns:mc="http://schemas.openxmlformats.org/markup-compatibility/2006" xmlns:a14="http://schemas.microsoft.com/office/drawing/2010/main">
+        <mc:Choice Requires="a14">
           <p:sp>
             <p:nvSpPr>
               <p:cNvPr id="36" name="TextBox 35"/>
@@ -5446,7 +5442,7 @@
             </p:txBody>
           </p:sp>
         </mc:Choice>
-        <mc:Fallback>
+        <mc:Fallback xmlns="">
           <p:sp>
             <p:nvSpPr>
               <p:cNvPr id="36" name="TextBox 35"/>
@@ -5712,8 +5708,8 @@
           </a:p>
         </p:txBody>
       </p:sp>
-      <mc:AlternateContent xmlns:mc="http://schemas.openxmlformats.org/markup-compatibility/2006">
-        <mc:Choice xmlns:a14="http://schemas.microsoft.com/office/drawing/2010/main" Requires="a14">
+      <mc:AlternateContent xmlns:mc="http://schemas.openxmlformats.org/markup-compatibility/2006" xmlns:a14="http://schemas.microsoft.com/office/drawing/2010/main">
+        <mc:Choice Requires="a14">
           <p:sp>
             <p:nvSpPr>
               <p:cNvPr id="35" name="TextBox 34"/>
@@ -5736,6 +5732,7 @@
               </a:bodyPr>
               <a:lstStyle/>
               <a:p>
+                <a:pPr/>
                 <a14:m>
                   <m:oMathPara xmlns:m="http://schemas.openxmlformats.org/officeDocument/2006/math">
                     <m:oMathParaPr>
@@ -5795,7 +5792,7 @@
             </p:txBody>
           </p:sp>
         </mc:Choice>
-        <mc:Fallback>
+        <mc:Fallback xmlns="">
           <p:sp>
             <p:nvSpPr>
               <p:cNvPr id="35" name="TextBox 34"/>
@@ -5834,8 +5831,8 @@
           </p:sp>
         </mc:Fallback>
       </mc:AlternateContent>
-      <mc:AlternateContent xmlns:mc="http://schemas.openxmlformats.org/markup-compatibility/2006">
-        <mc:Choice xmlns:a14="http://schemas.microsoft.com/office/drawing/2010/main" Requires="a14">
+      <mc:AlternateContent xmlns:mc="http://schemas.openxmlformats.org/markup-compatibility/2006" xmlns:a14="http://schemas.microsoft.com/office/drawing/2010/main">
+        <mc:Choice Requires="a14">
           <p:sp>
             <p:nvSpPr>
               <p:cNvPr id="44" name="TextBox 43"/>
@@ -5858,6 +5855,7 @@
               </a:bodyPr>
               <a:lstStyle/>
               <a:p>
+                <a:pPr/>
                 <a14:m>
                   <m:oMathPara xmlns:m="http://schemas.openxmlformats.org/officeDocument/2006/math">
                     <m:oMathParaPr>
@@ -5917,7 +5915,7 @@
             </p:txBody>
           </p:sp>
         </mc:Choice>
-        <mc:Fallback>
+        <mc:Fallback xmlns="">
           <p:sp>
             <p:nvSpPr>
               <p:cNvPr id="44" name="TextBox 43"/>
@@ -5956,8 +5954,8 @@
           </p:sp>
         </mc:Fallback>
       </mc:AlternateContent>
-      <mc:AlternateContent xmlns:mc="http://schemas.openxmlformats.org/markup-compatibility/2006">
-        <mc:Choice xmlns:a14="http://schemas.microsoft.com/office/drawing/2010/main" Requires="a14">
+      <mc:AlternateContent xmlns:mc="http://schemas.openxmlformats.org/markup-compatibility/2006" xmlns:a14="http://schemas.microsoft.com/office/drawing/2010/main">
+        <mc:Choice Requires="a14">
           <p:sp>
             <p:nvSpPr>
               <p:cNvPr id="48" name="TextBox 47"/>
@@ -5980,6 +5978,7 @@
               </a:bodyPr>
               <a:lstStyle/>
               <a:p>
+                <a:pPr/>
                 <a14:m>
                   <m:oMathPara xmlns:m="http://schemas.openxmlformats.org/officeDocument/2006/math">
                     <m:oMathParaPr>
@@ -6025,7 +6024,7 @@
             </p:txBody>
           </p:sp>
         </mc:Choice>
-        <mc:Fallback>
+        <mc:Fallback xmlns="">
           <p:sp>
             <p:nvSpPr>
               <p:cNvPr id="48" name="TextBox 47"/>
@@ -6116,8 +6115,8 @@
             </a:p>
           </p:txBody>
         </p:sp>
-        <mc:AlternateContent xmlns:mc="http://schemas.openxmlformats.org/markup-compatibility/2006">
-          <mc:Choice xmlns:a14="http://schemas.microsoft.com/office/drawing/2010/main" Requires="a14">
+        <mc:AlternateContent xmlns:mc="http://schemas.openxmlformats.org/markup-compatibility/2006" xmlns:a14="http://schemas.microsoft.com/office/drawing/2010/main">
+          <mc:Choice Requires="a14">
             <p:sp>
               <p:nvSpPr>
                 <p:cNvPr id="58" name="TextBox 57"/>
@@ -6150,24 +6149,32 @@
                         <m:sSub>
                           <m:sSubPr>
                             <m:ctrlPr>
-                              <a:rPr lang="en-US" i="1" dirty="0" smtClean="0"/>
+                              <a:rPr lang="en-US" i="1" dirty="0" smtClean="0">
+                                <a:latin typeface="Cambria Math" panose="02040503050406030204" pitchFamily="18" charset="0"/>
+                              </a:rPr>
                             </m:ctrlPr>
                           </m:sSubPr>
                           <m:e>
                             <m:r>
-                              <a:rPr lang="en-US" i="1" dirty="0"/>
+                              <a:rPr lang="en-US" i="1" dirty="0">
+                                <a:latin typeface="Cambria Math" panose="02040503050406030204" pitchFamily="18" charset="0"/>
+                              </a:rPr>
                               <m:t>𝐻</m:t>
                             </m:r>
                           </m:e>
                           <m:sub>
                             <m:r>
-                              <a:rPr lang="en-US" i="1" dirty="0"/>
+                              <a:rPr lang="en-US" i="1" dirty="0">
+                                <a:latin typeface="Cambria Math" panose="02040503050406030204" pitchFamily="18" charset="0"/>
+                              </a:rPr>
                               <m:t>𝑘</m:t>
                             </m:r>
                           </m:sub>
                         </m:sSub>
                         <m:r>
-                          <a:rPr lang="en-US" i="1" dirty="0"/>
+                          <a:rPr lang="en-US" i="1" dirty="0">
+                            <a:latin typeface="Cambria Math" panose="02040503050406030204" pitchFamily="18" charset="0"/>
+                          </a:rPr>
                           <m:t>=1</m:t>
                         </m:r>
                       </m:oMath>
@@ -6186,24 +6193,32 @@
                         <m:sSub>
                           <m:sSubPr>
                             <m:ctrlPr>
-                              <a:rPr lang="en-US" i="1" dirty="0"/>
+                              <a:rPr lang="en-US" i="1" dirty="0">
+                                <a:latin typeface="Cambria Math" panose="02040503050406030204" pitchFamily="18" charset="0"/>
+                              </a:rPr>
                             </m:ctrlPr>
                           </m:sSubPr>
                           <m:e>
                             <m:r>
-                              <a:rPr lang="en-US" i="1" dirty="0"/>
+                              <a:rPr lang="en-US" i="1" dirty="0">
+                                <a:latin typeface="Cambria Math" panose="02040503050406030204" pitchFamily="18" charset="0"/>
+                              </a:rPr>
                               <m:t>𝑇</m:t>
                             </m:r>
                           </m:e>
                           <m:sub>
                             <m:r>
-                              <a:rPr lang="en-US" i="1" dirty="0"/>
+                              <a:rPr lang="en-US" i="1" dirty="0">
+                                <a:latin typeface="Cambria Math" panose="02040503050406030204" pitchFamily="18" charset="0"/>
+                              </a:rPr>
                               <m:t>𝑘</m:t>
                             </m:r>
                           </m:sub>
                         </m:sSub>
                         <m:r>
-                          <a:rPr lang="en-US" i="1" dirty="0"/>
+                          <a:rPr lang="en-US" i="1" dirty="0">
+                            <a:latin typeface="Cambria Math" panose="02040503050406030204" pitchFamily="18" charset="0"/>
+                          </a:rPr>
                           <m:t>=25</m:t>
                         </m:r>
                         <m:r>
@@ -6236,24 +6251,32 @@
                         <m:sSub>
                           <m:sSubPr>
                             <m:ctrlPr>
-                              <a:rPr lang="en-US" i="1" dirty="0"/>
+                              <a:rPr lang="en-US" i="1" dirty="0">
+                                <a:latin typeface="Cambria Math" panose="02040503050406030204" pitchFamily="18" charset="0"/>
+                              </a:rPr>
                             </m:ctrlPr>
                           </m:sSubPr>
                           <m:e>
                             <m:r>
-                              <a:rPr lang="en-US" i="1" dirty="0"/>
+                              <a:rPr lang="en-US" i="1" dirty="0">
+                                <a:latin typeface="Cambria Math" panose="02040503050406030204" pitchFamily="18" charset="0"/>
+                              </a:rPr>
                               <m:t>𝑅</m:t>
                             </m:r>
                           </m:e>
                           <m:sub>
                             <m:r>
-                              <a:rPr lang="en-US" i="1" dirty="0"/>
+                              <a:rPr lang="en-US" i="1" dirty="0">
+                                <a:latin typeface="Cambria Math" panose="02040503050406030204" pitchFamily="18" charset="0"/>
+                              </a:rPr>
                               <m:t>𝑘</m:t>
                             </m:r>
                           </m:sub>
                         </m:sSub>
                         <m:r>
-                          <a:rPr lang="en-US" i="1" dirty="0"/>
+                          <a:rPr lang="en-US" i="1" dirty="0">
+                            <a:latin typeface="Cambria Math" panose="02040503050406030204" pitchFamily="18" charset="0"/>
+                          </a:rPr>
                           <m:t>=1</m:t>
                         </m:r>
                         <m:r>
@@ -6285,7 +6308,7 @@
               </p:txBody>
             </p:sp>
           </mc:Choice>
-          <mc:Fallback>
+          <mc:Fallback xmlns="">
             <p:sp>
               <p:nvSpPr>
                 <p:cNvPr id="58" name="TextBox 57"/>
@@ -6693,8 +6716,8 @@
             </a:p>
           </p:txBody>
         </p:sp>
-        <mc:AlternateContent xmlns:mc="http://schemas.openxmlformats.org/markup-compatibility/2006">
-          <mc:Choice xmlns:a14="http://schemas.microsoft.com/office/drawing/2010/main" Requires="a14">
+        <mc:AlternateContent xmlns:mc="http://schemas.openxmlformats.org/markup-compatibility/2006" xmlns:a14="http://schemas.microsoft.com/office/drawing/2010/main">
+          <mc:Choice Requires="a14">
             <p:sp>
               <p:nvSpPr>
                 <p:cNvPr id="66" name="Rectangle 65"/>
@@ -6716,6 +6739,7 @@
                 </a:bodyPr>
                 <a:lstStyle/>
                 <a:p>
+                  <a:pPr/>
                   <a14:m>
                     <m:oMathPara xmlns:m="http://schemas.openxmlformats.org/officeDocument/2006/math">
                       <m:oMathParaPr>
@@ -6830,7 +6854,7 @@
               </p:txBody>
             </p:sp>
           </mc:Choice>
-          <mc:Fallback>
+          <mc:Fallback xmlns="">
             <p:sp>
               <p:nvSpPr>
                 <p:cNvPr id="66" name="Rectangle 65"/>
@@ -7189,8 +7213,8 @@
           </a:p>
         </p:txBody>
       </p:sp>
-      <mc:AlternateContent xmlns:mc="http://schemas.openxmlformats.org/markup-compatibility/2006">
-        <mc:Choice xmlns:a14="http://schemas.microsoft.com/office/drawing/2010/main" Requires="a14">
+      <mc:AlternateContent xmlns:mc="http://schemas.openxmlformats.org/markup-compatibility/2006" xmlns:a14="http://schemas.microsoft.com/office/drawing/2010/main">
+        <mc:Choice Requires="a14">
           <p:sp>
             <p:nvSpPr>
               <p:cNvPr id="15" name="TextBox 14"/>
@@ -7280,7 +7304,7 @@
             </p:txBody>
           </p:sp>
         </mc:Choice>
-        <mc:Fallback>
+        <mc:Fallback xmlns="">
           <p:sp>
             <p:nvSpPr>
               <p:cNvPr id="15" name="TextBox 14"/>
@@ -7546,8 +7570,8 @@
           </a:p>
         </p:txBody>
       </p:sp>
-      <mc:AlternateContent xmlns:mc="http://schemas.openxmlformats.org/markup-compatibility/2006">
-        <mc:Choice xmlns:a14="http://schemas.microsoft.com/office/drawing/2010/main" Requires="a14">
+      <mc:AlternateContent xmlns:mc="http://schemas.openxmlformats.org/markup-compatibility/2006" xmlns:a14="http://schemas.microsoft.com/office/drawing/2010/main">
+        <mc:Choice Requires="a14">
           <p:sp>
             <p:nvSpPr>
               <p:cNvPr id="21" name="TextBox 20"/>
@@ -7570,6 +7594,7 @@
               </a:bodyPr>
               <a:lstStyle/>
               <a:p>
+                <a:pPr/>
                 <a14:m>
                   <m:oMathPara xmlns:m="http://schemas.openxmlformats.org/officeDocument/2006/math">
                     <m:oMathParaPr>
@@ -7629,7 +7654,7 @@
             </p:txBody>
           </p:sp>
         </mc:Choice>
-        <mc:Fallback>
+        <mc:Fallback xmlns="">
           <p:sp>
             <p:nvSpPr>
               <p:cNvPr id="21" name="TextBox 20"/>
@@ -7668,8 +7693,8 @@
           </p:sp>
         </mc:Fallback>
       </mc:AlternateContent>
-      <mc:AlternateContent xmlns:mc="http://schemas.openxmlformats.org/markup-compatibility/2006">
-        <mc:Choice xmlns:a14="http://schemas.microsoft.com/office/drawing/2010/main" Requires="a14">
+      <mc:AlternateContent xmlns:mc="http://schemas.openxmlformats.org/markup-compatibility/2006" xmlns:a14="http://schemas.microsoft.com/office/drawing/2010/main">
+        <mc:Choice Requires="a14">
           <p:sp>
             <p:nvSpPr>
               <p:cNvPr id="22" name="TextBox 21"/>
@@ -7692,6 +7717,7 @@
               </a:bodyPr>
               <a:lstStyle/>
               <a:p>
+                <a:pPr/>
                 <a14:m>
                   <m:oMathPara xmlns:m="http://schemas.openxmlformats.org/officeDocument/2006/math">
                     <m:oMathParaPr>
@@ -7751,7 +7777,7 @@
             </p:txBody>
           </p:sp>
         </mc:Choice>
-        <mc:Fallback>
+        <mc:Fallback xmlns="">
           <p:sp>
             <p:nvSpPr>
               <p:cNvPr id="22" name="TextBox 21"/>
@@ -7857,8 +7883,8 @@
           </a:p>
         </p:txBody>
       </p:sp>
-      <mc:AlternateContent xmlns:mc="http://schemas.openxmlformats.org/markup-compatibility/2006">
-        <mc:Choice xmlns:a14="http://schemas.microsoft.com/office/drawing/2010/main" Requires="a14">
+      <mc:AlternateContent xmlns:mc="http://schemas.openxmlformats.org/markup-compatibility/2006" xmlns:a14="http://schemas.microsoft.com/office/drawing/2010/main">
+        <mc:Choice Requires="a14">
           <p:sp>
             <p:nvSpPr>
               <p:cNvPr id="13" name="Rectangle 12"/>
@@ -7880,6 +7906,7 @@
               </a:bodyPr>
               <a:lstStyle/>
               <a:p>
+                <a:pPr/>
                 <a14:m>
                   <m:oMathPara xmlns:m="http://schemas.openxmlformats.org/officeDocument/2006/math">
                     <m:oMathParaPr>
@@ -8212,7 +8239,7 @@
             </p:txBody>
           </p:sp>
         </mc:Choice>
-        <mc:Fallback>
+        <mc:Fallback xmlns="">
           <p:sp>
             <p:nvSpPr>
               <p:cNvPr id="13" name="Rectangle 12"/>
@@ -8854,8 +8881,8 @@
             </a:p>
           </p:txBody>
         </p:sp>
-        <mc:AlternateContent xmlns:mc="http://schemas.openxmlformats.org/markup-compatibility/2006">
-          <mc:Choice xmlns:a14="http://schemas.microsoft.com/office/drawing/2010/main" Requires="a14">
+        <mc:AlternateContent xmlns:mc="http://schemas.openxmlformats.org/markup-compatibility/2006" xmlns:a14="http://schemas.microsoft.com/office/drawing/2010/main">
+          <mc:Choice Requires="a14">
             <p:sp>
               <p:nvSpPr>
                 <p:cNvPr id="43" name="TextBox 42"/>
@@ -8888,24 +8915,32 @@
                         <m:sSub>
                           <m:sSubPr>
                             <m:ctrlPr>
-                              <a:rPr lang="en-US" i="1" dirty="0" smtClean="0"/>
+                              <a:rPr lang="en-US" i="1" dirty="0" smtClean="0">
+                                <a:latin typeface="Cambria Math" panose="02040503050406030204" pitchFamily="18" charset="0"/>
+                              </a:rPr>
                             </m:ctrlPr>
                           </m:sSubPr>
                           <m:e>
                             <m:r>
-                              <a:rPr lang="en-US" i="1" dirty="0"/>
+                              <a:rPr lang="en-US" i="1" dirty="0">
+                                <a:latin typeface="Cambria Math" panose="02040503050406030204" pitchFamily="18" charset="0"/>
+                              </a:rPr>
                               <m:t>𝐻</m:t>
                             </m:r>
                           </m:e>
                           <m:sub>
                             <m:r>
-                              <a:rPr lang="en-US" i="1" dirty="0"/>
+                              <a:rPr lang="en-US" i="1" dirty="0">
+                                <a:latin typeface="Cambria Math" panose="02040503050406030204" pitchFamily="18" charset="0"/>
+                              </a:rPr>
                               <m:t>𝑘</m:t>
                             </m:r>
                           </m:sub>
                         </m:sSub>
                         <m:r>
-                          <a:rPr lang="en-US" i="1" dirty="0"/>
+                          <a:rPr lang="en-US" i="1" dirty="0">
+                            <a:latin typeface="Cambria Math" panose="02040503050406030204" pitchFamily="18" charset="0"/>
+                          </a:rPr>
                           <m:t>=1</m:t>
                         </m:r>
                       </m:oMath>
@@ -8924,24 +8959,32 @@
                         <m:sSub>
                           <m:sSubPr>
                             <m:ctrlPr>
-                              <a:rPr lang="en-US" i="1" dirty="0"/>
+                              <a:rPr lang="en-US" i="1" dirty="0">
+                                <a:latin typeface="Cambria Math" panose="02040503050406030204" pitchFamily="18" charset="0"/>
+                              </a:rPr>
                             </m:ctrlPr>
                           </m:sSubPr>
                           <m:e>
                             <m:r>
-                              <a:rPr lang="en-US" i="1" dirty="0"/>
+                              <a:rPr lang="en-US" i="1" dirty="0">
+                                <a:latin typeface="Cambria Math" panose="02040503050406030204" pitchFamily="18" charset="0"/>
+                              </a:rPr>
                               <m:t>𝑇</m:t>
                             </m:r>
                           </m:e>
                           <m:sub>
                             <m:r>
-                              <a:rPr lang="en-US" i="1" dirty="0"/>
+                              <a:rPr lang="en-US" i="1" dirty="0">
+                                <a:latin typeface="Cambria Math" panose="02040503050406030204" pitchFamily="18" charset="0"/>
+                              </a:rPr>
                               <m:t>𝑘</m:t>
                             </m:r>
                           </m:sub>
                         </m:sSub>
                         <m:r>
-                          <a:rPr lang="en-US" i="1" dirty="0"/>
+                          <a:rPr lang="en-US" i="1" dirty="0">
+                            <a:latin typeface="Cambria Math" panose="02040503050406030204" pitchFamily="18" charset="0"/>
+                          </a:rPr>
                           <m:t>=25</m:t>
                         </m:r>
                         <m:r>
@@ -8974,24 +9017,32 @@
                         <m:sSub>
                           <m:sSubPr>
                             <m:ctrlPr>
-                              <a:rPr lang="en-US" i="1" dirty="0"/>
+                              <a:rPr lang="en-US" i="1" dirty="0">
+                                <a:latin typeface="Cambria Math" panose="02040503050406030204" pitchFamily="18" charset="0"/>
+                              </a:rPr>
                             </m:ctrlPr>
                           </m:sSubPr>
                           <m:e>
                             <m:r>
-                              <a:rPr lang="en-US" i="1" dirty="0"/>
+                              <a:rPr lang="en-US" i="1" dirty="0">
+                                <a:latin typeface="Cambria Math" panose="02040503050406030204" pitchFamily="18" charset="0"/>
+                              </a:rPr>
                               <m:t>𝑅</m:t>
                             </m:r>
                           </m:e>
                           <m:sub>
                             <m:r>
-                              <a:rPr lang="en-US" i="1" dirty="0"/>
+                              <a:rPr lang="en-US" i="1" dirty="0">
+                                <a:latin typeface="Cambria Math" panose="02040503050406030204" pitchFamily="18" charset="0"/>
+                              </a:rPr>
                               <m:t>𝑘</m:t>
                             </m:r>
                           </m:sub>
                         </m:sSub>
                         <m:r>
-                          <a:rPr lang="en-US" i="1" dirty="0"/>
+                          <a:rPr lang="en-US" i="1" dirty="0">
+                            <a:latin typeface="Cambria Math" panose="02040503050406030204" pitchFamily="18" charset="0"/>
+                          </a:rPr>
                           <m:t>=1</m:t>
                         </m:r>
                         <m:r>
@@ -9023,7 +9074,7 @@
               </p:txBody>
             </p:sp>
           </mc:Choice>
-          <mc:Fallback>
+          <mc:Fallback xmlns="">
             <p:sp>
               <p:nvSpPr>
                 <p:cNvPr id="43" name="TextBox 42"/>
@@ -9201,8 +9252,8 @@
             </a:p>
           </p:txBody>
         </p:sp>
-        <mc:AlternateContent xmlns:mc="http://schemas.openxmlformats.org/markup-compatibility/2006">
-          <mc:Choice xmlns:a14="http://schemas.microsoft.com/office/drawing/2010/main" Requires="a14">
+        <mc:AlternateContent xmlns:mc="http://schemas.openxmlformats.org/markup-compatibility/2006" xmlns:a14="http://schemas.microsoft.com/office/drawing/2010/main">
+          <mc:Choice Requires="a14">
             <p:sp>
               <p:nvSpPr>
                 <p:cNvPr id="52" name="Rectangle 51"/>
@@ -9224,6 +9275,7 @@
                 </a:bodyPr>
                 <a:lstStyle/>
                 <a:p>
+                  <a:pPr/>
                   <a14:m>
                     <m:oMathPara xmlns:m="http://schemas.openxmlformats.org/officeDocument/2006/math">
                       <m:oMathParaPr>
@@ -9556,7 +9608,7 @@
               </p:txBody>
             </p:sp>
           </mc:Choice>
-          <mc:Fallback>
+          <mc:Fallback xmlns="">
             <p:sp>
               <p:nvSpPr>
                 <p:cNvPr id="52" name="Rectangle 51"/>
@@ -9802,8 +9854,8 @@
             </a:p>
           </p:txBody>
         </p:sp>
-        <mc:AlternateContent xmlns:mc="http://schemas.openxmlformats.org/markup-compatibility/2006">
-          <mc:Choice xmlns:a14="http://schemas.microsoft.com/office/drawing/2010/main" Requires="a14">
+        <mc:AlternateContent xmlns:mc="http://schemas.openxmlformats.org/markup-compatibility/2006" xmlns:a14="http://schemas.microsoft.com/office/drawing/2010/main">
+          <mc:Choice Requires="a14">
             <p:sp>
               <p:nvSpPr>
                 <p:cNvPr id="73" name="Rectangle 72"/>
@@ -9825,6 +9877,7 @@
                 </a:bodyPr>
                 <a:lstStyle/>
                 <a:p>
+                  <a:pPr/>
                   <a14:m>
                     <m:oMathPara xmlns:m="http://schemas.openxmlformats.org/officeDocument/2006/math">
                       <m:oMathParaPr>
@@ -9933,7 +9986,7 @@
               </p:txBody>
             </p:sp>
           </mc:Choice>
-          <mc:Fallback>
+          <mc:Fallback xmlns="">
             <p:sp>
               <p:nvSpPr>
                 <p:cNvPr id="73" name="Rectangle 72"/>
@@ -10157,11 +10210,7 @@
             </a:r>
             <a:r>
               <a:rPr lang="en-US" dirty="0" smtClean="0"/>
-              <a:t> </a:t>
-            </a:r>
-            <a:r>
-              <a:rPr lang="en-US" dirty="0" smtClean="0"/>
-              <a:t>Filter Results</a:t>
+              <a:t> Filter Results</a:t>
             </a:r>
             <a:endParaRPr lang="en-US" dirty="0"/>
           </a:p>
@@ -10453,8 +10502,8 @@
           </a:fontRef>
         </p:style>
       </p:cxnSp>
-      <mc:AlternateContent xmlns:mc="http://schemas.openxmlformats.org/markup-compatibility/2006">
-        <mc:Choice xmlns:a14="http://schemas.microsoft.com/office/drawing/2010/main" Requires="a14">
+      <mc:AlternateContent xmlns:mc="http://schemas.openxmlformats.org/markup-compatibility/2006" xmlns:a14="http://schemas.microsoft.com/office/drawing/2010/main">
+        <mc:Choice Requires="a14">
           <p:sp>
             <p:nvSpPr>
               <p:cNvPr id="36" name="TextBox 35"/>
@@ -10544,7 +10593,7 @@
             </p:txBody>
           </p:sp>
         </mc:Choice>
-        <mc:Fallback>
+        <mc:Fallback xmlns="">
           <p:sp>
             <p:nvSpPr>
               <p:cNvPr id="36" name="TextBox 35"/>
@@ -10810,8 +10859,8 @@
           </a:p>
         </p:txBody>
       </p:sp>
-      <mc:AlternateContent xmlns:mc="http://schemas.openxmlformats.org/markup-compatibility/2006">
-        <mc:Choice xmlns:a14="http://schemas.microsoft.com/office/drawing/2010/main" Requires="a14">
+      <mc:AlternateContent xmlns:mc="http://schemas.openxmlformats.org/markup-compatibility/2006" xmlns:a14="http://schemas.microsoft.com/office/drawing/2010/main">
+        <mc:Choice Requires="a14">
           <p:sp>
             <p:nvSpPr>
               <p:cNvPr id="35" name="TextBox 34"/>
@@ -10834,6 +10883,7 @@
               </a:bodyPr>
               <a:lstStyle/>
               <a:p>
+                <a:pPr/>
                 <a14:m>
                   <m:oMathPara xmlns:m="http://schemas.openxmlformats.org/officeDocument/2006/math">
                     <m:oMathParaPr>
@@ -10893,7 +10943,7 @@
             </p:txBody>
           </p:sp>
         </mc:Choice>
-        <mc:Fallback>
+        <mc:Fallback xmlns="">
           <p:sp>
             <p:nvSpPr>
               <p:cNvPr id="35" name="TextBox 34"/>
@@ -10932,8 +10982,8 @@
           </p:sp>
         </mc:Fallback>
       </mc:AlternateContent>
-      <mc:AlternateContent xmlns:mc="http://schemas.openxmlformats.org/markup-compatibility/2006">
-        <mc:Choice xmlns:a14="http://schemas.microsoft.com/office/drawing/2010/main" Requires="a14">
+      <mc:AlternateContent xmlns:mc="http://schemas.openxmlformats.org/markup-compatibility/2006" xmlns:a14="http://schemas.microsoft.com/office/drawing/2010/main">
+        <mc:Choice Requires="a14">
           <p:sp>
             <p:nvSpPr>
               <p:cNvPr id="44" name="TextBox 43"/>
@@ -10956,6 +11006,7 @@
               </a:bodyPr>
               <a:lstStyle/>
               <a:p>
+                <a:pPr/>
                 <a14:m>
                   <m:oMathPara xmlns:m="http://schemas.openxmlformats.org/officeDocument/2006/math">
                     <m:oMathParaPr>
@@ -11015,7 +11066,7 @@
             </p:txBody>
           </p:sp>
         </mc:Choice>
-        <mc:Fallback>
+        <mc:Fallback xmlns="">
           <p:sp>
             <p:nvSpPr>
               <p:cNvPr id="44" name="TextBox 43"/>
@@ -11054,8 +11105,8 @@
           </p:sp>
         </mc:Fallback>
       </mc:AlternateContent>
-      <mc:AlternateContent xmlns:mc="http://schemas.openxmlformats.org/markup-compatibility/2006">
-        <mc:Choice xmlns:a14="http://schemas.microsoft.com/office/drawing/2010/main" Requires="a14">
+      <mc:AlternateContent xmlns:mc="http://schemas.openxmlformats.org/markup-compatibility/2006" xmlns:a14="http://schemas.microsoft.com/office/drawing/2010/main">
+        <mc:Choice Requires="a14">
           <p:sp>
             <p:nvSpPr>
               <p:cNvPr id="48" name="TextBox 47"/>
@@ -11078,6 +11129,7 @@
               </a:bodyPr>
               <a:lstStyle/>
               <a:p>
+                <a:pPr/>
                 <a14:m>
                   <m:oMathPara xmlns:m="http://schemas.openxmlformats.org/officeDocument/2006/math">
                     <m:oMathParaPr>
@@ -11123,7 +11175,7 @@
             </p:txBody>
           </p:sp>
         </mc:Choice>
-        <mc:Fallback>
+        <mc:Fallback xmlns="">
           <p:sp>
             <p:nvSpPr>
               <p:cNvPr id="48" name="TextBox 47"/>
@@ -11214,8 +11266,8 @@
             </a:p>
           </p:txBody>
         </p:sp>
-        <mc:AlternateContent xmlns:mc="http://schemas.openxmlformats.org/markup-compatibility/2006">
-          <mc:Choice xmlns:a14="http://schemas.microsoft.com/office/drawing/2010/main" Requires="a14">
+        <mc:AlternateContent xmlns:mc="http://schemas.openxmlformats.org/markup-compatibility/2006" xmlns:a14="http://schemas.microsoft.com/office/drawing/2010/main">
+          <mc:Choice Requires="a14">
             <p:sp>
               <p:nvSpPr>
                 <p:cNvPr id="58" name="TextBox 57"/>
@@ -11248,24 +11300,32 @@
                         <m:sSub>
                           <m:sSubPr>
                             <m:ctrlPr>
-                              <a:rPr lang="en-US" i="1" dirty="0" smtClean="0"/>
+                              <a:rPr lang="en-US" i="1" dirty="0" smtClean="0">
+                                <a:latin typeface="Cambria Math" panose="02040503050406030204" pitchFamily="18" charset="0"/>
+                              </a:rPr>
                             </m:ctrlPr>
                           </m:sSubPr>
                           <m:e>
                             <m:r>
-                              <a:rPr lang="en-US" i="1" dirty="0"/>
+                              <a:rPr lang="en-US" i="1" dirty="0">
+                                <a:latin typeface="Cambria Math" panose="02040503050406030204" pitchFamily="18" charset="0"/>
+                              </a:rPr>
                               <m:t>𝐻</m:t>
                             </m:r>
                           </m:e>
                           <m:sub>
                             <m:r>
-                              <a:rPr lang="en-US" i="1" dirty="0"/>
+                              <a:rPr lang="en-US" i="1" dirty="0">
+                                <a:latin typeface="Cambria Math" panose="02040503050406030204" pitchFamily="18" charset="0"/>
+                              </a:rPr>
                               <m:t>𝑘</m:t>
                             </m:r>
                           </m:sub>
                         </m:sSub>
                         <m:r>
-                          <a:rPr lang="en-US" i="1" dirty="0"/>
+                          <a:rPr lang="en-US" i="1" dirty="0">
+                            <a:latin typeface="Cambria Math" panose="02040503050406030204" pitchFamily="18" charset="0"/>
+                          </a:rPr>
                           <m:t>=1</m:t>
                         </m:r>
                       </m:oMath>
@@ -11284,24 +11344,32 @@
                         <m:sSub>
                           <m:sSubPr>
                             <m:ctrlPr>
-                              <a:rPr lang="en-US" i="1" dirty="0"/>
+                              <a:rPr lang="en-US" i="1" dirty="0">
+                                <a:latin typeface="Cambria Math" panose="02040503050406030204" pitchFamily="18" charset="0"/>
+                              </a:rPr>
                             </m:ctrlPr>
                           </m:sSubPr>
                           <m:e>
                             <m:r>
-                              <a:rPr lang="en-US" i="1" dirty="0"/>
+                              <a:rPr lang="en-US" i="1" dirty="0">
+                                <a:latin typeface="Cambria Math" panose="02040503050406030204" pitchFamily="18" charset="0"/>
+                              </a:rPr>
                               <m:t>𝑇</m:t>
                             </m:r>
                           </m:e>
                           <m:sub>
                             <m:r>
-                              <a:rPr lang="en-US" i="1" dirty="0"/>
+                              <a:rPr lang="en-US" i="1" dirty="0">
+                                <a:latin typeface="Cambria Math" panose="02040503050406030204" pitchFamily="18" charset="0"/>
+                              </a:rPr>
                               <m:t>𝑘</m:t>
                             </m:r>
                           </m:sub>
                         </m:sSub>
                         <m:r>
-                          <a:rPr lang="en-US" i="1" dirty="0"/>
+                          <a:rPr lang="en-US" i="1" dirty="0">
+                            <a:latin typeface="Cambria Math" panose="02040503050406030204" pitchFamily="18" charset="0"/>
+                          </a:rPr>
                           <m:t>=25</m:t>
                         </m:r>
                         <m:r>
@@ -11334,24 +11402,32 @@
                         <m:sSub>
                           <m:sSubPr>
                             <m:ctrlPr>
-                              <a:rPr lang="en-US" i="1" dirty="0"/>
+                              <a:rPr lang="en-US" i="1" dirty="0">
+                                <a:latin typeface="Cambria Math" panose="02040503050406030204" pitchFamily="18" charset="0"/>
+                              </a:rPr>
                             </m:ctrlPr>
                           </m:sSubPr>
                           <m:e>
                             <m:r>
-                              <a:rPr lang="en-US" i="1" dirty="0"/>
+                              <a:rPr lang="en-US" i="1" dirty="0">
+                                <a:latin typeface="Cambria Math" panose="02040503050406030204" pitchFamily="18" charset="0"/>
+                              </a:rPr>
                               <m:t>𝑅</m:t>
                             </m:r>
                           </m:e>
                           <m:sub>
                             <m:r>
-                              <a:rPr lang="en-US" i="1" dirty="0"/>
+                              <a:rPr lang="en-US" i="1" dirty="0">
+                                <a:latin typeface="Cambria Math" panose="02040503050406030204" pitchFamily="18" charset="0"/>
+                              </a:rPr>
                               <m:t>𝑘</m:t>
                             </m:r>
                           </m:sub>
                         </m:sSub>
                         <m:r>
-                          <a:rPr lang="en-US" i="1" dirty="0"/>
+                          <a:rPr lang="en-US" i="1" dirty="0">
+                            <a:latin typeface="Cambria Math" panose="02040503050406030204" pitchFamily="18" charset="0"/>
+                          </a:rPr>
                           <m:t>=1</m:t>
                         </m:r>
                         <m:r>
@@ -11383,7 +11459,7 @@
               </p:txBody>
             </p:sp>
           </mc:Choice>
-          <mc:Fallback>
+          <mc:Fallback xmlns="">
             <p:sp>
               <p:nvSpPr>
                 <p:cNvPr id="58" name="TextBox 57"/>
@@ -11512,8 +11588,8 @@
             </a:p>
           </p:txBody>
         </p:sp>
-        <mc:AlternateContent xmlns:mc="http://schemas.openxmlformats.org/markup-compatibility/2006">
-          <mc:Choice xmlns:a14="http://schemas.microsoft.com/office/drawing/2010/main" Requires="a14">
+        <mc:AlternateContent xmlns:mc="http://schemas.openxmlformats.org/markup-compatibility/2006" xmlns:a14="http://schemas.microsoft.com/office/drawing/2010/main">
+          <mc:Choice Requires="a14">
             <p:sp>
               <p:nvSpPr>
                 <p:cNvPr id="66" name="Rectangle 65"/>
@@ -11535,6 +11611,7 @@
                 </a:bodyPr>
                 <a:lstStyle/>
                 <a:p>
+                  <a:pPr/>
                   <a14:m>
                     <m:oMathPara xmlns:m="http://schemas.openxmlformats.org/officeDocument/2006/math">
                       <m:oMathParaPr>
@@ -11649,7 +11726,7 @@
               </p:txBody>
             </p:sp>
           </mc:Choice>
-          <mc:Fallback>
+          <mc:Fallback xmlns="">
             <p:sp>
               <p:nvSpPr>
                 <p:cNvPr id="66" name="Rectangle 65"/>
@@ -11768,8 +11845,8 @@
           </a:fontRef>
         </p:style>
       </p:cxnSp>
-      <mc:AlternateContent xmlns:mc="http://schemas.openxmlformats.org/markup-compatibility/2006">
-        <mc:Choice xmlns:a14="http://schemas.microsoft.com/office/drawing/2010/main" Requires="a14">
+      <mc:AlternateContent xmlns:mc="http://schemas.openxmlformats.org/markup-compatibility/2006" xmlns:a14="http://schemas.microsoft.com/office/drawing/2010/main">
+        <mc:Choice Requires="a14">
           <p:sp>
             <p:nvSpPr>
               <p:cNvPr id="42" name="Flowchart: Document 41"/>
@@ -11836,7 +11913,7 @@
             </p:txBody>
           </p:sp>
         </mc:Choice>
-        <mc:Fallback>
+        <mc:Fallback xmlns="">
           <p:sp>
             <p:nvSpPr>
               <p:cNvPr id="42" name="Flowchart: Document 41"/>
@@ -12512,7 +12589,6 @@
               <a:rPr lang="en-US" dirty="0"/>
               <a:t>Monitoring</a:t>
             </a:r>
-            <a:endParaRPr lang="en-US" dirty="0"/>
           </a:p>
         </p:txBody>
       </p:sp>
@@ -13107,8 +13183,8 @@
           </a:fontRef>
         </p:style>
       </p:cxnSp>
-      <mc:AlternateContent xmlns:mc="http://schemas.openxmlformats.org/markup-compatibility/2006">
-        <mc:Choice xmlns:a14="http://schemas.microsoft.com/office/drawing/2010/main" Requires="a14">
+      <mc:AlternateContent xmlns:mc="http://schemas.openxmlformats.org/markup-compatibility/2006" xmlns:a14="http://schemas.microsoft.com/office/drawing/2010/main">
+        <mc:Choice Requires="a14">
           <p:sp>
             <p:nvSpPr>
               <p:cNvPr id="42" name="Flowchart: Document 41"/>
@@ -13175,7 +13251,7 @@
             </p:txBody>
           </p:sp>
         </mc:Choice>
-        <mc:Fallback>
+        <mc:Fallback xmlns="">
           <p:sp>
             <p:nvSpPr>
               <p:cNvPr id="42" name="Flowchart: Document 41"/>
@@ -14923,8 +14999,8 @@
           </a:fontRef>
         </p:style>
       </p:cxnSp>
-      <mc:AlternateContent xmlns:mc="http://schemas.openxmlformats.org/markup-compatibility/2006">
-        <mc:Choice xmlns:a14="http://schemas.microsoft.com/office/drawing/2010/main" Requires="a14">
+      <mc:AlternateContent xmlns:mc="http://schemas.openxmlformats.org/markup-compatibility/2006" xmlns:a14="http://schemas.microsoft.com/office/drawing/2010/main">
+        <mc:Choice Requires="a14">
           <p:sp>
             <p:nvSpPr>
               <p:cNvPr id="19" name="Flowchart: Document 18"/>
@@ -14991,7 +15067,7 @@
             </p:txBody>
           </p:sp>
         </mc:Choice>
-        <mc:Fallback>
+        <mc:Fallback xmlns="">
           <p:sp>
             <p:nvSpPr>
               <p:cNvPr id="19" name="Flowchart: Document 18"/>
@@ -15704,7 +15780,7 @@
         </p:blipFill>
         <p:spPr>
           <a:xfrm>
-            <a:off x="1193616" y="1209425"/>
+            <a:off x="1193616" y="1334553"/>
             <a:ext cx="8973388" cy="4954522"/>
           </a:xfrm>
           <a:prstGeom prst="rect">
@@ -15919,6 +15995,99 @@
           </a:p>
         </p:txBody>
       </p:sp>
+      <p:pic>
+        <p:nvPicPr>
+          <p:cNvPr id="12" name="Picture 11"/>
+          <p:cNvPicPr>
+            <a:picLocks noChangeAspect="1"/>
+          </p:cNvPicPr>
+          <p:nvPr/>
+        </p:nvPicPr>
+        <p:blipFill>
+          <a:blip r:embed="rId3"/>
+          <a:stretch>
+            <a:fillRect/>
+          </a:stretch>
+        </p:blipFill>
+        <p:spPr>
+          <a:xfrm>
+            <a:off x="8443902" y="1643837"/>
+            <a:ext cx="3260784" cy="2576758"/>
+          </a:xfrm>
+          <a:prstGeom prst="rect">
+            <a:avLst/>
+          </a:prstGeom>
+        </p:spPr>
+      </p:pic>
+      <p:sp>
+        <p:nvSpPr>
+          <p:cNvPr id="13" name="Rounded Rectangle 12"/>
+          <p:cNvSpPr/>
+          <p:nvPr/>
+        </p:nvSpPr>
+        <p:spPr>
+          <a:xfrm>
+            <a:off x="10922511" y="3336563"/>
+            <a:ext cx="659411" cy="316834"/>
+          </a:xfrm>
+          <a:prstGeom prst="roundRect">
+            <a:avLst/>
+          </a:prstGeom>
+          <a:solidFill>
+            <a:schemeClr val="accent4">
+              <a:alpha val="50000"/>
+            </a:schemeClr>
+          </a:solidFill>
+          <a:ln>
+            <a:noFill/>
+          </a:ln>
+        </p:spPr>
+        <p:style>
+          <a:lnRef idx="0">
+            <a:scrgbClr r="0" g="0" b="0"/>
+          </a:lnRef>
+          <a:fillRef idx="0">
+            <a:scrgbClr r="0" g="0" b="0"/>
+          </a:fillRef>
+          <a:effectRef idx="0">
+            <a:scrgbClr r="0" g="0" b="0"/>
+          </a:effectRef>
+          <a:fontRef idx="minor">
+            <a:schemeClr val="lt1"/>
+          </a:fontRef>
+        </p:style>
+        <p:txBody>
+          <a:bodyPr rtlCol="0" anchor="ctr"/>
+          <a:lstStyle/>
+          <a:p>
+            <a:pPr algn="ctr"/>
+            <a:endParaRPr lang="en-US"/>
+          </a:p>
+        </p:txBody>
+      </p:sp>
+      <p:pic>
+        <p:nvPicPr>
+          <p:cNvPr id="14" name="Picture 13"/>
+          <p:cNvPicPr>
+            <a:picLocks noChangeAspect="1"/>
+          </p:cNvPicPr>
+          <p:nvPr/>
+        </p:nvPicPr>
+        <p:blipFill rotWithShape="1">
+          <a:blip r:embed="rId2"/>
+          <a:srcRect l="83254" t="5151" r="2480" b="74451"/>
+          <a:stretch/>
+        </p:blipFill>
+        <p:spPr>
+          <a:xfrm>
+            <a:off x="8786971" y="732975"/>
+            <a:ext cx="1280161" cy="1010652"/>
+          </a:xfrm>
+          <a:prstGeom prst="rect">
+            <a:avLst/>
+          </a:prstGeom>
+        </p:spPr>
+      </p:pic>
     </p:spTree>
     <p:extLst>
       <p:ext uri="{BB962C8B-B14F-4D97-AF65-F5344CB8AC3E}">
@@ -17470,8 +17639,8 @@
           </a:fontRef>
         </p:style>
       </p:cxnSp>
-      <mc:AlternateContent xmlns:mc="http://schemas.openxmlformats.org/markup-compatibility/2006">
-        <mc:Choice xmlns:a14="http://schemas.microsoft.com/office/drawing/2010/main" Requires="a14">
+      <mc:AlternateContent xmlns:mc="http://schemas.openxmlformats.org/markup-compatibility/2006" xmlns:a14="http://schemas.microsoft.com/office/drawing/2010/main">
+        <mc:Choice Requires="a14">
           <p:sp>
             <p:nvSpPr>
               <p:cNvPr id="64" name="Flowchart: Document 63"/>
@@ -17538,7 +17707,7 @@
             </p:txBody>
           </p:sp>
         </mc:Choice>
-        <mc:Fallback>
+        <mc:Fallback xmlns="">
           <p:sp>
             <p:nvSpPr>
               <p:cNvPr id="64" name="Flowchart: Document 63"/>
@@ -19273,7 +19442,6 @@
               <a:rPr lang="en-US" dirty="0"/>
               <a:t>Data Recorder</a:t>
             </a:r>
-            <a:endParaRPr lang="en-US" dirty="0"/>
           </a:p>
         </p:txBody>
       </p:sp>
@@ -19321,7 +19489,6 @@
               <a:rPr lang="en-US" dirty="0"/>
               <a:t> Filter</a:t>
             </a:r>
-            <a:endParaRPr lang="en-US" dirty="0"/>
           </a:p>
         </p:txBody>
       </p:sp>
@@ -19365,7 +19532,6 @@
               <a:rPr lang="en-US" dirty="0"/>
               <a:t>LSE Solver</a:t>
             </a:r>
-            <a:endParaRPr lang="en-US" dirty="0"/>
           </a:p>
         </p:txBody>
       </p:sp>
@@ -19409,7 +19575,6 @@
               <a:rPr lang="en-US" dirty="0"/>
               <a:t>Anomaly Detector</a:t>
             </a:r>
-            <a:endParaRPr lang="en-US" dirty="0"/>
           </a:p>
         </p:txBody>
       </p:sp>
@@ -22559,19 +22724,7 @@
             </a:pPr>
             <a:r>
               <a:rPr lang="en-US" dirty="0" smtClean="0"/>
-              <a:t>Challenge: develop </a:t>
-            </a:r>
-            <a:r>
-              <a:rPr lang="en-US" dirty="0" smtClean="0"/>
-              <a:t>useful ways to display data about </a:t>
-            </a:r>
-            <a:r>
-              <a:rPr lang="en-US" dirty="0" smtClean="0"/>
-              <a:t>the Physical </a:t>
-            </a:r>
-            <a:r>
-              <a:rPr lang="en-US" dirty="0" smtClean="0"/>
-              <a:t>Twin</a:t>
+              <a:t>Challenge: develop useful ways to display data about the Physical Twin</a:t>
             </a:r>
           </a:p>
           <a:p>
@@ -22582,27 +22735,7 @@
             </a:pPr>
             <a:r>
               <a:rPr lang="en-US" dirty="0" smtClean="0"/>
-              <a:t>3D </a:t>
-            </a:r>
-            <a:r>
-              <a:rPr lang="en-US" dirty="0" smtClean="0"/>
-              <a:t>visualizations </a:t>
-            </a:r>
-            <a:r>
-              <a:rPr lang="en-US" dirty="0" smtClean="0"/>
-              <a:t>are featured in 5/7 DT </a:t>
-            </a:r>
-            <a:r>
-              <a:rPr lang="en-US" dirty="0" smtClean="0"/>
-              <a:t>papers </a:t>
-            </a:r>
-            <a:r>
-              <a:rPr lang="en-US" dirty="0" smtClean="0"/>
-              <a:t>read </a:t>
-            </a:r>
-            <a:r>
-              <a:rPr lang="en-US" dirty="0" smtClean="0"/>
-              <a:t>by </a:t>
+              <a:t>3D visualizations are featured in 5/7 DT papers read by </a:t>
             </a:r>
             <a:r>
               <a:rPr lang="en-US" dirty="0"/>
@@ -22631,7 +22764,6 @@
               <a:rPr lang="en-US" dirty="0" smtClean="0"/>
               <a:t>Out of our scope due to very specific to application.</a:t>
             </a:r>
-            <a:endParaRPr lang="en-US" dirty="0" smtClean="0"/>
           </a:p>
         </p:txBody>
       </p:sp>
@@ -22810,7 +22942,6 @@
               <a:rPr lang="en-US" dirty="0"/>
               <a:t>Visualization</a:t>
             </a:r>
-            <a:endParaRPr lang="en-US" dirty="0"/>
           </a:p>
         </p:txBody>
       </p:sp>

--- a/notes/presentations/DigitLunch_17_December.pptx
+++ b/notes/presentations/DigitLunch_17_December.pptx
@@ -16027,7 +16027,7 @@
         </p:nvSpPr>
         <p:spPr>
           <a:xfrm>
-            <a:off x="10922511" y="3336563"/>
+            <a:off x="10911015" y="3336563"/>
             <a:ext cx="659411" cy="316834"/>
           </a:xfrm>
           <a:prstGeom prst="roundRect">
@@ -18690,7 +18690,11 @@
             </a:r>
             <a:r>
               <a:rPr lang="en-US" dirty="0" smtClean="0"/>
-              <a:t> Filter</a:t>
+              <a:t> </a:t>
+            </a:r>
+            <a:r>
+              <a:rPr lang="en-US" dirty="0" smtClean="0"/>
+              <a:t>Filter and Anomaly Detector</a:t>
             </a:r>
             <a:endParaRPr lang="en-US" dirty="0"/>
           </a:p>

--- a/notes/presentations/DigitLunch_17_December.pptx
+++ b/notes/presentations/DigitLunch_17_December.pptx
@@ -5,7 +5,7 @@
     <p:sldMasterId id="2147483648" r:id="rId1"/>
   </p:sldMasterIdLst>
   <p:notesMasterIdLst>
-    <p:notesMasterId r:id="rId25"/>
+    <p:notesMasterId r:id="rId26"/>
   </p:notesMasterIdLst>
   <p:sldIdLst>
     <p:sldId id="256" r:id="rId2"/>
@@ -31,6 +31,7 @@
     <p:sldId id="280" r:id="rId22"/>
     <p:sldId id="261" r:id="rId23"/>
     <p:sldId id="289" r:id="rId24"/>
+    <p:sldId id="290" r:id="rId25"/>
   </p:sldIdLst>
   <p:sldSz cx="12192000" cy="6858000"/>
   <p:notesSz cx="6858000" cy="9144000"/>
@@ -15359,118 +15360,6 @@
           </p:txBody>
         </p:sp>
       </p:grpSp>
-      <p:pic>
-        <p:nvPicPr>
-          <p:cNvPr id="24" name="Picture 2" descr="ISO 7000 - 0637A, Interior heating; heater"/>
-          <p:cNvPicPr>
-            <a:picLocks noChangeAspect="1" noChangeArrowheads="1"/>
-          </p:cNvPicPr>
-          <p:nvPr/>
-        </p:nvPicPr>
-        <p:blipFill rotWithShape="1">
-          <a:blip r:embed="rId4" cstate="print">
-            <a:clrChange>
-              <a:clrFrom>
-                <a:srgbClr val="FFFFFF"/>
-              </a:clrFrom>
-              <a:clrTo>
-                <a:srgbClr val="FFFFFF">
-                  <a:alpha val="0"/>
-                </a:srgbClr>
-              </a:clrTo>
-            </a:clrChange>
-            <a:duotone>
-              <a:schemeClr val="accent2">
-                <a:shade val="45000"/>
-                <a:satMod val="135000"/>
-              </a:schemeClr>
-              <a:prstClr val="white"/>
-            </a:duotone>
-            <a:extLst>
-              <a:ext uri="{28A0092B-C50C-407E-A947-70E740481C1C}">
-                <a14:useLocalDpi xmlns:a14="http://schemas.microsoft.com/office/drawing/2010/main" val="0"/>
-              </a:ext>
-            </a:extLst>
-          </a:blip>
-          <a:srcRect l="20882" t="11913" r="15617" b="7587"/>
-          <a:stretch/>
-        </p:blipFill>
-        <p:spPr bwMode="auto">
-          <a:xfrm>
-            <a:off x="2430832" y="2417968"/>
-            <a:ext cx="376586" cy="477405"/>
-          </a:xfrm>
-          <a:prstGeom prst="rect">
-            <a:avLst/>
-          </a:prstGeom>
-          <a:noFill/>
-          <a:extLst>
-            <a:ext uri="{909E8E84-426E-40DD-AFC4-6F175D3DCCD1}">
-              <a14:hiddenFill xmlns:a14="http://schemas.microsoft.com/office/drawing/2010/main">
-                <a:solidFill>
-                  <a:srgbClr val="FFFFFF"/>
-                </a:solidFill>
-              </a14:hiddenFill>
-            </a:ext>
-          </a:extLst>
-        </p:spPr>
-      </p:pic>
-      <p:pic>
-        <p:nvPicPr>
-          <p:cNvPr id="25" name="Picture 2" descr="ISO 7000 - 0637A, Interior heating; heater"/>
-          <p:cNvPicPr>
-            <a:picLocks noChangeAspect="1" noChangeArrowheads="1"/>
-          </p:cNvPicPr>
-          <p:nvPr/>
-        </p:nvPicPr>
-        <p:blipFill rotWithShape="1">
-          <a:blip r:embed="rId4" cstate="print">
-            <a:clrChange>
-              <a:clrFrom>
-                <a:srgbClr val="FFFFFF"/>
-              </a:clrFrom>
-              <a:clrTo>
-                <a:srgbClr val="FFFFFF">
-                  <a:alpha val="0"/>
-                </a:srgbClr>
-              </a:clrTo>
-            </a:clrChange>
-            <a:duotone>
-              <a:schemeClr val="accent2">
-                <a:shade val="45000"/>
-                <a:satMod val="135000"/>
-              </a:schemeClr>
-              <a:prstClr val="white"/>
-            </a:duotone>
-            <a:extLst>
-              <a:ext uri="{28A0092B-C50C-407E-A947-70E740481C1C}">
-                <a14:useLocalDpi xmlns:a14="http://schemas.microsoft.com/office/drawing/2010/main" val="0"/>
-              </a:ext>
-            </a:extLst>
-          </a:blip>
-          <a:srcRect l="20882" t="11913" r="15617" b="7587"/>
-          <a:stretch/>
-        </p:blipFill>
-        <p:spPr bwMode="auto">
-          <a:xfrm>
-            <a:off x="2780308" y="2417448"/>
-            <a:ext cx="376586" cy="477405"/>
-          </a:xfrm>
-          <a:prstGeom prst="rect">
-            <a:avLst/>
-          </a:prstGeom>
-          <a:noFill/>
-          <a:extLst>
-            <a:ext uri="{909E8E84-426E-40DD-AFC4-6F175D3DCCD1}">
-              <a14:hiddenFill xmlns:a14="http://schemas.microsoft.com/office/drawing/2010/main">
-                <a:solidFill>
-                  <a:srgbClr val="FFFFFF"/>
-                </a:solidFill>
-              </a14:hiddenFill>
-            </a:ext>
-          </a:extLst>
-        </p:spPr>
-      </p:pic>
       <p:cxnSp>
         <p:nvCxnSpPr>
           <p:cNvPr id="26" name="Straight Arrow Connector 25"/>
@@ -16892,7 +16781,7 @@
         </p:nvSpPr>
         <p:spPr>
           <a:xfrm>
-            <a:off x="6957969" y="6142623"/>
+            <a:off x="6957969" y="4498809"/>
             <a:ext cx="4521666" cy="338554"/>
           </a:xfrm>
           <a:prstGeom prst="rect">
@@ -17377,8 +17266,8 @@
         </p:nvCxnSpPr>
         <p:spPr>
           <a:xfrm flipH="1">
-            <a:off x="3899313" y="5244573"/>
-            <a:ext cx="2471583" cy="0"/>
+            <a:off x="3899314" y="5244573"/>
+            <a:ext cx="2625362" cy="0"/>
           </a:xfrm>
           <a:prstGeom prst="straightConnector1">
             <a:avLst/>
@@ -18690,11 +18579,7 @@
             </a:r>
             <a:r>
               <a:rPr lang="en-US" dirty="0" smtClean="0"/>
-              <a:t> </a:t>
-            </a:r>
-            <a:r>
-              <a:rPr lang="en-US" dirty="0" smtClean="0"/>
-              <a:t>Filter and Anomaly Detector</a:t>
+              <a:t> Filter and Anomaly Detector</a:t>
             </a:r>
             <a:endParaRPr lang="en-US" dirty="0"/>
           </a:p>
@@ -19828,8 +19713,20 @@
             <a:pPr lvl="1"/>
             <a:r>
               <a:rPr lang="en-US" dirty="0" smtClean="0"/>
-              <a:t>Developed with Emil Madsen and Carlos Hansen</a:t>
-            </a:r>
+              <a:t>Developed with Emil Madsen and Carlos </a:t>
+            </a:r>
+            <a:r>
+              <a:rPr lang="en-US" dirty="0" smtClean="0"/>
+              <a:t>Hansen</a:t>
+            </a:r>
+          </a:p>
+          <a:p>
+            <a:pPr lvl="1"/>
+            <a:r>
+              <a:rPr lang="en-US" dirty="0" smtClean="0"/>
+              <a:t>TODO</a:t>
+            </a:r>
+            <a:endParaRPr lang="en-US" dirty="0" smtClean="0"/>
           </a:p>
           <a:p>
             <a:r>
@@ -19846,8 +19743,23 @@
             <a:pPr lvl="1"/>
             <a:r>
               <a:rPr lang="en-US" dirty="0" smtClean="0"/>
-              <a:t>Developed with Casper et. al.</a:t>
-            </a:r>
+              <a:t>Mirgita is doing safety monitoring using Gazebo and co-simulation (acting as DT)</a:t>
+            </a:r>
+          </a:p>
+          <a:p>
+            <a:pPr lvl="1"/>
+            <a:r>
+              <a:rPr lang="en-US" dirty="0" smtClean="0"/>
+              <a:t>Mathias working on indoor position tracking with cameras on the robot.</a:t>
+            </a:r>
+          </a:p>
+          <a:p>
+            <a:pPr lvl="1"/>
+            <a:r>
+              <a:rPr lang="en-US" dirty="0" smtClean="0"/>
+              <a:t>Bachelor students built a more detailed calibrated model.</a:t>
+            </a:r>
+            <a:endParaRPr lang="en-US" dirty="0" smtClean="0"/>
           </a:p>
           <a:p>
             <a:endParaRPr lang="en-US" dirty="0"/>
@@ -19856,47 +19768,54 @@
       </p:sp>
       <p:sp>
         <p:nvSpPr>
-          <p:cNvPr id="14" name="Rounded Rectangle 13"/>
-          <p:cNvSpPr/>
+          <p:cNvPr id="6" name="TextBox 5"/>
+          <p:cNvSpPr txBox="1"/>
           <p:nvPr/>
         </p:nvSpPr>
         <p:spPr>
           <a:xfrm>
-            <a:off x="4489450" y="3144407"/>
-            <a:ext cx="802448" cy="421387"/>
-          </a:xfrm>
-          <a:prstGeom prst="roundRect">
+            <a:off x="1504361" y="5978079"/>
+            <a:ext cx="3514477" cy="369332"/>
+          </a:xfrm>
+          <a:prstGeom prst="rect">
             <a:avLst/>
           </a:prstGeom>
-          <a:solidFill>
-            <a:schemeClr val="accent4">
-              <a:alpha val="50000"/>
+        </p:spPr>
+        <p:style>
+          <a:lnRef idx="2">
+            <a:schemeClr val="accent2">
+              <a:shade val="50000"/>
             </a:schemeClr>
-          </a:solidFill>
-          <a:ln>
-            <a:noFill/>
-          </a:ln>
-        </p:spPr>
-        <p:style>
-          <a:lnRef idx="0">
-            <a:scrgbClr r="0" g="0" b="0"/>
           </a:lnRef>
-          <a:fillRef idx="0">
-            <a:scrgbClr r="0" g="0" b="0"/>
+          <a:fillRef idx="1">
+            <a:schemeClr val="accent2"/>
           </a:fillRef>
           <a:effectRef idx="0">
-            <a:scrgbClr r="0" g="0" b="0"/>
+            <a:schemeClr val="accent2"/>
           </a:effectRef>
           <a:fontRef idx="minor">
             <a:schemeClr val="lt1"/>
           </a:fontRef>
         </p:style>
         <p:txBody>
-          <a:bodyPr rtlCol="0" anchor="ctr"/>
+          <a:bodyPr wrap="square" rtlCol="0">
+            <a:spAutoFit/>
+          </a:bodyPr>
           <a:lstStyle/>
           <a:p>
-            <a:pPr algn="ctr"/>
-            <a:endParaRPr lang="en-US"/>
+            <a:r>
+              <a:rPr lang="en-US" dirty="0" smtClean="0"/>
+              <a:t>Get pictures of 3d </a:t>
+            </a:r>
+            <a:r>
+              <a:rPr lang="en-US" dirty="0" err="1" smtClean="0"/>
+              <a:t>robotti</a:t>
+            </a:r>
+            <a:r>
+              <a:rPr lang="en-US" dirty="0" smtClean="0"/>
+              <a:t>, </a:t>
+            </a:r>
+            <a:endParaRPr lang="en-US" dirty="0"/>
           </a:p>
         </p:txBody>
       </p:sp>
@@ -19904,6 +19823,151 @@
     <p:extLst>
       <p:ext uri="{BB962C8B-B14F-4D97-AF65-F5344CB8AC3E}">
         <p14:creationId xmlns:p14="http://schemas.microsoft.com/office/powerpoint/2010/main" val="4141805085"/>
+      </p:ext>
+    </p:extLst>
+  </p:cSld>
+  <p:clrMapOvr>
+    <a:masterClrMapping/>
+  </p:clrMapOvr>
+  <p:timing>
+    <p:tnLst>
+      <p:par>
+        <p:cTn id="1" dur="indefinite" restart="never" nodeType="tmRoot"/>
+      </p:par>
+    </p:tnLst>
+  </p:timing>
+</p:sld>
+</file>
+
+<file path=ppt/slides/slide24.xml><?xml version="1.0" encoding="utf-8"?>
+<p:sld xmlns:a="http://schemas.openxmlformats.org/drawingml/2006/main" xmlns:r="http://schemas.openxmlformats.org/officeDocument/2006/relationships" xmlns:p="http://schemas.openxmlformats.org/presentationml/2006/main">
+  <p:cSld>
+    <p:spTree>
+      <p:nvGrpSpPr>
+        <p:cNvPr id="1" name=""/>
+        <p:cNvGrpSpPr/>
+        <p:nvPr/>
+      </p:nvGrpSpPr>
+      <p:grpSpPr>
+        <a:xfrm>
+          <a:off x="0" y="0"/>
+          <a:ext cx="0" cy="0"/>
+          <a:chOff x="0" y="0"/>
+          <a:chExt cx="0" cy="0"/>
+        </a:xfrm>
+      </p:grpSpPr>
+      <p:sp>
+        <p:nvSpPr>
+          <p:cNvPr id="2" name="Title 1"/>
+          <p:cNvSpPr>
+            <a:spLocks noGrp="1"/>
+          </p:cNvSpPr>
+          <p:nvPr>
+            <p:ph type="title"/>
+          </p:nvPr>
+        </p:nvSpPr>
+        <p:spPr/>
+        <p:txBody>
+          <a:bodyPr/>
+          <a:lstStyle/>
+          <a:p>
+            <a:r>
+              <a:rPr lang="en-US" dirty="0" smtClean="0"/>
+              <a:t>Related Ongoing Work</a:t>
+            </a:r>
+            <a:endParaRPr lang="en-US" dirty="0"/>
+          </a:p>
+        </p:txBody>
+      </p:sp>
+      <p:sp>
+        <p:nvSpPr>
+          <p:cNvPr id="4" name="Content Placeholder 3"/>
+          <p:cNvSpPr>
+            <a:spLocks noGrp="1"/>
+          </p:cNvSpPr>
+          <p:nvPr>
+            <p:ph idx="1"/>
+          </p:nvPr>
+        </p:nvSpPr>
+        <p:spPr>
+          <a:xfrm>
+            <a:off x="838200" y="1825625"/>
+            <a:ext cx="10515600" cy="4351338"/>
+          </a:xfrm>
+        </p:spPr>
+        <p:txBody>
+          <a:bodyPr/>
+          <a:lstStyle/>
+          <a:p>
+            <a:r>
+              <a:rPr lang="en-US" dirty="0" smtClean="0"/>
+              <a:t>TODO: Add citations to papers</a:t>
+            </a:r>
+          </a:p>
+          <a:p>
+            <a:r>
+              <a:rPr lang="en-US" dirty="0" err="1" smtClean="0"/>
+              <a:t>RabbitMQ</a:t>
+            </a:r>
+            <a:r>
+              <a:rPr lang="en-US" dirty="0" smtClean="0"/>
+              <a:t> FMU</a:t>
+            </a:r>
+          </a:p>
+          <a:p>
+            <a:pPr lvl="1"/>
+            <a:r>
+              <a:rPr lang="en-US" dirty="0" smtClean="0"/>
+              <a:t>Add descriptions</a:t>
+            </a:r>
+            <a:endParaRPr lang="en-US" dirty="0" smtClean="0"/>
+          </a:p>
+          <a:p>
+            <a:r>
+              <a:rPr lang="en-US" dirty="0" smtClean="0"/>
+              <a:t>Tracking Simulator</a:t>
+            </a:r>
+            <a:endParaRPr lang="en-US" dirty="0"/>
+          </a:p>
+          <a:p>
+            <a:r>
+              <a:rPr lang="en-US" dirty="0" smtClean="0"/>
+              <a:t>Python Interface to COE (to run What-if Co-simulations)</a:t>
+            </a:r>
+          </a:p>
+          <a:p>
+            <a:r>
+              <a:rPr lang="en-US" dirty="0" smtClean="0"/>
+              <a:t>Fault injection in Co-simulations</a:t>
+            </a:r>
+          </a:p>
+          <a:p>
+            <a:r>
+              <a:rPr lang="en-US" dirty="0" smtClean="0"/>
+              <a:t>High-performance Co-simulations</a:t>
+            </a:r>
+          </a:p>
+          <a:p>
+            <a:r>
+              <a:rPr lang="en-US" dirty="0" smtClean="0"/>
+              <a:t>Parallel co-simulations in DSE</a:t>
+            </a:r>
+            <a:r>
+              <a:rPr lang="en-US" dirty="0"/>
+              <a:t> </a:t>
+            </a:r>
+            <a:r>
+              <a:rPr lang="en-US" smtClean="0"/>
+              <a:t>in cluster</a:t>
+            </a:r>
+            <a:endParaRPr lang="en-US" dirty="0" smtClean="0"/>
+          </a:p>
+        </p:txBody>
+      </p:sp>
+    </p:spTree>
+    <p:extLst>
+      <p:ext uri="{BB962C8B-B14F-4D97-AF65-F5344CB8AC3E}">
+        <p14:creationId xmlns:p14="http://schemas.microsoft.com/office/powerpoint/2010/main" val="3292441095"/>
       </p:ext>
     </p:extLst>
   </p:cSld>
@@ -22641,6 +22705,82 @@
           </p:style>
         </p:cxnSp>
       </p:grpSp>
+      <p:sp>
+        <p:nvSpPr>
+          <p:cNvPr id="3" name="TextBox 2"/>
+          <p:cNvSpPr txBox="1"/>
+          <p:nvPr/>
+        </p:nvSpPr>
+        <p:spPr>
+          <a:xfrm>
+            <a:off x="6972919" y="5894432"/>
+            <a:ext cx="2945293" cy="369332"/>
+          </a:xfrm>
+          <a:prstGeom prst="rect">
+            <a:avLst/>
+          </a:prstGeom>
+          <a:noFill/>
+        </p:spPr>
+        <p:txBody>
+          <a:bodyPr wrap="none" rtlCol="0">
+            <a:spAutoFit/>
+          </a:bodyPr>
+          <a:lstStyle/>
+          <a:p>
+            <a:r>
+              <a:rPr lang="en-US" dirty="0" smtClean="0"/>
+              <a:t>Setup by Casper and Kenneth</a:t>
+            </a:r>
+            <a:endParaRPr lang="en-US" dirty="0"/>
+          </a:p>
+        </p:txBody>
+      </p:sp>
+      <p:sp>
+        <p:nvSpPr>
+          <p:cNvPr id="24" name="TextBox 23"/>
+          <p:cNvSpPr txBox="1"/>
+          <p:nvPr/>
+        </p:nvSpPr>
+        <p:spPr>
+          <a:xfrm>
+            <a:off x="2105494" y="4976069"/>
+            <a:ext cx="4596229" cy="923330"/>
+          </a:xfrm>
+          <a:prstGeom prst="rect">
+            <a:avLst/>
+          </a:prstGeom>
+          <a:noFill/>
+        </p:spPr>
+        <p:txBody>
+          <a:bodyPr wrap="square" rtlCol="0">
+            <a:spAutoFit/>
+          </a:bodyPr>
+          <a:lstStyle/>
+          <a:p>
+            <a:r>
+              <a:rPr lang="en-US" dirty="0" smtClean="0"/>
+              <a:t>AMQP is the protocol.</a:t>
+            </a:r>
+          </a:p>
+          <a:p>
+            <a:r>
+              <a:rPr lang="en-US" dirty="0" err="1" smtClean="0"/>
+              <a:t>RabbitMQ</a:t>
+            </a:r>
+            <a:r>
+              <a:rPr lang="en-US" dirty="0" smtClean="0"/>
+              <a:t> is the implementation of it.</a:t>
+            </a:r>
+          </a:p>
+          <a:p>
+            <a:r>
+              <a:rPr lang="en-US" dirty="0" smtClean="0"/>
+              <a:t>It is tested in industry for years.</a:t>
+            </a:r>
+            <a:endParaRPr lang="en-US" dirty="0"/>
+          </a:p>
+        </p:txBody>
+      </p:sp>
     </p:spTree>
     <p:extLst>
       <p:ext uri="{BB962C8B-B14F-4D97-AF65-F5344CB8AC3E}">
@@ -23282,6 +23422,51 @@
           </p:txBody>
         </p:sp>
       </p:grpSp>
+      <p:sp>
+        <p:nvSpPr>
+          <p:cNvPr id="14" name="TextBox 13"/>
+          <p:cNvSpPr txBox="1"/>
+          <p:nvPr/>
+        </p:nvSpPr>
+        <p:spPr>
+          <a:xfrm>
+            <a:off x="7001906" y="5253163"/>
+            <a:ext cx="3514477" cy="646331"/>
+          </a:xfrm>
+          <a:prstGeom prst="rect">
+            <a:avLst/>
+          </a:prstGeom>
+        </p:spPr>
+        <p:style>
+          <a:lnRef idx="2">
+            <a:schemeClr val="accent2">
+              <a:shade val="50000"/>
+            </a:schemeClr>
+          </a:lnRef>
+          <a:fillRef idx="1">
+            <a:schemeClr val="accent2"/>
+          </a:fillRef>
+          <a:effectRef idx="0">
+            <a:schemeClr val="accent2"/>
+          </a:effectRef>
+          <a:fontRef idx="minor">
+            <a:schemeClr val="lt1"/>
+          </a:fontRef>
+        </p:style>
+        <p:txBody>
+          <a:bodyPr wrap="square" rtlCol="0">
+            <a:spAutoFit/>
+          </a:bodyPr>
+          <a:lstStyle/>
+          <a:p>
+            <a:r>
+              <a:rPr lang="en-US" dirty="0" smtClean="0"/>
+              <a:t>Same framework we use in the into-cps application.</a:t>
+            </a:r>
+            <a:endParaRPr lang="en-US" dirty="0"/>
+          </a:p>
+        </p:txBody>
+      </p:sp>
     </p:spTree>
     <p:extLst>
       <p:ext uri="{BB962C8B-B14F-4D97-AF65-F5344CB8AC3E}">

--- a/notes/presentations/DigitLunch_17_December.pptx
+++ b/notes/presentations/DigitLunch_17_December.pptx
@@ -220,7 +220,7 @@
           <a:p>
             <a:fld id="{C365DF0B-9596-4DDF-974F-18DBB21698F7}" type="datetimeFigureOut">
               <a:rPr lang="en-US" smtClean="0"/>
-              <a:t>12/14/2020</a:t>
+              <a:t>12/15/2020</a:t>
             </a:fld>
             <a:endParaRPr lang="en-US"/>
           </a:p>
@@ -2005,7 +2005,7 @@
           <a:p>
             <a:fld id="{D90E9D96-8572-4ED5-AF13-C59B59FCC641}" type="datetimeFigureOut">
               <a:rPr lang="en-US" smtClean="0"/>
-              <a:t>12/14/2020</a:t>
+              <a:t>12/15/2020</a:t>
             </a:fld>
             <a:endParaRPr lang="en-US"/>
           </a:p>
@@ -2175,7 +2175,7 @@
           <a:p>
             <a:fld id="{D90E9D96-8572-4ED5-AF13-C59B59FCC641}" type="datetimeFigureOut">
               <a:rPr lang="en-US" smtClean="0"/>
-              <a:t>12/14/2020</a:t>
+              <a:t>12/15/2020</a:t>
             </a:fld>
             <a:endParaRPr lang="en-US"/>
           </a:p>
@@ -2355,7 +2355,7 @@
           <a:p>
             <a:fld id="{D90E9D96-8572-4ED5-AF13-C59B59FCC641}" type="datetimeFigureOut">
               <a:rPr lang="en-US" smtClean="0"/>
-              <a:t>12/14/2020</a:t>
+              <a:t>12/15/2020</a:t>
             </a:fld>
             <a:endParaRPr lang="en-US"/>
           </a:p>
@@ -2525,7 +2525,7 @@
           <a:p>
             <a:fld id="{D90E9D96-8572-4ED5-AF13-C59B59FCC641}" type="datetimeFigureOut">
               <a:rPr lang="en-US" smtClean="0"/>
-              <a:t>12/14/2020</a:t>
+              <a:t>12/15/2020</a:t>
             </a:fld>
             <a:endParaRPr lang="en-US"/>
           </a:p>
@@ -2771,7 +2771,7 @@
           <a:p>
             <a:fld id="{D90E9D96-8572-4ED5-AF13-C59B59FCC641}" type="datetimeFigureOut">
               <a:rPr lang="en-US" smtClean="0"/>
-              <a:t>12/14/2020</a:t>
+              <a:t>12/15/2020</a:t>
             </a:fld>
             <a:endParaRPr lang="en-US"/>
           </a:p>
@@ -3003,7 +3003,7 @@
           <a:p>
             <a:fld id="{D90E9D96-8572-4ED5-AF13-C59B59FCC641}" type="datetimeFigureOut">
               <a:rPr lang="en-US" smtClean="0"/>
-              <a:t>12/14/2020</a:t>
+              <a:t>12/15/2020</a:t>
             </a:fld>
             <a:endParaRPr lang="en-US"/>
           </a:p>
@@ -3370,7 +3370,7 @@
           <a:p>
             <a:fld id="{D90E9D96-8572-4ED5-AF13-C59B59FCC641}" type="datetimeFigureOut">
               <a:rPr lang="en-US" smtClean="0"/>
-              <a:t>12/14/2020</a:t>
+              <a:t>12/15/2020</a:t>
             </a:fld>
             <a:endParaRPr lang="en-US"/>
           </a:p>
@@ -3488,7 +3488,7 @@
           <a:p>
             <a:fld id="{D90E9D96-8572-4ED5-AF13-C59B59FCC641}" type="datetimeFigureOut">
               <a:rPr lang="en-US" smtClean="0"/>
-              <a:t>12/14/2020</a:t>
+              <a:t>12/15/2020</a:t>
             </a:fld>
             <a:endParaRPr lang="en-US"/>
           </a:p>
@@ -3583,7 +3583,7 @@
           <a:p>
             <a:fld id="{D90E9D96-8572-4ED5-AF13-C59B59FCC641}" type="datetimeFigureOut">
               <a:rPr lang="en-US" smtClean="0"/>
-              <a:t>12/14/2020</a:t>
+              <a:t>12/15/2020</a:t>
             </a:fld>
             <a:endParaRPr lang="en-US"/>
           </a:p>
@@ -3860,7 +3860,7 @@
           <a:p>
             <a:fld id="{D90E9D96-8572-4ED5-AF13-C59B59FCC641}" type="datetimeFigureOut">
               <a:rPr lang="en-US" smtClean="0"/>
-              <a:t>12/14/2020</a:t>
+              <a:t>12/15/2020</a:t>
             </a:fld>
             <a:endParaRPr lang="en-US"/>
           </a:p>
@@ -4113,7 +4113,7 @@
           <a:p>
             <a:fld id="{D90E9D96-8572-4ED5-AF13-C59B59FCC641}" type="datetimeFigureOut">
               <a:rPr lang="en-US" smtClean="0"/>
-              <a:t>12/14/2020</a:t>
+              <a:t>12/15/2020</a:t>
             </a:fld>
             <a:endParaRPr lang="en-US"/>
           </a:p>
@@ -4326,7 +4326,7 @@
           <a:p>
             <a:fld id="{D90E9D96-8572-4ED5-AF13-C59B59FCC641}" type="datetimeFigureOut">
               <a:rPr lang="en-US" smtClean="0"/>
-              <a:t>12/14/2020</a:t>
+              <a:t>12/15/2020</a:t>
             </a:fld>
             <a:endParaRPr lang="en-US"/>
           </a:p>
@@ -6903,7 +6903,7 @@
         </p:nvSpPr>
         <p:spPr>
           <a:xfrm>
-            <a:off x="1928212" y="3019342"/>
+            <a:off x="3202487" y="3402234"/>
             <a:ext cx="1116657" cy="470717"/>
           </a:xfrm>
           <a:prstGeom prst="roundRect">
@@ -6949,7 +6949,7 @@
         </p:nvSpPr>
         <p:spPr>
           <a:xfrm>
-            <a:off x="8486484" y="3817613"/>
+            <a:off x="8486484" y="4093219"/>
             <a:ext cx="750145" cy="351285"/>
           </a:xfrm>
           <a:prstGeom prst="roundRect">
@@ -6995,7 +6995,7 @@
         </p:nvSpPr>
         <p:spPr>
           <a:xfrm>
-            <a:off x="5560075" y="4844824"/>
+            <a:off x="5560075" y="5188242"/>
             <a:ext cx="1116657" cy="421387"/>
           </a:xfrm>
           <a:prstGeom prst="roundRect">
@@ -7112,6 +7112,98 @@
           </a:fontRef>
         </p:style>
       </p:cxnSp>
+      <p:sp>
+        <p:nvSpPr>
+          <p:cNvPr id="47" name="Rounded Rectangle 46"/>
+          <p:cNvSpPr/>
+          <p:nvPr/>
+        </p:nvSpPr>
+        <p:spPr>
+          <a:xfrm>
+            <a:off x="1928157" y="3023392"/>
+            <a:ext cx="1116657" cy="470717"/>
+          </a:xfrm>
+          <a:prstGeom prst="roundRect">
+            <a:avLst/>
+          </a:prstGeom>
+          <a:solidFill>
+            <a:schemeClr val="accent6">
+              <a:alpha val="50000"/>
+            </a:schemeClr>
+          </a:solidFill>
+          <a:ln>
+            <a:noFill/>
+          </a:ln>
+        </p:spPr>
+        <p:style>
+          <a:lnRef idx="0">
+            <a:scrgbClr r="0" g="0" b="0"/>
+          </a:lnRef>
+          <a:fillRef idx="0">
+            <a:scrgbClr r="0" g="0" b="0"/>
+          </a:fillRef>
+          <a:effectRef idx="0">
+            <a:scrgbClr r="0" g="0" b="0"/>
+          </a:effectRef>
+          <a:fontRef idx="minor">
+            <a:schemeClr val="lt1"/>
+          </a:fontRef>
+        </p:style>
+        <p:txBody>
+          <a:bodyPr rtlCol="0" anchor="ctr"/>
+          <a:lstStyle/>
+          <a:p>
+            <a:pPr algn="ctr"/>
+            <a:endParaRPr lang="en-US"/>
+          </a:p>
+        </p:txBody>
+      </p:sp>
+      <p:sp>
+        <p:nvSpPr>
+          <p:cNvPr id="49" name="Rounded Rectangle 48"/>
+          <p:cNvSpPr/>
+          <p:nvPr/>
+        </p:nvSpPr>
+        <p:spPr>
+          <a:xfrm>
+            <a:off x="8464479" y="3828382"/>
+            <a:ext cx="772150" cy="342112"/>
+          </a:xfrm>
+          <a:prstGeom prst="roundRect">
+            <a:avLst/>
+          </a:prstGeom>
+          <a:solidFill>
+            <a:schemeClr val="accent6">
+              <a:alpha val="50000"/>
+            </a:schemeClr>
+          </a:solidFill>
+          <a:ln>
+            <a:noFill/>
+          </a:ln>
+        </p:spPr>
+        <p:style>
+          <a:lnRef idx="0">
+            <a:scrgbClr r="0" g="0" b="0"/>
+          </a:lnRef>
+          <a:fillRef idx="0">
+            <a:scrgbClr r="0" g="0" b="0"/>
+          </a:fillRef>
+          <a:effectRef idx="0">
+            <a:scrgbClr r="0" g="0" b="0"/>
+          </a:effectRef>
+          <a:fontRef idx="minor">
+            <a:schemeClr val="lt1"/>
+          </a:fontRef>
+        </p:style>
+        <p:txBody>
+          <a:bodyPr rtlCol="0" anchor="ctr"/>
+          <a:lstStyle/>
+          <a:p>
+            <a:pPr algn="ctr"/>
+            <a:endParaRPr lang="en-US"/>
+          </a:p>
+        </p:txBody>
+      </p:sp>
     </p:spTree>
     <p:extLst>
       <p:ext uri="{BB962C8B-B14F-4D97-AF65-F5344CB8AC3E}">
@@ -7855,31 +7947,6 @@
               <a:rPr lang="en-US" dirty="0" smtClean="0"/>
               <a:t>Model</a:t>
             </a:r>
-            <a:endParaRPr lang="en-US" dirty="0"/>
-          </a:p>
-        </p:txBody>
-      </p:sp>
-      <p:sp>
-        <p:nvSpPr>
-          <p:cNvPr id="26" name="Rectangle 25"/>
-          <p:cNvSpPr/>
-          <p:nvPr/>
-        </p:nvSpPr>
-        <p:spPr>
-          <a:xfrm>
-            <a:off x="6920464" y="3573628"/>
-            <a:ext cx="184733" cy="369332"/>
-          </a:xfrm>
-          <a:prstGeom prst="rect">
-            <a:avLst/>
-          </a:prstGeom>
-        </p:spPr>
-        <p:txBody>
-          <a:bodyPr wrap="none">
-            <a:spAutoFit/>
-          </a:bodyPr>
-          <a:lstStyle/>
-          <a:p>
             <a:endParaRPr lang="en-US" dirty="0"/>
           </a:p>
         </p:txBody>
@@ -9164,15 +9231,15 @@
         <p:nvCxnSpPr>
           <p:cNvPr id="45" name="Straight Arrow Connector 44"/>
           <p:cNvCxnSpPr>
-            <a:stCxn id="35" idx="2"/>
+            <a:stCxn id="36" idx="2"/>
             <a:endCxn id="44" idx="0"/>
           </p:cNvCxnSpPr>
           <p:nvPr/>
         </p:nvCxnSpPr>
         <p:spPr>
           <a:xfrm>
-            <a:off x="10216445" y="2464076"/>
-            <a:ext cx="25844" cy="1486686"/>
+            <a:off x="10233762" y="3328110"/>
+            <a:ext cx="8527" cy="622652"/>
           </a:xfrm>
           <a:prstGeom prst="straightConnector1">
             <a:avLst/>
@@ -10149,6 +10216,88 @@
           </p:txBody>
         </p:sp>
       </p:grpSp>
+      <p:sp>
+        <p:nvSpPr>
+          <p:cNvPr id="36" name="Rectangle 35"/>
+          <p:cNvSpPr/>
+          <p:nvPr/>
+        </p:nvSpPr>
+        <p:spPr>
+          <a:xfrm>
+            <a:off x="9289821" y="2907142"/>
+            <a:ext cx="1887881" cy="420968"/>
+          </a:xfrm>
+          <a:prstGeom prst="rect">
+            <a:avLst/>
+          </a:prstGeom>
+          <a:ln/>
+        </p:spPr>
+        <p:style>
+          <a:lnRef idx="2">
+            <a:schemeClr val="accent1">
+              <a:shade val="50000"/>
+            </a:schemeClr>
+          </a:lnRef>
+          <a:fillRef idx="1">
+            <a:schemeClr val="accent1"/>
+          </a:fillRef>
+          <a:effectRef idx="0">
+            <a:schemeClr val="accent1"/>
+          </a:effectRef>
+          <a:fontRef idx="minor">
+            <a:schemeClr val="lt1"/>
+          </a:fontRef>
+        </p:style>
+        <p:txBody>
+          <a:bodyPr rtlCol="0" anchor="ctr"/>
+          <a:lstStyle/>
+          <a:p>
+            <a:pPr algn="ctr"/>
+            <a:r>
+              <a:rPr lang="en-US" dirty="0" smtClean="0"/>
+              <a:t>Moving Average</a:t>
+            </a:r>
+            <a:endParaRPr lang="en-US" dirty="0"/>
+          </a:p>
+        </p:txBody>
+      </p:sp>
+      <p:cxnSp>
+        <p:nvCxnSpPr>
+          <p:cNvPr id="37" name="Straight Arrow Connector 36"/>
+          <p:cNvCxnSpPr>
+            <a:stCxn id="35" idx="2"/>
+            <a:endCxn id="36" idx="0"/>
+          </p:cNvCxnSpPr>
+          <p:nvPr/>
+        </p:nvCxnSpPr>
+        <p:spPr>
+          <a:xfrm>
+            <a:off x="10216445" y="2464076"/>
+            <a:ext cx="17317" cy="443066"/>
+          </a:xfrm>
+          <a:prstGeom prst="straightConnector1">
+            <a:avLst/>
+          </a:prstGeom>
+          <a:ln w="38100">
+            <a:prstDash val="sysDot"/>
+            <a:tailEnd type="triangle"/>
+          </a:ln>
+        </p:spPr>
+        <p:style>
+          <a:lnRef idx="1">
+            <a:schemeClr val="dk1"/>
+          </a:lnRef>
+          <a:fillRef idx="0">
+            <a:schemeClr val="dk1"/>
+          </a:fillRef>
+          <a:effectRef idx="0">
+            <a:schemeClr val="dk1"/>
+          </a:effectRef>
+          <a:fontRef idx="minor">
+            <a:schemeClr val="tx1"/>
+          </a:fontRef>
+        </p:style>
+      </p:cxnSp>
     </p:spTree>
     <p:extLst>
       <p:ext uri="{BB962C8B-B14F-4D97-AF65-F5344CB8AC3E}">
@@ -15916,7 +16065,7 @@
         </p:nvSpPr>
         <p:spPr>
           <a:xfrm>
-            <a:off x="10911015" y="3336563"/>
+            <a:off x="10918304" y="3336563"/>
             <a:ext cx="659411" cy="316834"/>
           </a:xfrm>
           <a:prstGeom prst="roundRect">
@@ -16495,7 +16644,7 @@
               <a:buChar char="•"/>
             </a:pPr>
             <a:r>
-              <a:rPr lang="en-US" dirty="0" smtClean="0"/>
+              <a:rPr lang="en-US" b="1" dirty="0" smtClean="0"/>
               <a:t>Self-reconfiguration</a:t>
             </a:r>
           </a:p>
@@ -17233,7 +17382,7 @@
         <p:spPr>
           <a:xfrm flipH="1" flipV="1">
             <a:off x="5185027" y="4051538"/>
-            <a:ext cx="1451336" cy="1991032"/>
+            <a:ext cx="1513881" cy="1963096"/>
           </a:xfrm>
           <a:prstGeom prst="straightConnector1">
             <a:avLst/>
@@ -17877,7 +18026,7 @@
         </p:nvSpPr>
         <p:spPr>
           <a:xfrm>
-            <a:off x="6636363" y="5730325"/>
+            <a:off x="6698908" y="5702389"/>
             <a:ext cx="1585041" cy="624490"/>
           </a:xfrm>
           <a:prstGeom prst="rect">
@@ -17923,9 +18072,9 @@
           <p:nvPr/>
         </p:nvCxnSpPr>
         <p:spPr>
-          <a:xfrm flipH="1">
-            <a:off x="8221404" y="6024436"/>
-            <a:ext cx="678103" cy="18134"/>
+          <a:xfrm flipH="1" flipV="1">
+            <a:off x="8283949" y="6014634"/>
+            <a:ext cx="615558" cy="9802"/>
           </a:xfrm>
           <a:prstGeom prst="straightConnector1">
             <a:avLst/>
@@ -18719,6 +18868,280 @@
           </a:fontRef>
         </p:style>
       </p:cxnSp>
+      <p:sp>
+        <p:nvSpPr>
+          <p:cNvPr id="6" name="Rectangle 5"/>
+          <p:cNvSpPr/>
+          <p:nvPr/>
+        </p:nvSpPr>
+        <p:spPr>
+          <a:xfrm>
+            <a:off x="7599441" y="4068762"/>
+            <a:ext cx="1887881" cy="420968"/>
+          </a:xfrm>
+          <a:prstGeom prst="rect">
+            <a:avLst/>
+          </a:prstGeom>
+          <a:ln/>
+        </p:spPr>
+        <p:style>
+          <a:lnRef idx="2">
+            <a:schemeClr val="accent1">
+              <a:shade val="50000"/>
+            </a:schemeClr>
+          </a:lnRef>
+          <a:fillRef idx="1">
+            <a:schemeClr val="accent1"/>
+          </a:fillRef>
+          <a:effectRef idx="0">
+            <a:schemeClr val="accent1"/>
+          </a:effectRef>
+          <a:fontRef idx="minor">
+            <a:schemeClr val="lt1"/>
+          </a:fontRef>
+        </p:style>
+        <p:txBody>
+          <a:bodyPr rtlCol="0" anchor="ctr"/>
+          <a:lstStyle/>
+          <a:p>
+            <a:pPr algn="ctr"/>
+            <a:r>
+              <a:rPr lang="en-US" dirty="0" smtClean="0"/>
+              <a:t>Data Recorder</a:t>
+            </a:r>
+            <a:endParaRPr lang="en-US" dirty="0"/>
+          </a:p>
+        </p:txBody>
+      </p:sp>
+      <p:sp>
+        <p:nvSpPr>
+          <p:cNvPr id="7" name="Rectangle 6"/>
+          <p:cNvSpPr/>
+          <p:nvPr/>
+        </p:nvSpPr>
+        <p:spPr>
+          <a:xfrm>
+            <a:off x="8227595" y="2025728"/>
+            <a:ext cx="1887881" cy="420968"/>
+          </a:xfrm>
+          <a:prstGeom prst="rect">
+            <a:avLst/>
+          </a:prstGeom>
+          <a:ln/>
+        </p:spPr>
+        <p:style>
+          <a:lnRef idx="2">
+            <a:schemeClr val="accent1">
+              <a:shade val="50000"/>
+            </a:schemeClr>
+          </a:lnRef>
+          <a:fillRef idx="1">
+            <a:schemeClr val="accent1"/>
+          </a:fillRef>
+          <a:effectRef idx="0">
+            <a:schemeClr val="accent1"/>
+          </a:effectRef>
+          <a:fontRef idx="minor">
+            <a:schemeClr val="lt1"/>
+          </a:fontRef>
+        </p:style>
+        <p:txBody>
+          <a:bodyPr rtlCol="0" anchor="ctr"/>
+          <a:lstStyle/>
+          <a:p>
+            <a:pPr algn="ctr"/>
+            <a:r>
+              <a:rPr lang="en-US" dirty="0" err="1" smtClean="0"/>
+              <a:t>Kalman</a:t>
+            </a:r>
+            <a:r>
+              <a:rPr lang="en-US" dirty="0" smtClean="0"/>
+              <a:t> Filter</a:t>
+            </a:r>
+            <a:endParaRPr lang="en-US" dirty="0"/>
+          </a:p>
+        </p:txBody>
+      </p:sp>
+      <p:sp>
+        <p:nvSpPr>
+          <p:cNvPr id="8" name="Rectangle 7"/>
+          <p:cNvSpPr/>
+          <p:nvPr/>
+        </p:nvSpPr>
+        <p:spPr>
+          <a:xfrm>
+            <a:off x="10304119" y="2025728"/>
+            <a:ext cx="1887881" cy="420968"/>
+          </a:xfrm>
+          <a:prstGeom prst="rect">
+            <a:avLst/>
+          </a:prstGeom>
+          <a:ln/>
+        </p:spPr>
+        <p:style>
+          <a:lnRef idx="2">
+            <a:schemeClr val="accent1">
+              <a:shade val="50000"/>
+            </a:schemeClr>
+          </a:lnRef>
+          <a:fillRef idx="1">
+            <a:schemeClr val="accent1"/>
+          </a:fillRef>
+          <a:effectRef idx="0">
+            <a:schemeClr val="accent1"/>
+          </a:effectRef>
+          <a:fontRef idx="minor">
+            <a:schemeClr val="lt1"/>
+          </a:fontRef>
+        </p:style>
+        <p:txBody>
+          <a:bodyPr rtlCol="0" anchor="ctr"/>
+          <a:lstStyle/>
+          <a:p>
+            <a:pPr algn="ctr"/>
+            <a:r>
+              <a:rPr lang="en-US" dirty="0" smtClean="0"/>
+              <a:t>Anomaly Detector</a:t>
+            </a:r>
+            <a:endParaRPr lang="en-US" dirty="0"/>
+          </a:p>
+        </p:txBody>
+      </p:sp>
+      <p:sp>
+        <p:nvSpPr>
+          <p:cNvPr id="9" name="Rectangle 8"/>
+          <p:cNvSpPr/>
+          <p:nvPr/>
+        </p:nvSpPr>
+        <p:spPr>
+          <a:xfrm>
+            <a:off x="7599441" y="3580326"/>
+            <a:ext cx="1887881" cy="420968"/>
+          </a:xfrm>
+          <a:prstGeom prst="rect">
+            <a:avLst/>
+          </a:prstGeom>
+          <a:ln/>
+        </p:spPr>
+        <p:style>
+          <a:lnRef idx="2">
+            <a:schemeClr val="accent1">
+              <a:shade val="50000"/>
+            </a:schemeClr>
+          </a:lnRef>
+          <a:fillRef idx="1">
+            <a:schemeClr val="accent1"/>
+          </a:fillRef>
+          <a:effectRef idx="0">
+            <a:schemeClr val="accent1"/>
+          </a:effectRef>
+          <a:fontRef idx="minor">
+            <a:schemeClr val="lt1"/>
+          </a:fontRef>
+        </p:style>
+        <p:txBody>
+          <a:bodyPr rtlCol="0" anchor="ctr"/>
+          <a:lstStyle/>
+          <a:p>
+            <a:pPr algn="ctr"/>
+            <a:r>
+              <a:rPr lang="en-US" dirty="0" smtClean="0"/>
+              <a:t>Configurator</a:t>
+            </a:r>
+            <a:endParaRPr lang="en-US" dirty="0"/>
+          </a:p>
+        </p:txBody>
+      </p:sp>
+      <p:sp>
+        <p:nvSpPr>
+          <p:cNvPr id="10" name="Rectangle 9"/>
+          <p:cNvSpPr/>
+          <p:nvPr/>
+        </p:nvSpPr>
+        <p:spPr>
+          <a:xfrm>
+            <a:off x="7877737" y="4557198"/>
+            <a:ext cx="1887881" cy="420968"/>
+          </a:xfrm>
+          <a:prstGeom prst="rect">
+            <a:avLst/>
+          </a:prstGeom>
+          <a:ln/>
+        </p:spPr>
+        <p:style>
+          <a:lnRef idx="2">
+            <a:schemeClr val="accent1">
+              <a:shade val="50000"/>
+            </a:schemeClr>
+          </a:lnRef>
+          <a:fillRef idx="1">
+            <a:schemeClr val="accent1"/>
+          </a:fillRef>
+          <a:effectRef idx="0">
+            <a:schemeClr val="accent1"/>
+          </a:effectRef>
+          <a:fontRef idx="minor">
+            <a:schemeClr val="lt1"/>
+          </a:fontRef>
+        </p:style>
+        <p:txBody>
+          <a:bodyPr rtlCol="0" anchor="ctr"/>
+          <a:lstStyle/>
+          <a:p>
+            <a:pPr algn="ctr"/>
+            <a:r>
+              <a:rPr lang="en-US" dirty="0" smtClean="0"/>
+              <a:t>??</a:t>
+            </a:r>
+            <a:endParaRPr lang="en-US" dirty="0"/>
+          </a:p>
+        </p:txBody>
+      </p:sp>
+      <p:sp>
+        <p:nvSpPr>
+          <p:cNvPr id="11" name="Rectangle 10"/>
+          <p:cNvSpPr/>
+          <p:nvPr/>
+        </p:nvSpPr>
+        <p:spPr>
+          <a:xfrm>
+            <a:off x="8870474" y="5031755"/>
+            <a:ext cx="1887881" cy="420968"/>
+          </a:xfrm>
+          <a:prstGeom prst="rect">
+            <a:avLst/>
+          </a:prstGeom>
+          <a:ln/>
+        </p:spPr>
+        <p:style>
+          <a:lnRef idx="2">
+            <a:schemeClr val="accent1">
+              <a:shade val="50000"/>
+            </a:schemeClr>
+          </a:lnRef>
+          <a:fillRef idx="1">
+            <a:schemeClr val="accent1"/>
+          </a:fillRef>
+          <a:effectRef idx="0">
+            <a:schemeClr val="accent1"/>
+          </a:effectRef>
+          <a:fontRef idx="minor">
+            <a:schemeClr val="lt1"/>
+          </a:fontRef>
+        </p:style>
+        <p:txBody>
+          <a:bodyPr rtlCol="0" anchor="ctr"/>
+          <a:lstStyle/>
+          <a:p>
+            <a:pPr algn="ctr"/>
+            <a:r>
+              <a:rPr lang="en-150" dirty="0" smtClean="0"/>
+              <a:t>…</a:t>
+            </a:r>
+            <a:endParaRPr lang="en-US" dirty="0"/>
+          </a:p>
+        </p:txBody>
+      </p:sp>
     </p:spTree>
     <p:extLst>
       <p:ext uri="{BB962C8B-B14F-4D97-AF65-F5344CB8AC3E}">
@@ -19565,7 +19988,15 @@
           <a:p>
             <a:r>
               <a:rPr lang="en-US" b="1" dirty="0" smtClean="0"/>
-              <a:t>RQ2: How to best orchestrate them to accomplish complex tasks?</a:t>
+              <a:t>RQ2: How to </a:t>
+            </a:r>
+            <a:r>
+              <a:rPr lang="en-US" b="1" dirty="0" smtClean="0"/>
+              <a:t>describe their orchestration to </a:t>
+            </a:r>
+            <a:r>
+              <a:rPr lang="en-US" b="1" dirty="0" smtClean="0"/>
+              <a:t>accomplish complex tasks?</a:t>
             </a:r>
             <a:endParaRPr lang="en-US" b="1" dirty="0"/>
           </a:p>
@@ -19580,7 +20011,7 @@
         <p:spPr>
           <a:xfrm>
             <a:off x="8415094" y="5046578"/>
-            <a:ext cx="2812289" cy="1200329"/>
+            <a:ext cx="2812289" cy="646331"/>
           </a:xfrm>
           <a:prstGeom prst="rect">
             <a:avLst/>
@@ -19595,7 +20026,15 @@
           <a:p>
             <a:r>
               <a:rPr lang="en-US" b="1" dirty="0" smtClean="0"/>
-              <a:t>RQ3: How to enhance reusability of the atoms to quickly engineer new digital twins?</a:t>
+              <a:t>RQ3: How </a:t>
+            </a:r>
+            <a:r>
+              <a:rPr lang="en-US" b="1" dirty="0" smtClean="0"/>
+              <a:t>to </a:t>
+            </a:r>
+            <a:r>
+              <a:rPr lang="en-US" b="1" dirty="0" smtClean="0"/>
+              <a:t>quickly engineer new digital twins?</a:t>
             </a:r>
             <a:endParaRPr lang="en-US" b="1" dirty="0"/>
           </a:p>
@@ -19713,11 +20152,7 @@
             <a:pPr lvl="1"/>
             <a:r>
               <a:rPr lang="en-US" dirty="0" smtClean="0"/>
-              <a:t>Developed with Emil Madsen and Carlos </a:t>
-            </a:r>
-            <a:r>
-              <a:rPr lang="en-US" dirty="0" smtClean="0"/>
-              <a:t>Hansen</a:t>
+              <a:t>Developed with Emil Madsen and Carlos Hansen</a:t>
             </a:r>
           </a:p>
           <a:p>
@@ -19726,7 +20161,6 @@
               <a:rPr lang="en-US" dirty="0" smtClean="0"/>
               <a:t>TODO</a:t>
             </a:r>
-            <a:endParaRPr lang="en-US" dirty="0" smtClean="0"/>
           </a:p>
           <a:p>
             <a:r>
@@ -19759,7 +20193,6 @@
               <a:rPr lang="en-US" dirty="0" smtClean="0"/>
               <a:t>Bachelor students built a more detailed calibrated model.</a:t>
             </a:r>
-            <a:endParaRPr lang="en-US" dirty="0" smtClean="0"/>
           </a:p>
           <a:p>
             <a:endParaRPr lang="en-US" dirty="0"/>
@@ -19920,7 +20353,6 @@
               <a:rPr lang="en-US" dirty="0" smtClean="0"/>
               <a:t>Add descriptions</a:t>
             </a:r>
-            <a:endParaRPr lang="en-US" dirty="0" smtClean="0"/>
           </a:p>
           <a:p>
             <a:r>
@@ -20258,7 +20690,11 @@
             <a:pPr algn="ctr"/>
             <a:r>
               <a:rPr lang="en-US" dirty="0" smtClean="0"/>
-              <a:t>Digital Twin</a:t>
+              <a:t>Digital </a:t>
+            </a:r>
+            <a:r>
+              <a:rPr lang="en-US" dirty="0" smtClean="0"/>
+              <a:t>Twin</a:t>
             </a:r>
             <a:endParaRPr lang="en-US" dirty="0"/>
           </a:p>
@@ -20999,6 +21435,52 @@
           </a:p>
         </p:txBody>
       </p:sp>
+      <p:sp>
+        <p:nvSpPr>
+          <p:cNvPr id="21" name="Rectangle 20"/>
+          <p:cNvSpPr/>
+          <p:nvPr/>
+        </p:nvSpPr>
+        <p:spPr>
+          <a:xfrm>
+            <a:off x="3482197" y="1559858"/>
+            <a:ext cx="5194524" cy="3274535"/>
+          </a:xfrm>
+          <a:prstGeom prst="rect">
+            <a:avLst/>
+          </a:prstGeom>
+          <a:solidFill>
+            <a:schemeClr val="accent1">
+              <a:alpha val="50000"/>
+            </a:schemeClr>
+          </a:solidFill>
+          <a:ln>
+            <a:noFill/>
+          </a:ln>
+        </p:spPr>
+        <p:style>
+          <a:lnRef idx="0">
+            <a:scrgbClr r="0" g="0" b="0"/>
+          </a:lnRef>
+          <a:fillRef idx="0">
+            <a:scrgbClr r="0" g="0" b="0"/>
+          </a:fillRef>
+          <a:effectRef idx="0">
+            <a:scrgbClr r="0" g="0" b="0"/>
+          </a:effectRef>
+          <a:fontRef idx="minor">
+            <a:schemeClr val="lt1"/>
+          </a:fontRef>
+        </p:style>
+        <p:txBody>
+          <a:bodyPr rtlCol="0" anchor="ctr"/>
+          <a:lstStyle/>
+          <a:p>
+            <a:pPr algn="ctr"/>
+            <a:endParaRPr lang="en-US" dirty="0"/>
+          </a:p>
+        </p:txBody>
+      </p:sp>
     </p:spTree>
     <p:extLst>
       <p:ext uri="{BB962C8B-B14F-4D97-AF65-F5344CB8AC3E}">
@@ -21498,7 +21980,11 @@
           <a:p>
             <a:r>
               <a:rPr lang="en-US" dirty="0" smtClean="0"/>
-              <a:t>Constructing a Digital Twin</a:t>
+              <a:t>Constructing </a:t>
+            </a:r>
+            <a:r>
+              <a:rPr lang="en-US" dirty="0" smtClean="0"/>
+              <a:t>a Digital Twin</a:t>
             </a:r>
             <a:endParaRPr lang="en-US" dirty="0"/>
           </a:p>

--- a/notes/presentations/DigitLunch_17_December.pptx
+++ b/notes/presentations/DigitLunch_17_December.pptx
@@ -18717,29 +18717,17 @@
             </a:r>
           </a:p>
           <a:p>
-            <a:pPr lvl="1"/>
-            <a:r>
-              <a:rPr lang="en-US" dirty="0" smtClean="0"/>
-              <a:t>Detection done via </a:t>
-            </a:r>
-            <a:r>
-              <a:rPr lang="en-US" dirty="0" err="1" smtClean="0"/>
-              <a:t>Kalman</a:t>
-            </a:r>
-            <a:r>
-              <a:rPr lang="en-US" dirty="0" smtClean="0"/>
-              <a:t> Filter and Anomaly Detector</a:t>
-            </a:r>
-            <a:endParaRPr lang="en-US" dirty="0"/>
-          </a:p>
-          <a:p>
             <a:pPr marL="514350" indent="-514350">
               <a:buFont typeface="+mj-lt"/>
               <a:buAutoNum type="arabicPeriod"/>
             </a:pPr>
             <a:r>
               <a:rPr lang="en-US" dirty="0" smtClean="0"/>
-              <a:t>Schedule experiment to gather relevant data</a:t>
+              <a:t>Schedule </a:t>
+            </a:r>
+            <a:r>
+              <a:rPr lang="en-US" dirty="0" smtClean="0"/>
+              <a:t>experiment to gather relevant data</a:t>
             </a:r>
           </a:p>
           <a:p>
@@ -18876,7 +18864,7 @@
         </p:nvSpPr>
         <p:spPr>
           <a:xfrm>
-            <a:off x="7599441" y="4068762"/>
+            <a:off x="7599441" y="3743099"/>
             <a:ext cx="1887881" cy="420968"/>
           </a:xfrm>
           <a:prstGeom prst="rect">
@@ -18921,7 +18909,7 @@
         </p:nvSpPr>
         <p:spPr>
           <a:xfrm>
-            <a:off x="8227595" y="2025728"/>
+            <a:off x="8109395" y="1713156"/>
             <a:ext cx="1887881" cy="420968"/>
           </a:xfrm>
           <a:prstGeom prst="rect">
@@ -18970,7 +18958,7 @@
         </p:nvSpPr>
         <p:spPr>
           <a:xfrm>
-            <a:off x="10304119" y="2025728"/>
+            <a:off x="8109395" y="2159761"/>
             <a:ext cx="1887881" cy="420968"/>
           </a:xfrm>
           <a:prstGeom prst="rect">
@@ -19015,7 +19003,7 @@
         </p:nvSpPr>
         <p:spPr>
           <a:xfrm>
-            <a:off x="7599441" y="3580326"/>
+            <a:off x="7599441" y="3257117"/>
             <a:ext cx="1887881" cy="420968"/>
           </a:xfrm>
           <a:prstGeom prst="rect">
@@ -19060,7 +19048,7 @@
         </p:nvSpPr>
         <p:spPr>
           <a:xfrm>
-            <a:off x="7877737" y="4557198"/>
+            <a:off x="8012909" y="4230182"/>
             <a:ext cx="1887881" cy="420968"/>
           </a:xfrm>
           <a:prstGeom prst="rect">
@@ -19090,8 +19078,12 @@
           <a:p>
             <a:pPr algn="ctr"/>
             <a:r>
+              <a:rPr lang="en-US" dirty="0"/>
+              <a:t>LSE </a:t>
+            </a:r>
+            <a:r>
               <a:rPr lang="en-US" dirty="0" smtClean="0"/>
-              <a:t>??</a:t>
+              <a:t>Solver</a:t>
             </a:r>
             <a:endParaRPr lang="en-US" dirty="0"/>
           </a:p>
@@ -19099,19 +19091,18 @@
       </p:sp>
       <p:sp>
         <p:nvSpPr>
-          <p:cNvPr id="11" name="Rectangle 10"/>
+          <p:cNvPr id="12" name="Rectangle 11"/>
           <p:cNvSpPr/>
           <p:nvPr/>
         </p:nvSpPr>
         <p:spPr>
           <a:xfrm>
-            <a:off x="8870474" y="5031755"/>
-            <a:ext cx="1887881" cy="420968"/>
+            <a:off x="9108269" y="5092739"/>
+            <a:ext cx="1585041" cy="624490"/>
           </a:xfrm>
           <a:prstGeom prst="rect">
             <a:avLst/>
           </a:prstGeom>
-          <a:ln/>
         </p:spPr>
         <p:style>
           <a:lnRef idx="2">
@@ -19135,8 +19126,53 @@
           <a:p>
             <a:pPr algn="ctr"/>
             <a:r>
-              <a:rPr lang="en-150" dirty="0" smtClean="0"/>
-              <a:t>…</a:t>
+              <a:rPr lang="en-US" dirty="0" smtClean="0"/>
+              <a:t>What-If Simulation</a:t>
+            </a:r>
+            <a:endParaRPr lang="en-US" dirty="0"/>
+          </a:p>
+        </p:txBody>
+      </p:sp>
+      <p:sp>
+        <p:nvSpPr>
+          <p:cNvPr id="13" name="Rectangle 12"/>
+          <p:cNvSpPr/>
+          <p:nvPr/>
+        </p:nvSpPr>
+        <p:spPr>
+          <a:xfrm>
+            <a:off x="6162452" y="5603036"/>
+            <a:ext cx="1887881" cy="420968"/>
+          </a:xfrm>
+          <a:prstGeom prst="rect">
+            <a:avLst/>
+          </a:prstGeom>
+          <a:ln/>
+        </p:spPr>
+        <p:style>
+          <a:lnRef idx="2">
+            <a:schemeClr val="accent1">
+              <a:shade val="50000"/>
+            </a:schemeClr>
+          </a:lnRef>
+          <a:fillRef idx="1">
+            <a:schemeClr val="accent1"/>
+          </a:fillRef>
+          <a:effectRef idx="0">
+            <a:schemeClr val="accent1"/>
+          </a:effectRef>
+          <a:fontRef idx="minor">
+            <a:schemeClr val="lt1"/>
+          </a:fontRef>
+        </p:style>
+        <p:txBody>
+          <a:bodyPr rtlCol="0" anchor="ctr"/>
+          <a:lstStyle/>
+          <a:p>
+            <a:pPr algn="ctr"/>
+            <a:r>
+              <a:rPr lang="en-US" dirty="0" smtClean="0"/>
+              <a:t>Configurator</a:t>
             </a:r>
             <a:endParaRPr lang="en-US" dirty="0"/>
           </a:p>
@@ -19634,7 +19670,7 @@
         </p:nvSpPr>
         <p:spPr>
           <a:xfrm>
-            <a:off x="6096001" y="1514894"/>
+            <a:off x="6096001" y="1226773"/>
             <a:ext cx="1887881" cy="615440"/>
           </a:xfrm>
           <a:prstGeom prst="rect">
@@ -19678,7 +19714,7 @@
         </p:nvSpPr>
         <p:spPr>
           <a:xfrm>
-            <a:off x="6096001" y="2292787"/>
+            <a:off x="6096001" y="1943707"/>
             <a:ext cx="1887881" cy="641959"/>
           </a:xfrm>
           <a:prstGeom prst="rect">
@@ -19722,7 +19758,7 @@
         </p:nvSpPr>
         <p:spPr>
           <a:xfrm>
-            <a:off x="6096002" y="766062"/>
+            <a:off x="6096002" y="509839"/>
             <a:ext cx="1887881" cy="615440"/>
           </a:xfrm>
           <a:prstGeom prst="rect">
@@ -19765,7 +19801,7 @@
         </p:nvSpPr>
         <p:spPr>
           <a:xfrm>
-            <a:off x="6096001" y="3097199"/>
+            <a:off x="6096001" y="2687160"/>
             <a:ext cx="1887881" cy="615440"/>
           </a:xfrm>
           <a:prstGeom prst="rect">
@@ -19812,7 +19848,7 @@
         </p:nvSpPr>
         <p:spPr>
           <a:xfrm>
-            <a:off x="6096000" y="3876430"/>
+            <a:off x="6096000" y="3404094"/>
             <a:ext cx="1887881" cy="615440"/>
           </a:xfrm>
           <a:prstGeom prst="rect">
@@ -19855,7 +19891,7 @@
         </p:nvSpPr>
         <p:spPr>
           <a:xfrm>
-            <a:off x="6096000" y="4625262"/>
+            <a:off x="6096000" y="4121028"/>
             <a:ext cx="1887881" cy="615440"/>
           </a:xfrm>
           <a:prstGeom prst="rect">
@@ -19922,13 +19958,73 @@
       </p:sp>
       <p:sp>
         <p:nvSpPr>
-          <p:cNvPr id="29" name="Rectangle 28"/>
+          <p:cNvPr id="30" name="TextBox 29"/>
+          <p:cNvSpPr txBox="1"/>
+          <p:nvPr/>
+        </p:nvSpPr>
+        <p:spPr>
+          <a:xfrm>
+            <a:off x="8415094" y="4123248"/>
+            <a:ext cx="2812289" cy="923330"/>
+          </a:xfrm>
+          <a:prstGeom prst="rect">
+            <a:avLst/>
+          </a:prstGeom>
+          <a:noFill/>
+        </p:spPr>
+        <p:txBody>
+          <a:bodyPr wrap="square" rtlCol="0">
+            <a:spAutoFit/>
+          </a:bodyPr>
+          <a:lstStyle/>
+          <a:p>
+            <a:r>
+              <a:rPr lang="en-US" b="1" dirty="0" smtClean="0"/>
+              <a:t>RQ2: How to describe their orchestration to accomplish complex tasks?</a:t>
+            </a:r>
+            <a:endParaRPr lang="en-US" b="1" dirty="0"/>
+          </a:p>
+        </p:txBody>
+      </p:sp>
+      <p:sp>
+        <p:nvSpPr>
+          <p:cNvPr id="31" name="TextBox 30"/>
+          <p:cNvSpPr txBox="1"/>
+          <p:nvPr/>
+        </p:nvSpPr>
+        <p:spPr>
+          <a:xfrm>
+            <a:off x="8415094" y="5046578"/>
+            <a:ext cx="2812289" cy="646331"/>
+          </a:xfrm>
+          <a:prstGeom prst="rect">
+            <a:avLst/>
+          </a:prstGeom>
+          <a:noFill/>
+        </p:spPr>
+        <p:txBody>
+          <a:bodyPr wrap="square" rtlCol="0">
+            <a:spAutoFit/>
+          </a:bodyPr>
+          <a:lstStyle/>
+          <a:p>
+            <a:r>
+              <a:rPr lang="en-US" b="1" dirty="0" smtClean="0"/>
+              <a:t>RQ3: How to quickly engineer new digital twins?</a:t>
+            </a:r>
+            <a:endParaRPr lang="en-US" b="1" dirty="0"/>
+          </a:p>
+        </p:txBody>
+      </p:sp>
+      <p:sp>
+        <p:nvSpPr>
+          <p:cNvPr id="27" name="Rectangle 26"/>
           <p:cNvSpPr/>
           <p:nvPr/>
         </p:nvSpPr>
         <p:spPr>
           <a:xfrm>
-            <a:off x="6096000" y="5458735"/>
+            <a:off x="6096000" y="4837962"/>
             <a:ext cx="1887881" cy="615440"/>
           </a:xfrm>
           <a:prstGeom prst="rect">
@@ -19957,7 +20053,7 @@
           <a:p>
             <a:pPr algn="ctr"/>
             <a:r>
-              <a:rPr lang="en-US" dirty="0" smtClean="0"/>
+              <a:rPr lang="en-US" dirty="0"/>
               <a:t>Visualizer</a:t>
             </a:r>
             <a:endParaRPr lang="en-US" dirty="0"/>
@@ -19966,77 +20062,49 @@
       </p:sp>
       <p:sp>
         <p:nvSpPr>
-          <p:cNvPr id="30" name="TextBox 29"/>
-          <p:cNvSpPr txBox="1"/>
-          <p:nvPr/>
-        </p:nvSpPr>
-        <p:spPr>
-          <a:xfrm>
-            <a:off x="8415094" y="4123248"/>
-            <a:ext cx="2812289" cy="923330"/>
+          <p:cNvPr id="32" name="Rectangle 31"/>
+          <p:cNvSpPr/>
+          <p:nvPr/>
+        </p:nvSpPr>
+        <p:spPr>
+          <a:xfrm>
+            <a:off x="6096000" y="5554898"/>
+            <a:ext cx="1887881" cy="615440"/>
           </a:xfrm>
           <a:prstGeom prst="rect">
             <a:avLst/>
           </a:prstGeom>
-          <a:noFill/>
-        </p:spPr>
-        <p:txBody>
-          <a:bodyPr wrap="square" rtlCol="0">
-            <a:spAutoFit/>
-          </a:bodyPr>
+        </p:spPr>
+        <p:style>
+          <a:lnRef idx="2">
+            <a:schemeClr val="accent1">
+              <a:shade val="50000"/>
+            </a:schemeClr>
+          </a:lnRef>
+          <a:fillRef idx="1">
+            <a:schemeClr val="accent1"/>
+          </a:fillRef>
+          <a:effectRef idx="0">
+            <a:schemeClr val="accent1"/>
+          </a:effectRef>
+          <a:fontRef idx="minor">
+            <a:schemeClr val="lt1"/>
+          </a:fontRef>
+        </p:style>
+        <p:txBody>
+          <a:bodyPr rtlCol="0" anchor="ctr"/>
           <a:lstStyle/>
           <a:p>
-            <a:r>
-              <a:rPr lang="en-US" b="1" dirty="0" smtClean="0"/>
-              <a:t>RQ2: How to </a:t>
-            </a:r>
-            <a:r>
-              <a:rPr lang="en-US" b="1" dirty="0" smtClean="0"/>
-              <a:t>describe their orchestration to </a:t>
-            </a:r>
-            <a:r>
-              <a:rPr lang="en-US" b="1" dirty="0" smtClean="0"/>
-              <a:t>accomplish complex tasks?</a:t>
-            </a:r>
-            <a:endParaRPr lang="en-US" b="1" dirty="0"/>
-          </a:p>
-        </p:txBody>
-      </p:sp>
-      <p:sp>
-        <p:nvSpPr>
-          <p:cNvPr id="31" name="TextBox 30"/>
-          <p:cNvSpPr txBox="1"/>
-          <p:nvPr/>
-        </p:nvSpPr>
-        <p:spPr>
-          <a:xfrm>
-            <a:off x="8415094" y="5046578"/>
-            <a:ext cx="2812289" cy="646331"/>
-          </a:xfrm>
-          <a:prstGeom prst="rect">
-            <a:avLst/>
-          </a:prstGeom>
-          <a:noFill/>
-        </p:spPr>
-        <p:txBody>
-          <a:bodyPr wrap="square" rtlCol="0">
-            <a:spAutoFit/>
-          </a:bodyPr>
-          <a:lstStyle/>
-          <a:p>
-            <a:r>
-              <a:rPr lang="en-US" b="1" dirty="0" smtClean="0"/>
-              <a:t>RQ3: How </a:t>
-            </a:r>
-            <a:r>
-              <a:rPr lang="en-US" b="1" dirty="0" smtClean="0"/>
-              <a:t>to </a:t>
-            </a:r>
-            <a:r>
-              <a:rPr lang="en-US" b="1" dirty="0" smtClean="0"/>
-              <a:t>quickly engineer new digital twins?</a:t>
-            </a:r>
-            <a:endParaRPr lang="en-US" b="1" dirty="0"/>
+            <a:pPr algn="ctr"/>
+            <a:r>
+              <a:rPr lang="en-US" dirty="0"/>
+              <a:t>Moving </a:t>
+            </a:r>
+            <a:r>
+              <a:rPr lang="en-US" dirty="0" smtClean="0"/>
+              <a:t>Average</a:t>
+            </a:r>
+            <a:endParaRPr lang="en-US" dirty="0"/>
           </a:p>
         </p:txBody>
       </p:sp>
@@ -20690,11 +20758,7 @@
             <a:pPr algn="ctr"/>
             <a:r>
               <a:rPr lang="en-US" dirty="0" smtClean="0"/>
-              <a:t>Digital </a:t>
-            </a:r>
-            <a:r>
-              <a:rPr lang="en-US" dirty="0" smtClean="0"/>
-              <a:t>Twin</a:t>
+              <a:t>Digital Twin</a:t>
             </a:r>
             <a:endParaRPr lang="en-US" dirty="0"/>
           </a:p>
@@ -21980,11 +22044,7 @@
           <a:p>
             <a:r>
               <a:rPr lang="en-US" dirty="0" smtClean="0"/>
-              <a:t>Constructing </a:t>
-            </a:r>
-            <a:r>
-              <a:rPr lang="en-US" dirty="0" smtClean="0"/>
-              <a:t>a Digital Twin</a:t>
+              <a:t>Constructing a Digital Twin</a:t>
             </a:r>
             <a:endParaRPr lang="en-US" dirty="0"/>
           </a:p>

--- a/notes/presentations/DigitLunch_17_December.pptx
+++ b/notes/presentations/DigitLunch_17_December.pptx
@@ -5834,9 +5834,14 @@
           <a:bodyPr/>
           <a:lstStyle/>
           <a:p>
+            <a:pPr algn="ctr"/>
+            <a:r>
+              <a:rPr lang="en-US" smtClean="0"/>
+              <a:t>Digesting the Digital </a:t>
+            </a:r>
             <a:r>
               <a:rPr lang="en-US" dirty="0"/>
-              <a:t>De-Constructing Digital Twin</a:t>
+              <a:t>Twin</a:t>
             </a:r>
             <a:endParaRPr lang="en-GB" dirty="0"/>
           </a:p>

--- a/notes/presentations/DigitLunch_17_December.pptx
+++ b/notes/presentations/DigitLunch_17_December.pptx
@@ -223,7 +223,7 @@
           <a:p>
             <a:fld id="{C365DF0B-9596-4DDF-974F-18DBB21698F7}" type="datetimeFigureOut">
               <a:rPr lang="en-US" smtClean="0"/>
-              <a:t>12/17/2020</a:t>
+              <a:t>12/22/2020</a:t>
             </a:fld>
             <a:endParaRPr lang="en-US"/>
           </a:p>
@@ -2103,7 +2103,7 @@
           <a:p>
             <a:fld id="{671238A3-CAB3-4B96-9714-B7E625C5E28A}" type="datetime1">
               <a:rPr lang="en-US" smtClean="0"/>
-              <a:t>12/17/2020</a:t>
+              <a:t>12/22/2020</a:t>
             </a:fld>
             <a:endParaRPr lang="en-US"/>
           </a:p>
@@ -2277,7 +2277,7 @@
           <a:p>
             <a:fld id="{FD2C8283-5F62-4004-ABB1-3E3A0412BC4E}" type="datetime1">
               <a:rPr lang="en-US" smtClean="0"/>
-              <a:t>12/17/2020</a:t>
+              <a:t>12/22/2020</a:t>
             </a:fld>
             <a:endParaRPr lang="en-US"/>
           </a:p>
@@ -2461,7 +2461,7 @@
           <a:p>
             <a:fld id="{0E219CFB-46F1-469F-86D2-5B5A79E35786}" type="datetime1">
               <a:rPr lang="en-US" smtClean="0"/>
-              <a:t>12/17/2020</a:t>
+              <a:t>12/22/2020</a:t>
             </a:fld>
             <a:endParaRPr lang="en-US"/>
           </a:p>
@@ -2714,7 +2714,7 @@
           <a:p>
             <a:fld id="{349A648B-DC22-4408-A84D-20E1587CB7A8}" type="datetime1">
               <a:rPr lang="en-US" smtClean="0"/>
-              <a:t>12/17/2020</a:t>
+              <a:t>12/22/2020</a:t>
             </a:fld>
             <a:r>
               <a:rPr lang="en-GB" smtClean="0"/>
@@ -3414,7 +3414,7 @@
           <a:p>
             <a:fld id="{E9C50AAB-D2D4-4DFE-A863-2DA98307FB2C}" type="datetime1">
               <a:rPr lang="en-US" smtClean="0"/>
-              <a:t>12/17/2020</a:t>
+              <a:t>12/22/2020</a:t>
             </a:fld>
             <a:r>
               <a:rPr lang="en-GB" smtClean="0"/>
@@ -3569,7 +3569,7 @@
           <a:p>
             <a:fld id="{3C337DDB-B326-4AA2-9182-5E17F73A651E}" type="datetime1">
               <a:rPr lang="en-US" smtClean="0"/>
-              <a:t>12/17/2020</a:t>
+              <a:t>12/22/2020</a:t>
             </a:fld>
             <a:endParaRPr lang="en-US"/>
           </a:p>
@@ -3819,7 +3819,7 @@
           <a:p>
             <a:fld id="{121C0FAD-0121-40A3-9489-48EF6D443D6F}" type="datetime1">
               <a:rPr lang="en-US" smtClean="0"/>
-              <a:t>12/17/2020</a:t>
+              <a:t>12/22/2020</a:t>
             </a:fld>
             <a:endParaRPr lang="en-US"/>
           </a:p>
@@ -4055,7 +4055,7 @@
           <a:p>
             <a:fld id="{71607825-D1C8-47F4-8A24-6CCA696BA3DB}" type="datetime1">
               <a:rPr lang="en-US" smtClean="0"/>
-              <a:t>12/17/2020</a:t>
+              <a:t>12/22/2020</a:t>
             </a:fld>
             <a:endParaRPr lang="en-US"/>
           </a:p>
@@ -4426,7 +4426,7 @@
           <a:p>
             <a:fld id="{894916B2-F8F8-4FC4-8E48-06E2E29064EE}" type="datetime1">
               <a:rPr lang="en-US" smtClean="0"/>
-              <a:t>12/17/2020</a:t>
+              <a:t>12/22/2020</a:t>
             </a:fld>
             <a:endParaRPr lang="en-US"/>
           </a:p>
@@ -4548,7 +4548,7 @@
           <a:p>
             <a:fld id="{5E7F891A-B9FE-4D54-A41E-2943C9450E7D}" type="datetime1">
               <a:rPr lang="en-US" smtClean="0"/>
-              <a:t>12/17/2020</a:t>
+              <a:t>12/22/2020</a:t>
             </a:fld>
             <a:endParaRPr lang="en-US"/>
           </a:p>
@@ -4647,7 +4647,7 @@
           <a:p>
             <a:fld id="{5F073907-537F-48D3-8A6E-8A44B474F3D2}" type="datetime1">
               <a:rPr lang="en-US" smtClean="0"/>
-              <a:t>12/17/2020</a:t>
+              <a:t>12/22/2020</a:t>
             </a:fld>
             <a:endParaRPr lang="en-US"/>
           </a:p>
@@ -4928,7 +4928,7 @@
           <a:p>
             <a:fld id="{BAB2D7CE-E95C-4C44-965D-82D2351FD597}" type="datetime1">
               <a:rPr lang="en-US" smtClean="0"/>
-              <a:t>12/17/2020</a:t>
+              <a:t>12/22/2020</a:t>
             </a:fld>
             <a:endParaRPr lang="en-US"/>
           </a:p>
@@ -5185,7 +5185,7 @@
           <a:p>
             <a:fld id="{17DA4150-C7C0-4CA1-B41A-6BD4E30DA9A4}" type="datetime1">
               <a:rPr lang="en-US" smtClean="0"/>
-              <a:t>12/17/2020</a:t>
+              <a:t>12/22/2020</a:t>
             </a:fld>
             <a:endParaRPr lang="en-US"/>
           </a:p>
@@ -5402,7 +5402,7 @@
           <a:p>
             <a:fld id="{9CC77848-9860-4051-BC7A-775306999E7F}" type="datetime1">
               <a:rPr lang="en-US" smtClean="0"/>
-              <a:t>12/17/2020</a:t>
+              <a:t>12/22/2020</a:t>
             </a:fld>
             <a:endParaRPr lang="en-US"/>
           </a:p>
@@ -11004,43 +11004,6 @@
           </a:p>
         </p:txBody>
       </p:sp>
-      <p:cxnSp>
-        <p:nvCxnSpPr>
-          <p:cNvPr id="45" name="Straight Arrow Connector 44"/>
-          <p:cNvCxnSpPr>
-            <a:stCxn id="36" idx="2"/>
-            <a:endCxn id="44" idx="0"/>
-          </p:cNvCxnSpPr>
-          <p:nvPr/>
-        </p:nvCxnSpPr>
-        <p:spPr>
-          <a:xfrm>
-            <a:off x="10233762" y="3328110"/>
-            <a:ext cx="8527" cy="622652"/>
-          </a:xfrm>
-          <a:prstGeom prst="straightConnector1">
-            <a:avLst/>
-          </a:prstGeom>
-          <a:ln w="38100">
-            <a:prstDash val="sysDot"/>
-            <a:tailEnd type="triangle"/>
-          </a:ln>
-        </p:spPr>
-        <p:style>
-          <a:lnRef idx="1">
-            <a:schemeClr val="dk1"/>
-          </a:lnRef>
-          <a:fillRef idx="0">
-            <a:schemeClr val="dk1"/>
-          </a:fillRef>
-          <a:effectRef idx="0">
-            <a:schemeClr val="dk1"/>
-          </a:effectRef>
-          <a:fontRef idx="minor">
-            <a:schemeClr val="tx1"/>
-          </a:fontRef>
-        </p:style>
-      </p:cxnSp>
       <p:grpSp>
         <p:nvGrpSpPr>
           <p:cNvPr id="65" name="Group 64"/>
@@ -11993,64 +11956,19 @@
           </p:txBody>
         </p:sp>
       </p:grpSp>
-      <p:sp>
-        <p:nvSpPr>
-          <p:cNvPr id="36" name="Rectangle 35"/>
-          <p:cNvSpPr/>
-          <p:nvPr/>
-        </p:nvSpPr>
-        <p:spPr>
-          <a:xfrm>
-            <a:off x="9289821" y="2907142"/>
-            <a:ext cx="1887881" cy="420968"/>
-          </a:xfrm>
-          <a:prstGeom prst="rect">
-            <a:avLst/>
-          </a:prstGeom>
-          <a:ln/>
-        </p:spPr>
-        <p:style>
-          <a:lnRef idx="2">
-            <a:schemeClr val="accent1">
-              <a:shade val="50000"/>
-            </a:schemeClr>
-          </a:lnRef>
-          <a:fillRef idx="1">
-            <a:schemeClr val="accent1"/>
-          </a:fillRef>
-          <a:effectRef idx="0">
-            <a:schemeClr val="accent1"/>
-          </a:effectRef>
-          <a:fontRef idx="minor">
-            <a:schemeClr val="lt1"/>
-          </a:fontRef>
-        </p:style>
-        <p:txBody>
-          <a:bodyPr rtlCol="0" anchor="ctr"/>
-          <a:lstStyle/>
-          <a:p>
-            <a:pPr algn="ctr"/>
-            <a:r>
-              <a:rPr lang="en-US" dirty="0" smtClean="0"/>
-              <a:t>Moving Average</a:t>
-            </a:r>
-            <a:endParaRPr lang="en-US" dirty="0"/>
-          </a:p>
-        </p:txBody>
-      </p:sp>
       <p:cxnSp>
         <p:nvCxnSpPr>
           <p:cNvPr id="37" name="Straight Arrow Connector 36"/>
           <p:cNvCxnSpPr>
             <a:stCxn id="35" idx="2"/>
-            <a:endCxn id="36" idx="0"/>
+            <a:endCxn id="44" idx="0"/>
           </p:cNvCxnSpPr>
           <p:nvPr/>
         </p:nvCxnSpPr>
         <p:spPr>
           <a:xfrm>
             <a:off x="10216445" y="2464076"/>
-            <a:ext cx="17317" cy="443066"/>
+            <a:ext cx="25844" cy="1486686"/>
           </a:xfrm>
           <a:prstGeom prst="straightConnector1">
             <a:avLst/>
@@ -15073,7 +14991,7 @@
         </p:nvSpPr>
         <p:spPr>
           <a:xfrm>
-            <a:off x="5187329" y="2795784"/>
+            <a:off x="5171563" y="2815981"/>
             <a:ext cx="1149038" cy="628583"/>
           </a:xfrm>
           <a:prstGeom prst="flowChartDocument">
@@ -15118,8 +15036,8 @@
         </p:nvCxnSpPr>
         <p:spPr>
           <a:xfrm>
-            <a:off x="5761848" y="3382811"/>
-            <a:ext cx="233953" cy="445067"/>
+            <a:off x="5746082" y="3403008"/>
+            <a:ext cx="249719" cy="424870"/>
           </a:xfrm>
           <a:prstGeom prst="straightConnector1">
             <a:avLst/>
@@ -15793,6 +15711,58 @@
               <a:t>16</a:t>
             </a:fld>
             <a:endParaRPr lang="en-US"/>
+          </a:p>
+        </p:txBody>
+      </p:sp>
+      <p:sp>
+        <p:nvSpPr>
+          <p:cNvPr id="5" name="Rectangle 4"/>
+          <p:cNvSpPr/>
+          <p:nvPr/>
+        </p:nvSpPr>
+        <p:spPr>
+          <a:xfrm>
+            <a:off x="6626432" y="5169351"/>
+            <a:ext cx="1842905" cy="604627"/>
+          </a:xfrm>
+          <a:prstGeom prst="rect">
+            <a:avLst/>
+          </a:prstGeom>
+        </p:spPr>
+        <p:style>
+          <a:lnRef idx="2">
+            <a:schemeClr val="accent2">
+              <a:shade val="50000"/>
+            </a:schemeClr>
+          </a:lnRef>
+          <a:fillRef idx="1">
+            <a:schemeClr val="accent2"/>
+          </a:fillRef>
+          <a:effectRef idx="0">
+            <a:schemeClr val="accent2"/>
+          </a:effectRef>
+          <a:fontRef idx="minor">
+            <a:schemeClr val="lt1"/>
+          </a:fontRef>
+        </p:style>
+        <p:txBody>
+          <a:bodyPr rtlCol="0" anchor="ctr"/>
+          <a:lstStyle/>
+          <a:p>
+            <a:pPr algn="ctr"/>
+            <a:r>
+              <a:rPr lang="en-US" dirty="0" smtClean="0"/>
+              <a:t>This is </a:t>
+            </a:r>
+            <a:r>
+              <a:rPr lang="en-US" dirty="0" err="1" smtClean="0"/>
+              <a:t>timeseries</a:t>
+            </a:r>
+            <a:r>
+              <a:rPr lang="en-US" dirty="0" smtClean="0"/>
+              <a:t> data</a:t>
+            </a:r>
+            <a:endParaRPr lang="en-US" dirty="0"/>
           </a:p>
         </p:txBody>
       </p:sp>
